--- a/Voorbeeldwireframes.pptx
+++ b/Voorbeeldwireframes.pptx
@@ -2,14 +2,14 @@
 <file path=ppt/presentation.xml><?xml version="1.0" encoding="utf-8"?>
 <p:presentation xmlns:a="http://schemas.openxmlformats.org/drawingml/2006/main" xmlns:r="http://schemas.openxmlformats.org/officeDocument/2006/relationships" xmlns:p="http://schemas.openxmlformats.org/presentationml/2006/main" saveSubsetFonts="1">
   <p:sldMasterIdLst>
-    <p:sldMasterId id="2147483648" r:id="rId3"/>
+    <p:sldMasterId id="2147483648" r:id="rId4"/>
   </p:sldMasterIdLst>
   <p:sldIdLst>
-    <p:sldId id="256" r:id="rId4"/>
-    <p:sldId id="257" r:id="rId5"/>
-    <p:sldId id="260" r:id="rId6"/>
-    <p:sldId id="258" r:id="rId7"/>
-    <p:sldId id="259" r:id="rId8"/>
+    <p:sldId id="261" r:id="rId5"/>
+    <p:sldId id="262" r:id="rId6"/>
+    <p:sldId id="263" r:id="rId7"/>
+    <p:sldId id="264" r:id="rId8"/>
+    <p:sldId id="265" r:id="rId9"/>
   </p:sldIdLst>
   <p:sldSz cx="12192000" cy="6858000"/>
   <p:notesSz cx="6858000" cy="9144000"/>
@@ -119,13 +119,803 @@
 <file path=ppt/revisionInfo.xml><?xml version="1.0" encoding="utf-8"?>
 <p1510:revInfo xmlns:a="http://schemas.openxmlformats.org/drawingml/2006/main" xmlns:r="http://schemas.openxmlformats.org/officeDocument/2006/relationships" xmlns:p1510="http://schemas.microsoft.com/office/powerpoint/2015/10/main">
   <p1510:revLst>
-    <p1510:client id="{2AC13CEB-755B-411E-A2FD-0697A0E3C3C8}" v="4" dt="2024-02-10T11:09:15.481"/>
+    <p1510:client id="{FAB5683E-2409-4051-8891-477ABF943C7B}" v="54" dt="2024-03-09T14:09:11.573"/>
   </p1510:revLst>
 </p1510:revInfo>
 </file>
 
 <file path=ppt/changesInfos/changesInfo1.xml><?xml version="1.0" encoding="utf-8"?>
 <pc:chgInfo xmlns:a="http://schemas.openxmlformats.org/drawingml/2006/main" xmlns:r="http://schemas.openxmlformats.org/officeDocument/2006/relationships" xmlns:ac="http://schemas.microsoft.com/office/drawing/2013/main/command" xmlns:pc="http://schemas.microsoft.com/office/powerpoint/2013/main/command">
+  <pc:docChgLst>
+    <pc:chgData name="simon provinciael" userId="ffa8ff8974f73f08" providerId="LiveId" clId="{FAB5683E-2409-4051-8891-477ABF943C7B}"/>
+    <pc:docChg chg="undo custSel addSld delSld modSld">
+      <pc:chgData name="simon provinciael" userId="ffa8ff8974f73f08" providerId="LiveId" clId="{FAB5683E-2409-4051-8891-477ABF943C7B}" dt="2024-03-09T14:09:19.762" v="581" actId="47"/>
+      <pc:docMkLst>
+        <pc:docMk/>
+      </pc:docMkLst>
+      <pc:sldChg chg="addSp delSp modSp del mod">
+        <pc:chgData name="simon provinciael" userId="ffa8ff8974f73f08" providerId="LiveId" clId="{FAB5683E-2409-4051-8891-477ABF943C7B}" dt="2024-03-09T13:51:44.920" v="105" actId="47"/>
+        <pc:sldMkLst>
+          <pc:docMk/>
+          <pc:sldMk cId="890284344" sldId="256"/>
+        </pc:sldMkLst>
+        <pc:spChg chg="add del mod">
+          <ac:chgData name="simon provinciael" userId="ffa8ff8974f73f08" providerId="LiveId" clId="{FAB5683E-2409-4051-8891-477ABF943C7B}" dt="2024-03-09T13:49:03.115" v="63" actId="21"/>
+          <ac:spMkLst>
+            <pc:docMk/>
+            <pc:sldMk cId="890284344" sldId="256"/>
+            <ac:spMk id="2" creationId="{06E8E1B2-F060-B905-4169-C1F9472A1ABD}"/>
+          </ac:spMkLst>
+        </pc:spChg>
+        <pc:spChg chg="add del mod">
+          <ac:chgData name="simon provinciael" userId="ffa8ff8974f73f08" providerId="LiveId" clId="{FAB5683E-2409-4051-8891-477ABF943C7B}" dt="2024-03-09T13:49:03.115" v="63" actId="21"/>
+          <ac:spMkLst>
+            <pc:docMk/>
+            <pc:sldMk cId="890284344" sldId="256"/>
+            <ac:spMk id="3" creationId="{C29735C2-1262-1A03-F46B-EA69D781E11D}"/>
+          </ac:spMkLst>
+        </pc:spChg>
+        <pc:spChg chg="del">
+          <ac:chgData name="simon provinciael" userId="ffa8ff8974f73f08" providerId="LiveId" clId="{FAB5683E-2409-4051-8891-477ABF943C7B}" dt="2024-03-09T13:47:12.001" v="17" actId="478"/>
+          <ac:spMkLst>
+            <pc:docMk/>
+            <pc:sldMk cId="890284344" sldId="256"/>
+            <ac:spMk id="4" creationId="{DA581340-EA16-3904-9568-92D30EBC565D}"/>
+          </ac:spMkLst>
+        </pc:spChg>
+        <pc:spChg chg="del">
+          <ac:chgData name="simon provinciael" userId="ffa8ff8974f73f08" providerId="LiveId" clId="{FAB5683E-2409-4051-8891-477ABF943C7B}" dt="2024-03-09T13:47:10.818" v="16" actId="478"/>
+          <ac:spMkLst>
+            <pc:docMk/>
+            <pc:sldMk cId="890284344" sldId="256"/>
+            <ac:spMk id="5" creationId="{FFB337B2-79F8-9C50-5ACD-A009BE31CA42}"/>
+          </ac:spMkLst>
+        </pc:spChg>
+        <pc:spChg chg="del">
+          <ac:chgData name="simon provinciael" userId="ffa8ff8974f73f08" providerId="LiveId" clId="{FAB5683E-2409-4051-8891-477ABF943C7B}" dt="2024-03-09T13:46:49.506" v="0" actId="478"/>
+          <ac:spMkLst>
+            <pc:docMk/>
+            <pc:sldMk cId="890284344" sldId="256"/>
+            <ac:spMk id="6" creationId="{6070EAF1-B126-4AE9-6B13-C34E15227851}"/>
+          </ac:spMkLst>
+        </pc:spChg>
+        <pc:spChg chg="del mod">
+          <ac:chgData name="simon provinciael" userId="ffa8ff8974f73f08" providerId="LiveId" clId="{FAB5683E-2409-4051-8891-477ABF943C7B}" dt="2024-03-09T13:49:03.115" v="63" actId="21"/>
+          <ac:spMkLst>
+            <pc:docMk/>
+            <pc:sldMk cId="890284344" sldId="256"/>
+            <ac:spMk id="7" creationId="{ECB01951-DAEF-9F23-33DB-CA61A59D3F0E}"/>
+          </ac:spMkLst>
+        </pc:spChg>
+        <pc:spChg chg="del">
+          <ac:chgData name="simon provinciael" userId="ffa8ff8974f73f08" providerId="LiveId" clId="{FAB5683E-2409-4051-8891-477ABF943C7B}" dt="2024-03-09T13:46:52.407" v="1" actId="478"/>
+          <ac:spMkLst>
+            <pc:docMk/>
+            <pc:sldMk cId="890284344" sldId="256"/>
+            <ac:spMk id="8" creationId="{F28B4BCE-5E7A-B1C6-1045-17E2110A92E3}"/>
+          </ac:spMkLst>
+        </pc:spChg>
+        <pc:spChg chg="add del mod">
+          <ac:chgData name="simon provinciael" userId="ffa8ff8974f73f08" providerId="LiveId" clId="{FAB5683E-2409-4051-8891-477ABF943C7B}" dt="2024-03-09T13:49:03.115" v="63" actId="21"/>
+          <ac:spMkLst>
+            <pc:docMk/>
+            <pc:sldMk cId="890284344" sldId="256"/>
+            <ac:spMk id="9" creationId="{EE64C423-94FC-F363-36DF-718AD954A44B}"/>
+          </ac:spMkLst>
+        </pc:spChg>
+        <pc:spChg chg="add mod">
+          <ac:chgData name="simon provinciael" userId="ffa8ff8974f73f08" providerId="LiveId" clId="{FAB5683E-2409-4051-8891-477ABF943C7B}" dt="2024-03-09T13:49:03.521" v="64"/>
+          <ac:spMkLst>
+            <pc:docMk/>
+            <pc:sldMk cId="890284344" sldId="256"/>
+            <ac:spMk id="12" creationId="{ECB01951-DAEF-9F23-33DB-CA61A59D3F0E}"/>
+          </ac:spMkLst>
+        </pc:spChg>
+        <pc:spChg chg="add mod">
+          <ac:chgData name="simon provinciael" userId="ffa8ff8974f73f08" providerId="LiveId" clId="{FAB5683E-2409-4051-8891-477ABF943C7B}" dt="2024-03-09T13:49:03.521" v="64"/>
+          <ac:spMkLst>
+            <pc:docMk/>
+            <pc:sldMk cId="890284344" sldId="256"/>
+            <ac:spMk id="13" creationId="{06E8E1B2-F060-B905-4169-C1F9472A1ABD}"/>
+          </ac:spMkLst>
+        </pc:spChg>
+        <pc:spChg chg="add mod">
+          <ac:chgData name="simon provinciael" userId="ffa8ff8974f73f08" providerId="LiveId" clId="{FAB5683E-2409-4051-8891-477ABF943C7B}" dt="2024-03-09T13:49:03.521" v="64"/>
+          <ac:spMkLst>
+            <pc:docMk/>
+            <pc:sldMk cId="890284344" sldId="256"/>
+            <ac:spMk id="14" creationId="{C29735C2-1262-1A03-F46B-EA69D781E11D}"/>
+          </ac:spMkLst>
+        </pc:spChg>
+        <pc:spChg chg="add mod">
+          <ac:chgData name="simon provinciael" userId="ffa8ff8974f73f08" providerId="LiveId" clId="{FAB5683E-2409-4051-8891-477ABF943C7B}" dt="2024-03-09T13:49:03.521" v="64"/>
+          <ac:spMkLst>
+            <pc:docMk/>
+            <pc:sldMk cId="890284344" sldId="256"/>
+            <ac:spMk id="15" creationId="{EE64C423-94FC-F363-36DF-718AD954A44B}"/>
+          </ac:spMkLst>
+        </pc:spChg>
+        <pc:picChg chg="add mod">
+          <ac:chgData name="simon provinciael" userId="ffa8ff8974f73f08" providerId="LiveId" clId="{FAB5683E-2409-4051-8891-477ABF943C7B}" dt="2024-03-09T13:49:10.174" v="65" actId="14100"/>
+          <ac:picMkLst>
+            <pc:docMk/>
+            <pc:sldMk cId="890284344" sldId="256"/>
+            <ac:picMk id="11" creationId="{1C819B9E-5B5F-4076-3A2E-D652B6792B61}"/>
+          </ac:picMkLst>
+        </pc:picChg>
+      </pc:sldChg>
+      <pc:sldChg chg="del">
+        <pc:chgData name="simon provinciael" userId="ffa8ff8974f73f08" providerId="LiveId" clId="{FAB5683E-2409-4051-8891-477ABF943C7B}" dt="2024-03-09T13:56:16.381" v="194" actId="47"/>
+        <pc:sldMkLst>
+          <pc:docMk/>
+          <pc:sldMk cId="1263731893" sldId="257"/>
+        </pc:sldMkLst>
+      </pc:sldChg>
+      <pc:sldChg chg="del">
+        <pc:chgData name="simon provinciael" userId="ffa8ff8974f73f08" providerId="LiveId" clId="{FAB5683E-2409-4051-8891-477ABF943C7B}" dt="2024-03-09T14:05:42.608" v="502" actId="47"/>
+        <pc:sldMkLst>
+          <pc:docMk/>
+          <pc:sldMk cId="2210881996" sldId="258"/>
+        </pc:sldMkLst>
+      </pc:sldChg>
+      <pc:sldChg chg="del">
+        <pc:chgData name="simon provinciael" userId="ffa8ff8974f73f08" providerId="LiveId" clId="{FAB5683E-2409-4051-8891-477ABF943C7B}" dt="2024-03-09T14:09:19.762" v="581" actId="47"/>
+        <pc:sldMkLst>
+          <pc:docMk/>
+          <pc:sldMk cId="2246741550" sldId="259"/>
+        </pc:sldMkLst>
+      </pc:sldChg>
+      <pc:sldChg chg="del">
+        <pc:chgData name="simon provinciael" userId="ffa8ff8974f73f08" providerId="LiveId" clId="{FAB5683E-2409-4051-8891-477ABF943C7B}" dt="2024-03-09T14:03:06.749" v="429" actId="47"/>
+        <pc:sldMkLst>
+          <pc:docMk/>
+          <pc:sldMk cId="3901492630" sldId="260"/>
+        </pc:sldMkLst>
+      </pc:sldChg>
+      <pc:sldChg chg="addSp modSp add mod">
+        <pc:chgData name="simon provinciael" userId="ffa8ff8974f73f08" providerId="LiveId" clId="{FAB5683E-2409-4051-8891-477ABF943C7B}" dt="2024-03-09T13:54:32.848" v="163" actId="20577"/>
+        <pc:sldMkLst>
+          <pc:docMk/>
+          <pc:sldMk cId="2213303306" sldId="261"/>
+        </pc:sldMkLst>
+        <pc:spChg chg="add mod">
+          <ac:chgData name="simon provinciael" userId="ffa8ff8974f73f08" providerId="LiveId" clId="{FAB5683E-2409-4051-8891-477ABF943C7B}" dt="2024-03-09T13:52:28.497" v="117" actId="208"/>
+          <ac:spMkLst>
+            <pc:docMk/>
+            <pc:sldMk cId="2213303306" sldId="261"/>
+            <ac:spMk id="8" creationId="{4DFFC628-8D61-AE82-630B-26FC8891EE28}"/>
+          </ac:spMkLst>
+        </pc:spChg>
+        <pc:spChg chg="add mod">
+          <ac:chgData name="simon provinciael" userId="ffa8ff8974f73f08" providerId="LiveId" clId="{FAB5683E-2409-4051-8891-477ABF943C7B}" dt="2024-03-09T13:52:51.007" v="125" actId="1076"/>
+          <ac:spMkLst>
+            <pc:docMk/>
+            <pc:sldMk cId="2213303306" sldId="261"/>
+            <ac:spMk id="9" creationId="{184DE390-FE5C-2CA4-BE6E-5DDA5D61E53B}"/>
+          </ac:spMkLst>
+        </pc:spChg>
+        <pc:spChg chg="add mod">
+          <ac:chgData name="simon provinciael" userId="ffa8ff8974f73f08" providerId="LiveId" clId="{FAB5683E-2409-4051-8891-477ABF943C7B}" dt="2024-03-09T13:53:33.908" v="132" actId="208"/>
+          <ac:spMkLst>
+            <pc:docMk/>
+            <pc:sldMk cId="2213303306" sldId="261"/>
+            <ac:spMk id="10" creationId="{78922010-9364-198B-8C28-F6B5CDF3D4ED}"/>
+          </ac:spMkLst>
+        </pc:spChg>
+        <pc:spChg chg="mod">
+          <ac:chgData name="simon provinciael" userId="ffa8ff8974f73f08" providerId="LiveId" clId="{FAB5683E-2409-4051-8891-477ABF943C7B}" dt="2024-03-09T13:51:29.481" v="103" actId="20577"/>
+          <ac:spMkLst>
+            <pc:docMk/>
+            <pc:sldMk cId="2213303306" sldId="261"/>
+            <ac:spMk id="12" creationId="{ABB9D131-A851-2B6E-F890-DC6D488B448E}"/>
+          </ac:spMkLst>
+        </pc:spChg>
+        <pc:spChg chg="mod">
+          <ac:chgData name="simon provinciael" userId="ffa8ff8974f73f08" providerId="LiveId" clId="{FAB5683E-2409-4051-8891-477ABF943C7B}" dt="2024-03-09T13:51:31.429" v="104" actId="20577"/>
+          <ac:spMkLst>
+            <pc:docMk/>
+            <pc:sldMk cId="2213303306" sldId="261"/>
+            <ac:spMk id="13" creationId="{3E3B7E2E-5879-E97D-C7EF-6E0723E3E097}"/>
+          </ac:spMkLst>
+        </pc:spChg>
+        <pc:spChg chg="mod">
+          <ac:chgData name="simon provinciael" userId="ffa8ff8974f73f08" providerId="LiveId" clId="{FAB5683E-2409-4051-8891-477ABF943C7B}" dt="2024-03-09T13:51:06.605" v="96" actId="207"/>
+          <ac:spMkLst>
+            <pc:docMk/>
+            <pc:sldMk cId="2213303306" sldId="261"/>
+            <ac:spMk id="14" creationId="{5264D28B-13FE-AB7B-893A-44E4CC088CAE}"/>
+          </ac:spMkLst>
+        </pc:spChg>
+        <pc:spChg chg="add mod">
+          <ac:chgData name="simon provinciael" userId="ffa8ff8974f73f08" providerId="LiveId" clId="{FAB5683E-2409-4051-8891-477ABF943C7B}" dt="2024-03-09T13:53:38.273" v="134" actId="1076"/>
+          <ac:spMkLst>
+            <pc:docMk/>
+            <pc:sldMk cId="2213303306" sldId="261"/>
+            <ac:spMk id="16" creationId="{6DF05C43-E9CD-C709-DF68-6FE5C9C5DC68}"/>
+          </ac:spMkLst>
+        </pc:spChg>
+        <pc:spChg chg="add mod">
+          <ac:chgData name="simon provinciael" userId="ffa8ff8974f73f08" providerId="LiveId" clId="{FAB5683E-2409-4051-8891-477ABF943C7B}" dt="2024-03-09T13:54:23.681" v="152" actId="1076"/>
+          <ac:spMkLst>
+            <pc:docMk/>
+            <pc:sldMk cId="2213303306" sldId="261"/>
+            <ac:spMk id="17" creationId="{8919AA16-3C78-9E98-FB35-2F4778D5B9B1}"/>
+          </ac:spMkLst>
+        </pc:spChg>
+        <pc:spChg chg="add mod">
+          <ac:chgData name="simon provinciael" userId="ffa8ff8974f73f08" providerId="LiveId" clId="{FAB5683E-2409-4051-8891-477ABF943C7B}" dt="2024-03-09T13:54:32.848" v="163" actId="20577"/>
+          <ac:spMkLst>
+            <pc:docMk/>
+            <pc:sldMk cId="2213303306" sldId="261"/>
+            <ac:spMk id="18" creationId="{9DCB5586-0A2C-41E6-79DA-31CA6881F986}"/>
+          </ac:spMkLst>
+        </pc:spChg>
+        <pc:picChg chg="add mod">
+          <ac:chgData name="simon provinciael" userId="ffa8ff8974f73f08" providerId="LiveId" clId="{FAB5683E-2409-4051-8891-477ABF943C7B}" dt="2024-03-09T13:50:17.373" v="79" actId="1076"/>
+          <ac:picMkLst>
+            <pc:docMk/>
+            <pc:sldMk cId="2213303306" sldId="261"/>
+            <ac:picMk id="3" creationId="{3EB3958E-1797-0350-D05C-54419941DA0A}"/>
+          </ac:picMkLst>
+        </pc:picChg>
+        <pc:picChg chg="add mod">
+          <ac:chgData name="simon provinciael" userId="ffa8ff8974f73f08" providerId="LiveId" clId="{FAB5683E-2409-4051-8891-477ABF943C7B}" dt="2024-03-09T13:50:37.309" v="89" actId="1076"/>
+          <ac:picMkLst>
+            <pc:docMk/>
+            <pc:sldMk cId="2213303306" sldId="261"/>
+            <ac:picMk id="5" creationId="{17FC6F54-AEA6-C48F-BD8C-64A395761166}"/>
+          </ac:picMkLst>
+        </pc:picChg>
+        <pc:picChg chg="add mod">
+          <ac:chgData name="simon provinciael" userId="ffa8ff8974f73f08" providerId="LiveId" clId="{FAB5683E-2409-4051-8891-477ABF943C7B}" dt="2024-03-09T13:50:47.989" v="94" actId="1076"/>
+          <ac:picMkLst>
+            <pc:docMk/>
+            <pc:sldMk cId="2213303306" sldId="261"/>
+            <ac:picMk id="7" creationId="{1DDCBC11-9F48-4021-F23F-FE50EE2589EC}"/>
+          </ac:picMkLst>
+        </pc:picChg>
+      </pc:sldChg>
+      <pc:sldChg chg="addSp delSp modSp add mod">
+        <pc:chgData name="simon provinciael" userId="ffa8ff8974f73f08" providerId="LiveId" clId="{FAB5683E-2409-4051-8891-477ABF943C7B}" dt="2024-03-09T13:56:02.967" v="193" actId="20577"/>
+        <pc:sldMkLst>
+          <pc:docMk/>
+          <pc:sldMk cId="1901085573" sldId="262"/>
+        </pc:sldMkLst>
+        <pc:spChg chg="add mod">
+          <ac:chgData name="simon provinciael" userId="ffa8ff8974f73f08" providerId="LiveId" clId="{FAB5683E-2409-4051-8891-477ABF943C7B}" dt="2024-03-09T13:56:02.967" v="193" actId="20577"/>
+          <ac:spMkLst>
+            <pc:docMk/>
+            <pc:sldMk cId="1901085573" sldId="262"/>
+            <ac:spMk id="2" creationId="{825C4D2B-EDF4-8958-B9B2-56F12E873969}"/>
+          </ac:spMkLst>
+        </pc:spChg>
+        <pc:spChg chg="del mod">
+          <ac:chgData name="simon provinciael" userId="ffa8ff8974f73f08" providerId="LiveId" clId="{FAB5683E-2409-4051-8891-477ABF943C7B}" dt="2024-03-09T13:55:15.610" v="181" actId="478"/>
+          <ac:spMkLst>
+            <pc:docMk/>
+            <pc:sldMk cId="1901085573" sldId="262"/>
+            <ac:spMk id="12" creationId="{AB0F3D9D-0599-5F0B-595C-C7548A4223EA}"/>
+          </ac:spMkLst>
+        </pc:spChg>
+        <pc:spChg chg="del">
+          <ac:chgData name="simon provinciael" userId="ffa8ff8974f73f08" providerId="LiveId" clId="{FAB5683E-2409-4051-8891-477ABF943C7B}" dt="2024-03-09T13:55:12.945" v="177" actId="478"/>
+          <ac:spMkLst>
+            <pc:docMk/>
+            <pc:sldMk cId="1901085573" sldId="262"/>
+            <ac:spMk id="13" creationId="{36C083F7-DB84-8E58-BE06-E1F2F222D1EB}"/>
+          </ac:spMkLst>
+        </pc:spChg>
+        <pc:spChg chg="del">
+          <ac:chgData name="simon provinciael" userId="ffa8ff8974f73f08" providerId="LiveId" clId="{FAB5683E-2409-4051-8891-477ABF943C7B}" dt="2024-03-09T13:55:11.679" v="175" actId="478"/>
+          <ac:spMkLst>
+            <pc:docMk/>
+            <pc:sldMk cId="1901085573" sldId="262"/>
+            <ac:spMk id="14" creationId="{E671D65D-3966-4468-8620-1B4BCCEF24C4}"/>
+          </ac:spMkLst>
+        </pc:spChg>
+        <pc:spChg chg="mod">
+          <ac:chgData name="simon provinciael" userId="ffa8ff8974f73f08" providerId="LiveId" clId="{FAB5683E-2409-4051-8891-477ABF943C7B}" dt="2024-03-09T13:55:03.240" v="174" actId="20577"/>
+          <ac:spMkLst>
+            <pc:docMk/>
+            <pc:sldMk cId="1901085573" sldId="262"/>
+            <ac:spMk id="15" creationId="{8122E4C2-F4B0-34D3-9C77-CDE71DEAD107}"/>
+          </ac:spMkLst>
+        </pc:spChg>
+        <pc:picChg chg="del">
+          <ac:chgData name="simon provinciael" userId="ffa8ff8974f73f08" providerId="LiveId" clId="{FAB5683E-2409-4051-8891-477ABF943C7B}" dt="2024-03-09T13:55:15.073" v="180" actId="478"/>
+          <ac:picMkLst>
+            <pc:docMk/>
+            <pc:sldMk cId="1901085573" sldId="262"/>
+            <ac:picMk id="3" creationId="{8B827AB9-CDAA-C76F-C5F8-9B686A7C5942}"/>
+          </ac:picMkLst>
+        </pc:picChg>
+        <pc:picChg chg="del">
+          <ac:chgData name="simon provinciael" userId="ffa8ff8974f73f08" providerId="LiveId" clId="{FAB5683E-2409-4051-8891-477ABF943C7B}" dt="2024-03-09T13:55:13.647" v="178" actId="478"/>
+          <ac:picMkLst>
+            <pc:docMk/>
+            <pc:sldMk cId="1901085573" sldId="262"/>
+            <ac:picMk id="5" creationId="{5E96C851-FC59-4978-D77B-3B3F8F5D773A}"/>
+          </ac:picMkLst>
+        </pc:picChg>
+        <pc:picChg chg="del">
+          <ac:chgData name="simon provinciael" userId="ffa8ff8974f73f08" providerId="LiveId" clId="{FAB5683E-2409-4051-8891-477ABF943C7B}" dt="2024-03-09T13:55:12.447" v="176" actId="478"/>
+          <ac:picMkLst>
+            <pc:docMk/>
+            <pc:sldMk cId="1901085573" sldId="262"/>
+            <ac:picMk id="7" creationId="{23DCCDE0-B752-1AA3-A0CF-9F5122160353}"/>
+          </ac:picMkLst>
+        </pc:picChg>
+      </pc:sldChg>
+      <pc:sldChg chg="add del">
+        <pc:chgData name="simon provinciael" userId="ffa8ff8974f73f08" providerId="LiveId" clId="{FAB5683E-2409-4051-8891-477ABF943C7B}" dt="2024-03-09T13:56:24.743" v="196" actId="47"/>
+        <pc:sldMkLst>
+          <pc:docMk/>
+          <pc:sldMk cId="1507350587" sldId="263"/>
+        </pc:sldMkLst>
+      </pc:sldChg>
+      <pc:sldChg chg="addSp delSp modSp add mod">
+        <pc:chgData name="simon provinciael" userId="ffa8ff8974f73f08" providerId="LiveId" clId="{FAB5683E-2409-4051-8891-477ABF943C7B}" dt="2024-03-09T14:03:00.847" v="428" actId="1076"/>
+        <pc:sldMkLst>
+          <pc:docMk/>
+          <pc:sldMk cId="3706270797" sldId="263"/>
+        </pc:sldMkLst>
+        <pc:spChg chg="add mod">
+          <ac:chgData name="simon provinciael" userId="ffa8ff8974f73f08" providerId="LiveId" clId="{FAB5683E-2409-4051-8891-477ABF943C7B}" dt="2024-03-09T13:57:42.783" v="222" actId="1076"/>
+          <ac:spMkLst>
+            <pc:docMk/>
+            <pc:sldMk cId="3706270797" sldId="263"/>
+            <ac:spMk id="3" creationId="{2ADD3C0C-9A43-E5CD-9303-17BC1271E9BC}"/>
+          </ac:spMkLst>
+        </pc:spChg>
+        <pc:spChg chg="add mod">
+          <ac:chgData name="simon provinciael" userId="ffa8ff8974f73f08" providerId="LiveId" clId="{FAB5683E-2409-4051-8891-477ABF943C7B}" dt="2024-03-09T13:58:45.623" v="263" actId="1076"/>
+          <ac:spMkLst>
+            <pc:docMk/>
+            <pc:sldMk cId="3706270797" sldId="263"/>
+            <ac:spMk id="4" creationId="{95F4971C-25E9-7516-A9BD-ABD72CF40439}"/>
+          </ac:spMkLst>
+        </pc:spChg>
+        <pc:spChg chg="add">
+          <ac:chgData name="simon provinciael" userId="ffa8ff8974f73f08" providerId="LiveId" clId="{FAB5683E-2409-4051-8891-477ABF943C7B}" dt="2024-03-09T13:58:12.596" v="230"/>
+          <ac:spMkLst>
+            <pc:docMk/>
+            <pc:sldMk cId="3706270797" sldId="263"/>
+            <ac:spMk id="5" creationId="{600FC077-BC65-70AC-E3EC-52C009C44416}"/>
+          </ac:spMkLst>
+        </pc:spChg>
+        <pc:spChg chg="add del mod">
+          <ac:chgData name="simon provinciael" userId="ffa8ff8974f73f08" providerId="LiveId" clId="{FAB5683E-2409-4051-8891-477ABF943C7B}" dt="2024-03-09T13:59:06.338" v="268" actId="478"/>
+          <ac:spMkLst>
+            <pc:docMk/>
+            <pc:sldMk cId="3706270797" sldId="263"/>
+            <ac:spMk id="6" creationId="{5C0FB1AB-DFD4-9628-AEA9-D4A5D55A9214}"/>
+          </ac:spMkLst>
+        </pc:spChg>
+        <pc:spChg chg="add mod">
+          <ac:chgData name="simon provinciael" userId="ffa8ff8974f73f08" providerId="LiveId" clId="{FAB5683E-2409-4051-8891-477ABF943C7B}" dt="2024-03-09T13:59:03.265" v="267" actId="1076"/>
+          <ac:spMkLst>
+            <pc:docMk/>
+            <pc:sldMk cId="3706270797" sldId="263"/>
+            <ac:spMk id="7" creationId="{5A5B82A8-E885-137F-6E8B-C7F3CDE5C041}"/>
+          </ac:spMkLst>
+        </pc:spChg>
+        <pc:spChg chg="mod">
+          <ac:chgData name="simon provinciael" userId="ffa8ff8974f73f08" providerId="LiveId" clId="{FAB5683E-2409-4051-8891-477ABF943C7B}" dt="2024-03-09T13:59:12.460" v="273" actId="1076"/>
+          <ac:spMkLst>
+            <pc:docMk/>
+            <pc:sldMk cId="3706270797" sldId="263"/>
+            <ac:spMk id="8" creationId="{5E4EAD87-B95A-55DC-5395-2A6F1B84C107}"/>
+          </ac:spMkLst>
+        </pc:spChg>
+        <pc:spChg chg="add del mod">
+          <ac:chgData name="simon provinciael" userId="ffa8ff8974f73f08" providerId="LiveId" clId="{FAB5683E-2409-4051-8891-477ABF943C7B}" dt="2024-03-09T13:59:33.693" v="279" actId="478"/>
+          <ac:spMkLst>
+            <pc:docMk/>
+            <pc:sldMk cId="3706270797" sldId="263"/>
+            <ac:spMk id="12" creationId="{7F9DA3E0-A5FD-088D-FEC2-67CF296CA57E}"/>
+          </ac:spMkLst>
+        </pc:spChg>
+        <pc:spChg chg="add mod">
+          <ac:chgData name="simon provinciael" userId="ffa8ff8974f73f08" providerId="LiveId" clId="{FAB5683E-2409-4051-8891-477ABF943C7B}" dt="2024-03-09T14:00:44.979" v="355" actId="1076"/>
+          <ac:spMkLst>
+            <pc:docMk/>
+            <pc:sldMk cId="3706270797" sldId="263"/>
+            <ac:spMk id="13" creationId="{19DD5E88-D57E-48F5-F76B-C362B4A26905}"/>
+          </ac:spMkLst>
+        </pc:spChg>
+        <pc:spChg chg="add mod">
+          <ac:chgData name="simon provinciael" userId="ffa8ff8974f73f08" providerId="LiveId" clId="{FAB5683E-2409-4051-8891-477ABF943C7B}" dt="2024-03-09T14:01:22.956" v="375" actId="1076"/>
+          <ac:spMkLst>
+            <pc:docMk/>
+            <pc:sldMk cId="3706270797" sldId="263"/>
+            <ac:spMk id="14" creationId="{486A24FE-809D-5C45-C53C-AEA89ADDBD18}"/>
+          </ac:spMkLst>
+        </pc:spChg>
+        <pc:spChg chg="mod">
+          <ac:chgData name="simon provinciael" userId="ffa8ff8974f73f08" providerId="LiveId" clId="{FAB5683E-2409-4051-8891-477ABF943C7B}" dt="2024-03-09T13:56:49.612" v="217" actId="1076"/>
+          <ac:spMkLst>
+            <pc:docMk/>
+            <pc:sldMk cId="3706270797" sldId="263"/>
+            <ac:spMk id="15" creationId="{B2738F0B-4024-72DA-7DAC-E8F67617022D}"/>
+          </ac:spMkLst>
+        </pc:spChg>
+        <pc:spChg chg="add mod">
+          <ac:chgData name="simon provinciael" userId="ffa8ff8974f73f08" providerId="LiveId" clId="{FAB5683E-2409-4051-8891-477ABF943C7B}" dt="2024-03-09T14:01:45.493" v="386" actId="20577"/>
+          <ac:spMkLst>
+            <pc:docMk/>
+            <pc:sldMk cId="3706270797" sldId="263"/>
+            <ac:spMk id="19" creationId="{E476759D-AF55-F02E-CA73-B792868F8C54}"/>
+          </ac:spMkLst>
+        </pc:spChg>
+        <pc:spChg chg="add del mod">
+          <ac:chgData name="simon provinciael" userId="ffa8ff8974f73f08" providerId="LiveId" clId="{FAB5683E-2409-4051-8891-477ABF943C7B}" dt="2024-03-09T14:02:12.730" v="391" actId="478"/>
+          <ac:spMkLst>
+            <pc:docMk/>
+            <pc:sldMk cId="3706270797" sldId="263"/>
+            <ac:spMk id="20" creationId="{D646557F-B9BC-223D-F1AE-110AEC5F171F}"/>
+          </ac:spMkLst>
+        </pc:spChg>
+        <pc:spChg chg="add mod">
+          <ac:chgData name="simon provinciael" userId="ffa8ff8974f73f08" providerId="LiveId" clId="{FAB5683E-2409-4051-8891-477ABF943C7B}" dt="2024-03-09T14:03:00.847" v="428" actId="1076"/>
+          <ac:spMkLst>
+            <pc:docMk/>
+            <pc:sldMk cId="3706270797" sldId="263"/>
+            <ac:spMk id="21" creationId="{EE73B0A6-1C7C-56AF-192B-75700FFEDD15}"/>
+          </ac:spMkLst>
+        </pc:spChg>
+      </pc:sldChg>
+      <pc:sldChg chg="addSp delSp modSp add mod">
+        <pc:chgData name="simon provinciael" userId="ffa8ff8974f73f08" providerId="LiveId" clId="{FAB5683E-2409-4051-8891-477ABF943C7B}" dt="2024-03-09T14:05:36.619" v="501" actId="1076"/>
+        <pc:sldMkLst>
+          <pc:docMk/>
+          <pc:sldMk cId="3123837023" sldId="264"/>
+        </pc:sldMkLst>
+        <pc:spChg chg="del">
+          <ac:chgData name="simon provinciael" userId="ffa8ff8974f73f08" providerId="LiveId" clId="{FAB5683E-2409-4051-8891-477ABF943C7B}" dt="2024-03-09T14:03:53.102" v="456" actId="478"/>
+          <ac:spMkLst>
+            <pc:docMk/>
+            <pc:sldMk cId="3123837023" sldId="264"/>
+            <ac:spMk id="3" creationId="{F6063D2E-F6F6-400A-AA2C-7042C2147184}"/>
+          </ac:spMkLst>
+        </pc:spChg>
+        <pc:spChg chg="mod">
+          <ac:chgData name="simon provinciael" userId="ffa8ff8974f73f08" providerId="LiveId" clId="{FAB5683E-2409-4051-8891-477ABF943C7B}" dt="2024-03-09T14:05:30.495" v="499" actId="1076"/>
+          <ac:spMkLst>
+            <pc:docMk/>
+            <pc:sldMk cId="3123837023" sldId="264"/>
+            <ac:spMk id="4" creationId="{07D4D18F-2697-AF8C-02A1-3241FF0DA360}"/>
+          </ac:spMkLst>
+        </pc:spChg>
+        <pc:spChg chg="add mod">
+          <ac:chgData name="simon provinciael" userId="ffa8ff8974f73f08" providerId="LiveId" clId="{FAB5683E-2409-4051-8891-477ABF943C7B}" dt="2024-03-09T14:05:36.619" v="501" actId="1076"/>
+          <ac:spMkLst>
+            <pc:docMk/>
+            <pc:sldMk cId="3123837023" sldId="264"/>
+            <ac:spMk id="5" creationId="{E2643426-C7B5-233B-A9F1-BF2C7D773166}"/>
+          </ac:spMkLst>
+        </pc:spChg>
+        <pc:spChg chg="add mod">
+          <ac:chgData name="simon provinciael" userId="ffa8ff8974f73f08" providerId="LiveId" clId="{FAB5683E-2409-4051-8891-477ABF943C7B}" dt="2024-03-09T14:05:32.715" v="500" actId="1076"/>
+          <ac:spMkLst>
+            <pc:docMk/>
+            <pc:sldMk cId="3123837023" sldId="264"/>
+            <ac:spMk id="6" creationId="{1E5D08B8-FB79-717F-70F1-D29944777BEB}"/>
+          </ac:spMkLst>
+        </pc:spChg>
+        <pc:spChg chg="add mod">
+          <ac:chgData name="simon provinciael" userId="ffa8ff8974f73f08" providerId="LiveId" clId="{FAB5683E-2409-4051-8891-477ABF943C7B}" dt="2024-03-09T14:05:30.495" v="499" actId="1076"/>
+          <ac:spMkLst>
+            <pc:docMk/>
+            <pc:sldMk cId="3123837023" sldId="264"/>
+            <ac:spMk id="7" creationId="{66C2A5D7-020F-CAD4-0ACD-0840501C74D0}"/>
+          </ac:spMkLst>
+        </pc:spChg>
+        <pc:spChg chg="del">
+          <ac:chgData name="simon provinciael" userId="ffa8ff8974f73f08" providerId="LiveId" clId="{FAB5683E-2409-4051-8891-477ABF943C7B}" dt="2024-03-09T14:03:56.524" v="459" actId="478"/>
+          <ac:spMkLst>
+            <pc:docMk/>
+            <pc:sldMk cId="3123837023" sldId="264"/>
+            <ac:spMk id="13" creationId="{638494CA-959F-11F8-58DB-548A3329E25E}"/>
+          </ac:spMkLst>
+        </pc:spChg>
+        <pc:spChg chg="del mod">
+          <ac:chgData name="simon provinciael" userId="ffa8ff8974f73f08" providerId="LiveId" clId="{FAB5683E-2409-4051-8891-477ABF943C7B}" dt="2024-03-09T14:03:55.211" v="458" actId="478"/>
+          <ac:spMkLst>
+            <pc:docMk/>
+            <pc:sldMk cId="3123837023" sldId="264"/>
+            <ac:spMk id="14" creationId="{A4DAB1A0-1D15-5FD6-AA8B-542C23A0BCC4}"/>
+          </ac:spMkLst>
+        </pc:spChg>
+        <pc:spChg chg="mod">
+          <ac:chgData name="simon provinciael" userId="ffa8ff8974f73f08" providerId="LiveId" clId="{FAB5683E-2409-4051-8891-477ABF943C7B}" dt="2024-03-09T14:03:31.552" v="442" actId="1076"/>
+          <ac:spMkLst>
+            <pc:docMk/>
+            <pc:sldMk cId="3123837023" sldId="264"/>
+            <ac:spMk id="15" creationId="{E71F5AD5-EB00-524A-4462-ACD5E43AC76E}"/>
+          </ac:spMkLst>
+        </pc:spChg>
+        <pc:spChg chg="del">
+          <ac:chgData name="simon provinciael" userId="ffa8ff8974f73f08" providerId="LiveId" clId="{FAB5683E-2409-4051-8891-477ABF943C7B}" dt="2024-03-09T14:03:57.937" v="460" actId="478"/>
+          <ac:spMkLst>
+            <pc:docMk/>
+            <pc:sldMk cId="3123837023" sldId="264"/>
+            <ac:spMk id="19" creationId="{96E7F83E-3170-09BF-A242-CA1F8B37B0FF}"/>
+          </ac:spMkLst>
+        </pc:spChg>
+        <pc:spChg chg="del">
+          <ac:chgData name="simon provinciael" userId="ffa8ff8974f73f08" providerId="LiveId" clId="{FAB5683E-2409-4051-8891-477ABF943C7B}" dt="2024-03-09T14:03:58.983" v="461" actId="478"/>
+          <ac:spMkLst>
+            <pc:docMk/>
+            <pc:sldMk cId="3123837023" sldId="264"/>
+            <ac:spMk id="21" creationId="{CE3DBA80-776F-0CD7-EB52-5D8C7F67E361}"/>
+          </ac:spMkLst>
+        </pc:spChg>
+        <pc:picChg chg="mod">
+          <ac:chgData name="simon provinciael" userId="ffa8ff8974f73f08" providerId="LiveId" clId="{FAB5683E-2409-4051-8891-477ABF943C7B}" dt="2024-03-09T14:05:19.410" v="498" actId="1076"/>
+          <ac:picMkLst>
+            <pc:docMk/>
+            <pc:sldMk cId="3123837023" sldId="264"/>
+            <ac:picMk id="11" creationId="{37E57B25-B8AE-E33C-5D95-982153EE7A84}"/>
+          </ac:picMkLst>
+        </pc:picChg>
+      </pc:sldChg>
+      <pc:sldChg chg="addSp delSp modSp add mod">
+        <pc:chgData name="simon provinciael" userId="ffa8ff8974f73f08" providerId="LiveId" clId="{FAB5683E-2409-4051-8891-477ABF943C7B}" dt="2024-03-09T14:09:15.813" v="580" actId="1076"/>
+        <pc:sldMkLst>
+          <pc:docMk/>
+          <pc:sldMk cId="2812163924" sldId="265"/>
+        </pc:sldMkLst>
+        <pc:spChg chg="mod">
+          <ac:chgData name="simon provinciael" userId="ffa8ff8974f73f08" providerId="LiveId" clId="{FAB5683E-2409-4051-8891-477ABF943C7B}" dt="2024-03-09T14:06:14.152" v="519" actId="20577"/>
+          <ac:spMkLst>
+            <pc:docMk/>
+            <pc:sldMk cId="2812163924" sldId="265"/>
+            <ac:spMk id="4" creationId="{93D157E6-0C56-731F-68DB-3D45DF6BDCEC}"/>
+          </ac:spMkLst>
+        </pc:spChg>
+        <pc:spChg chg="del">
+          <ac:chgData name="simon provinciael" userId="ffa8ff8974f73f08" providerId="LiveId" clId="{FAB5683E-2409-4051-8891-477ABF943C7B}" dt="2024-03-09T14:06:24.874" v="523" actId="478"/>
+          <ac:spMkLst>
+            <pc:docMk/>
+            <pc:sldMk cId="2812163924" sldId="265"/>
+            <ac:spMk id="5" creationId="{70C83AA2-2479-FBE0-84BC-B30470D4E62C}"/>
+          </ac:spMkLst>
+        </pc:spChg>
+        <pc:spChg chg="del">
+          <ac:chgData name="simon provinciael" userId="ffa8ff8974f73f08" providerId="LiveId" clId="{FAB5683E-2409-4051-8891-477ABF943C7B}" dt="2024-03-09T14:06:24.026" v="522" actId="478"/>
+          <ac:spMkLst>
+            <pc:docMk/>
+            <pc:sldMk cId="2812163924" sldId="265"/>
+            <ac:spMk id="6" creationId="{EAD9CE6C-4D8C-DE68-892F-91CBB544A733}"/>
+          </ac:spMkLst>
+        </pc:spChg>
+        <pc:spChg chg="del">
+          <ac:chgData name="simon provinciael" userId="ffa8ff8974f73f08" providerId="LiveId" clId="{FAB5683E-2409-4051-8891-477ABF943C7B}" dt="2024-03-09T14:06:22.689" v="521" actId="478"/>
+          <ac:spMkLst>
+            <pc:docMk/>
+            <pc:sldMk cId="2812163924" sldId="265"/>
+            <ac:spMk id="7" creationId="{0CCCC137-292C-C756-3521-A843D1474F23}"/>
+          </ac:spMkLst>
+        </pc:spChg>
+        <pc:spChg chg="del">
+          <ac:chgData name="simon provinciael" userId="ffa8ff8974f73f08" providerId="LiveId" clId="{FAB5683E-2409-4051-8891-477ABF943C7B}" dt="2024-03-09T14:06:21.986" v="520" actId="478"/>
+          <ac:spMkLst>
+            <pc:docMk/>
+            <pc:sldMk cId="2812163924" sldId="265"/>
+            <ac:spMk id="15" creationId="{8D1BD1CF-0C53-4E27-048B-4607CA51DF59}"/>
+          </ac:spMkLst>
+        </pc:spChg>
+        <pc:picChg chg="add mod">
+          <ac:chgData name="simon provinciael" userId="ffa8ff8974f73f08" providerId="LiveId" clId="{FAB5683E-2409-4051-8891-477ABF943C7B}" dt="2024-03-09T14:07:33.934" v="540" actId="1076"/>
+          <ac:picMkLst>
+            <pc:docMk/>
+            <pc:sldMk cId="2812163924" sldId="265"/>
+            <ac:picMk id="12" creationId="{A3F3AC18-7303-BA0E-2A28-00EF2B530F31}"/>
+          </ac:picMkLst>
+        </pc:picChg>
+        <pc:picChg chg="add mod">
+          <ac:chgData name="simon provinciael" userId="ffa8ff8974f73f08" providerId="LiveId" clId="{FAB5683E-2409-4051-8891-477ABF943C7B}" dt="2024-03-09T14:07:33.934" v="540" actId="1076"/>
+          <ac:picMkLst>
+            <pc:docMk/>
+            <pc:sldMk cId="2812163924" sldId="265"/>
+            <ac:picMk id="13" creationId="{D831405C-FBC0-1591-715D-1C70FCC7DD07}"/>
+          </ac:picMkLst>
+        </pc:picChg>
+        <pc:picChg chg="add mod">
+          <ac:chgData name="simon provinciael" userId="ffa8ff8974f73f08" providerId="LiveId" clId="{FAB5683E-2409-4051-8891-477ABF943C7B}" dt="2024-03-09T14:07:33.934" v="540" actId="1076"/>
+          <ac:picMkLst>
+            <pc:docMk/>
+            <pc:sldMk cId="2812163924" sldId="265"/>
+            <ac:picMk id="14" creationId="{8445783E-E2B6-BEEF-A12C-E832FF85B947}"/>
+          </ac:picMkLst>
+        </pc:picChg>
+        <pc:picChg chg="add mod">
+          <ac:chgData name="simon provinciael" userId="ffa8ff8974f73f08" providerId="LiveId" clId="{FAB5683E-2409-4051-8891-477ABF943C7B}" dt="2024-03-09T14:07:33.934" v="540" actId="1076"/>
+          <ac:picMkLst>
+            <pc:docMk/>
+            <pc:sldMk cId="2812163924" sldId="265"/>
+            <ac:picMk id="19" creationId="{34EF93E0-04C7-6DFF-4E17-80745AA4857C}"/>
+          </ac:picMkLst>
+        </pc:picChg>
+        <pc:picChg chg="add mod">
+          <ac:chgData name="simon provinciael" userId="ffa8ff8974f73f08" providerId="LiveId" clId="{FAB5683E-2409-4051-8891-477ABF943C7B}" dt="2024-03-09T14:07:53.669" v="543" actId="1076"/>
+          <ac:picMkLst>
+            <pc:docMk/>
+            <pc:sldMk cId="2812163924" sldId="265"/>
+            <ac:picMk id="20" creationId="{E6A9673D-26E9-14E4-AD43-776BEBC926BB}"/>
+          </ac:picMkLst>
+        </pc:picChg>
+        <pc:picChg chg="add mod">
+          <ac:chgData name="simon provinciael" userId="ffa8ff8974f73f08" providerId="LiveId" clId="{FAB5683E-2409-4051-8891-477ABF943C7B}" dt="2024-03-09T14:07:56.829" v="544" actId="1076"/>
+          <ac:picMkLst>
+            <pc:docMk/>
+            <pc:sldMk cId="2812163924" sldId="265"/>
+            <ac:picMk id="21" creationId="{7F5329D0-607F-4FB5-43FD-00C15AD30799}"/>
+          </ac:picMkLst>
+        </pc:picChg>
+        <pc:picChg chg="add mod">
+          <ac:chgData name="simon provinciael" userId="ffa8ff8974f73f08" providerId="LiveId" clId="{FAB5683E-2409-4051-8891-477ABF943C7B}" dt="2024-03-09T14:07:58.324" v="545" actId="1076"/>
+          <ac:picMkLst>
+            <pc:docMk/>
+            <pc:sldMk cId="2812163924" sldId="265"/>
+            <ac:picMk id="22" creationId="{CBDEB683-0D2B-D6C4-A559-69E77FAB7573}"/>
+          </ac:picMkLst>
+        </pc:picChg>
+        <pc:picChg chg="add mod">
+          <ac:chgData name="simon provinciael" userId="ffa8ff8974f73f08" providerId="LiveId" clId="{FAB5683E-2409-4051-8891-477ABF943C7B}" dt="2024-03-09T14:08:01.437" v="546" actId="1076"/>
+          <ac:picMkLst>
+            <pc:docMk/>
+            <pc:sldMk cId="2812163924" sldId="265"/>
+            <ac:picMk id="23" creationId="{E3A1D00B-1EA4-DA59-ACBA-7880E0106EBB}"/>
+          </ac:picMkLst>
+        </pc:picChg>
+        <pc:picChg chg="add mod">
+          <ac:chgData name="simon provinciael" userId="ffa8ff8974f73f08" providerId="LiveId" clId="{FAB5683E-2409-4051-8891-477ABF943C7B}" dt="2024-03-09T14:08:04.898" v="547" actId="1076"/>
+          <ac:picMkLst>
+            <pc:docMk/>
+            <pc:sldMk cId="2812163924" sldId="265"/>
+            <ac:picMk id="24" creationId="{A5A20AF6-4486-E997-6E63-8C2512B6AA6D}"/>
+          </ac:picMkLst>
+        </pc:picChg>
+        <pc:picChg chg="add mod">
+          <ac:chgData name="simon provinciael" userId="ffa8ff8974f73f08" providerId="LiveId" clId="{FAB5683E-2409-4051-8891-477ABF943C7B}" dt="2024-03-09T14:08:07.299" v="548" actId="1076"/>
+          <ac:picMkLst>
+            <pc:docMk/>
+            <pc:sldMk cId="2812163924" sldId="265"/>
+            <ac:picMk id="25" creationId="{12E932BF-7B99-FB2F-6B89-1C5201A195F1}"/>
+          </ac:picMkLst>
+        </pc:picChg>
+        <pc:picChg chg="add mod">
+          <ac:chgData name="simon provinciael" userId="ffa8ff8974f73f08" providerId="LiveId" clId="{FAB5683E-2409-4051-8891-477ABF943C7B}" dt="2024-03-09T14:08:09.308" v="549" actId="1076"/>
+          <ac:picMkLst>
+            <pc:docMk/>
+            <pc:sldMk cId="2812163924" sldId="265"/>
+            <ac:picMk id="26" creationId="{C10DDB93-A108-5D9F-67FA-98D6C6CEC610}"/>
+          </ac:picMkLst>
+        </pc:picChg>
+        <pc:picChg chg="add mod">
+          <ac:chgData name="simon provinciael" userId="ffa8ff8974f73f08" providerId="LiveId" clId="{FAB5683E-2409-4051-8891-477ABF943C7B}" dt="2024-03-09T14:08:12.079" v="550" actId="1076"/>
+          <ac:picMkLst>
+            <pc:docMk/>
+            <pc:sldMk cId="2812163924" sldId="265"/>
+            <ac:picMk id="27" creationId="{6E6CF913-351C-806E-438D-F6227D74B45C}"/>
+          </ac:picMkLst>
+        </pc:picChg>
+        <pc:picChg chg="add mod">
+          <ac:chgData name="simon provinciael" userId="ffa8ff8974f73f08" providerId="LiveId" clId="{FAB5683E-2409-4051-8891-477ABF943C7B}" dt="2024-03-09T14:07:29.493" v="539" actId="1076"/>
+          <ac:picMkLst>
+            <pc:docMk/>
+            <pc:sldMk cId="2812163924" sldId="265"/>
+            <ac:picMk id="28" creationId="{20AB0258-82D1-DA6A-9C88-BA9E280B8F02}"/>
+          </ac:picMkLst>
+        </pc:picChg>
+        <pc:picChg chg="add mod">
+          <ac:chgData name="simon provinciael" userId="ffa8ff8974f73f08" providerId="LiveId" clId="{FAB5683E-2409-4051-8891-477ABF943C7B}" dt="2024-03-09T14:07:29.493" v="539" actId="1076"/>
+          <ac:picMkLst>
+            <pc:docMk/>
+            <pc:sldMk cId="2812163924" sldId="265"/>
+            <ac:picMk id="29" creationId="{15058A18-4ADD-540B-497D-31547CE1FC82}"/>
+          </ac:picMkLst>
+        </pc:picChg>
+        <pc:picChg chg="add mod">
+          <ac:chgData name="simon provinciael" userId="ffa8ff8974f73f08" providerId="LiveId" clId="{FAB5683E-2409-4051-8891-477ABF943C7B}" dt="2024-03-09T14:08:20.619" v="551" actId="1076"/>
+          <ac:picMkLst>
+            <pc:docMk/>
+            <pc:sldMk cId="2812163924" sldId="265"/>
+            <ac:picMk id="30" creationId="{4F848E80-6210-A214-9F16-488396C58DF7}"/>
+          </ac:picMkLst>
+        </pc:picChg>
+        <pc:picChg chg="add mod">
+          <ac:chgData name="simon provinciael" userId="ffa8ff8974f73f08" providerId="LiveId" clId="{FAB5683E-2409-4051-8891-477ABF943C7B}" dt="2024-03-09T14:08:22.619" v="552" actId="1076"/>
+          <ac:picMkLst>
+            <pc:docMk/>
+            <pc:sldMk cId="2812163924" sldId="265"/>
+            <ac:picMk id="31" creationId="{5507183A-9D20-A1F1-C820-A5335B741174}"/>
+          </ac:picMkLst>
+        </pc:picChg>
+        <pc:picChg chg="add mod">
+          <ac:chgData name="simon provinciael" userId="ffa8ff8974f73f08" providerId="LiveId" clId="{FAB5683E-2409-4051-8891-477ABF943C7B}" dt="2024-03-09T14:07:43.221" v="542" actId="571"/>
+          <ac:picMkLst>
+            <pc:docMk/>
+            <pc:sldMk cId="2812163924" sldId="265"/>
+            <ac:picMk id="32" creationId="{8707C88B-A91B-9AA0-9D40-C82920D70A19}"/>
+          </ac:picMkLst>
+        </pc:picChg>
+        <pc:picChg chg="add mod">
+          <ac:chgData name="simon provinciael" userId="ffa8ff8974f73f08" providerId="LiveId" clId="{FAB5683E-2409-4051-8891-477ABF943C7B}" dt="2024-03-09T14:07:43.221" v="542" actId="571"/>
+          <ac:picMkLst>
+            <pc:docMk/>
+            <pc:sldMk cId="2812163924" sldId="265"/>
+            <ac:picMk id="33" creationId="{73FB99C1-48B4-FFEE-CF85-AF75AC184FCA}"/>
+          </ac:picMkLst>
+        </pc:picChg>
+        <pc:picChg chg="add mod">
+          <ac:chgData name="simon provinciael" userId="ffa8ff8974f73f08" providerId="LiveId" clId="{FAB5683E-2409-4051-8891-477ABF943C7B}" dt="2024-03-09T14:07:43.221" v="542" actId="571"/>
+          <ac:picMkLst>
+            <pc:docMk/>
+            <pc:sldMk cId="2812163924" sldId="265"/>
+            <ac:picMk id="34" creationId="{E330A599-7EF0-D564-797C-1739114EEC86}"/>
+          </ac:picMkLst>
+        </pc:picChg>
+        <pc:picChg chg="add mod">
+          <ac:chgData name="simon provinciael" userId="ffa8ff8974f73f08" providerId="LiveId" clId="{FAB5683E-2409-4051-8891-477ABF943C7B}" dt="2024-03-09T14:07:43.221" v="542" actId="571"/>
+          <ac:picMkLst>
+            <pc:docMk/>
+            <pc:sldMk cId="2812163924" sldId="265"/>
+            <ac:picMk id="35" creationId="{C9F468B2-1DAE-7A92-A2DA-A88218E89700}"/>
+          </ac:picMkLst>
+        </pc:picChg>
+        <pc:picChg chg="add mod">
+          <ac:chgData name="simon provinciael" userId="ffa8ff8974f73f08" providerId="LiveId" clId="{FAB5683E-2409-4051-8891-477ABF943C7B}" dt="2024-03-09T14:07:43.221" v="542" actId="571"/>
+          <ac:picMkLst>
+            <pc:docMk/>
+            <pc:sldMk cId="2812163924" sldId="265"/>
+            <ac:picMk id="36" creationId="{8D3CCB37-7B2C-146E-D8B2-8930BD2E05C0}"/>
+          </ac:picMkLst>
+        </pc:picChg>
+        <pc:picChg chg="add mod">
+          <ac:chgData name="simon provinciael" userId="ffa8ff8974f73f08" providerId="LiveId" clId="{FAB5683E-2409-4051-8891-477ABF943C7B}" dt="2024-03-09T14:07:43.221" v="542" actId="571"/>
+          <ac:picMkLst>
+            <pc:docMk/>
+            <pc:sldMk cId="2812163924" sldId="265"/>
+            <ac:picMk id="37" creationId="{6FABE154-3211-4FA8-EE7D-E4A74B7424FC}"/>
+          </ac:picMkLst>
+        </pc:picChg>
+        <pc:picChg chg="add mod">
+          <ac:chgData name="simon provinciael" userId="ffa8ff8974f73f08" providerId="LiveId" clId="{FAB5683E-2409-4051-8891-477ABF943C7B}" dt="2024-03-09T14:08:35.069" v="558" actId="14100"/>
+          <ac:picMkLst>
+            <pc:docMk/>
+            <pc:sldMk cId="2812163924" sldId="265"/>
+            <ac:picMk id="39" creationId="{9E16B37A-9AC6-0BA5-9850-3C598DB8FFAB}"/>
+          </ac:picMkLst>
+        </pc:picChg>
+        <pc:picChg chg="add mod">
+          <ac:chgData name="simon provinciael" userId="ffa8ff8974f73f08" providerId="LiveId" clId="{FAB5683E-2409-4051-8891-477ABF943C7B}" dt="2024-03-09T14:08:54.550" v="567" actId="14100"/>
+          <ac:picMkLst>
+            <pc:docMk/>
+            <pc:sldMk cId="2812163924" sldId="265"/>
+            <ac:picMk id="41" creationId="{DD7078D3-8F73-7FEB-CAD0-87540A7BC4B6}"/>
+          </ac:picMkLst>
+        </pc:picChg>
+        <pc:picChg chg="add mod">
+          <ac:chgData name="simon provinciael" userId="ffa8ff8974f73f08" providerId="LiveId" clId="{FAB5683E-2409-4051-8891-477ABF943C7B}" dt="2024-03-09T14:09:05.350" v="574" actId="14100"/>
+          <ac:picMkLst>
+            <pc:docMk/>
+            <pc:sldMk cId="2812163924" sldId="265"/>
+            <ac:picMk id="43" creationId="{437D3EBE-69B5-AFB3-2A8F-B6AF52D4AEAA}"/>
+          </ac:picMkLst>
+        </pc:picChg>
+        <pc:picChg chg="add mod">
+          <ac:chgData name="simon provinciael" userId="ffa8ff8974f73f08" providerId="LiveId" clId="{FAB5683E-2409-4051-8891-477ABF943C7B}" dt="2024-03-09T14:09:15.813" v="580" actId="1076"/>
+          <ac:picMkLst>
+            <pc:docMk/>
+            <pc:sldMk cId="2812163924" sldId="265"/>
+            <ac:picMk id="45" creationId="{4BAEA721-0A28-9960-10ED-C5D85E729849}"/>
+          </ac:picMkLst>
+        </pc:picChg>
+      </pc:sldChg>
+    </pc:docChg>
+  </pc:docChgLst>
   <pc:docChgLst>
     <pc:chgData name="Provinciael Simon" userId="S::simon.provinciael@student.kdg.be::07d54e73-a6ad-4912-a4ae-1226f5c8eded" providerId="AD" clId="Web-{2AC13CEB-755B-411E-A2FD-0697A0E3C3C8}"/>
     <pc:docChg chg="modSld">
@@ -310,7 +1100,7 @@
           <a:p>
             <a:fld id="{17CC6E2E-57D4-45AF-A765-69A865F54957}" type="datetimeFigureOut">
               <a:rPr lang="nl-BE" smtClean="0"/>
-              <a:t>10/02/2024</a:t>
+              <a:t>9/03/2024</a:t>
             </a:fld>
             <a:endParaRPr lang="nl-BE"/>
           </a:p>
@@ -364,7 +1154,7 @@
           <a:p>
             <a:fld id="{CDD69A14-EBB9-4740-9FFA-177B27CAA142}" type="slidenum">
               <a:rPr lang="nl-BE" smtClean="0"/>
-              <a:t>‹#›</a:t>
+              <a:t>‹nr.›</a:t>
             </a:fld>
             <a:endParaRPr lang="nl-BE"/>
           </a:p>
@@ -510,7 +1300,7 @@
           <a:p>
             <a:fld id="{17CC6E2E-57D4-45AF-A765-69A865F54957}" type="datetimeFigureOut">
               <a:rPr lang="nl-BE" smtClean="0"/>
-              <a:t>10/02/2024</a:t>
+              <a:t>9/03/2024</a:t>
             </a:fld>
             <a:endParaRPr lang="nl-BE"/>
           </a:p>
@@ -564,7 +1354,7 @@
           <a:p>
             <a:fld id="{CDD69A14-EBB9-4740-9FFA-177B27CAA142}" type="slidenum">
               <a:rPr lang="nl-BE" smtClean="0"/>
-              <a:t>‹#›</a:t>
+              <a:t>‹nr.›</a:t>
             </a:fld>
             <a:endParaRPr lang="nl-BE"/>
           </a:p>
@@ -720,7 +1510,7 @@
           <a:p>
             <a:fld id="{17CC6E2E-57D4-45AF-A765-69A865F54957}" type="datetimeFigureOut">
               <a:rPr lang="nl-BE" smtClean="0"/>
-              <a:t>10/02/2024</a:t>
+              <a:t>9/03/2024</a:t>
             </a:fld>
             <a:endParaRPr lang="nl-BE"/>
           </a:p>
@@ -774,7 +1564,7 @@
           <a:p>
             <a:fld id="{CDD69A14-EBB9-4740-9FFA-177B27CAA142}" type="slidenum">
               <a:rPr lang="nl-BE" smtClean="0"/>
-              <a:t>‹#›</a:t>
+              <a:t>‹nr.›</a:t>
             </a:fld>
             <a:endParaRPr lang="nl-BE"/>
           </a:p>
@@ -920,7 +1710,7 @@
           <a:p>
             <a:fld id="{17CC6E2E-57D4-45AF-A765-69A865F54957}" type="datetimeFigureOut">
               <a:rPr lang="nl-BE" smtClean="0"/>
-              <a:t>10/02/2024</a:t>
+              <a:t>9/03/2024</a:t>
             </a:fld>
             <a:endParaRPr lang="nl-BE"/>
           </a:p>
@@ -974,7 +1764,7 @@
           <a:p>
             <a:fld id="{CDD69A14-EBB9-4740-9FFA-177B27CAA142}" type="slidenum">
               <a:rPr lang="nl-BE" smtClean="0"/>
-              <a:t>‹#›</a:t>
+              <a:t>‹nr.›</a:t>
             </a:fld>
             <a:endParaRPr lang="nl-BE"/>
           </a:p>
@@ -1196,7 +1986,7 @@
           <a:p>
             <a:fld id="{17CC6E2E-57D4-45AF-A765-69A865F54957}" type="datetimeFigureOut">
               <a:rPr lang="nl-BE" smtClean="0"/>
-              <a:t>10/02/2024</a:t>
+              <a:t>9/03/2024</a:t>
             </a:fld>
             <a:endParaRPr lang="nl-BE"/>
           </a:p>
@@ -1250,7 +2040,7 @@
           <a:p>
             <a:fld id="{CDD69A14-EBB9-4740-9FFA-177B27CAA142}" type="slidenum">
               <a:rPr lang="nl-BE" smtClean="0"/>
-              <a:t>‹#›</a:t>
+              <a:t>‹nr.›</a:t>
             </a:fld>
             <a:endParaRPr lang="nl-BE"/>
           </a:p>
@@ -1464,7 +2254,7 @@
           <a:p>
             <a:fld id="{17CC6E2E-57D4-45AF-A765-69A865F54957}" type="datetimeFigureOut">
               <a:rPr lang="nl-BE" smtClean="0"/>
-              <a:t>10/02/2024</a:t>
+              <a:t>9/03/2024</a:t>
             </a:fld>
             <a:endParaRPr lang="nl-BE"/>
           </a:p>
@@ -1518,7 +2308,7 @@
           <a:p>
             <a:fld id="{CDD69A14-EBB9-4740-9FFA-177B27CAA142}" type="slidenum">
               <a:rPr lang="nl-BE" smtClean="0"/>
-              <a:t>‹#›</a:t>
+              <a:t>‹nr.›</a:t>
             </a:fld>
             <a:endParaRPr lang="nl-BE"/>
           </a:p>
@@ -1879,7 +2669,7 @@
           <a:p>
             <a:fld id="{17CC6E2E-57D4-45AF-A765-69A865F54957}" type="datetimeFigureOut">
               <a:rPr lang="nl-BE" smtClean="0"/>
-              <a:t>10/02/2024</a:t>
+              <a:t>9/03/2024</a:t>
             </a:fld>
             <a:endParaRPr lang="nl-BE"/>
           </a:p>
@@ -1933,7 +2723,7 @@
           <a:p>
             <a:fld id="{CDD69A14-EBB9-4740-9FFA-177B27CAA142}" type="slidenum">
               <a:rPr lang="nl-BE" smtClean="0"/>
-              <a:t>‹#›</a:t>
+              <a:t>‹nr.›</a:t>
             </a:fld>
             <a:endParaRPr lang="nl-BE"/>
           </a:p>
@@ -2021,7 +2811,7 @@
           <a:p>
             <a:fld id="{17CC6E2E-57D4-45AF-A765-69A865F54957}" type="datetimeFigureOut">
               <a:rPr lang="nl-BE" smtClean="0"/>
-              <a:t>10/02/2024</a:t>
+              <a:t>9/03/2024</a:t>
             </a:fld>
             <a:endParaRPr lang="nl-BE"/>
           </a:p>
@@ -2075,7 +2865,7 @@
           <a:p>
             <a:fld id="{CDD69A14-EBB9-4740-9FFA-177B27CAA142}" type="slidenum">
               <a:rPr lang="nl-BE" smtClean="0"/>
-              <a:t>‹#›</a:t>
+              <a:t>‹nr.›</a:t>
             </a:fld>
             <a:endParaRPr lang="nl-BE"/>
           </a:p>
@@ -2134,7 +2924,7 @@
           <a:p>
             <a:fld id="{17CC6E2E-57D4-45AF-A765-69A865F54957}" type="datetimeFigureOut">
               <a:rPr lang="nl-BE" smtClean="0"/>
-              <a:t>10/02/2024</a:t>
+              <a:t>9/03/2024</a:t>
             </a:fld>
             <a:endParaRPr lang="nl-BE"/>
           </a:p>
@@ -2188,7 +2978,7 @@
           <a:p>
             <a:fld id="{CDD69A14-EBB9-4740-9FFA-177B27CAA142}" type="slidenum">
               <a:rPr lang="nl-BE" smtClean="0"/>
-              <a:t>‹#›</a:t>
+              <a:t>‹nr.›</a:t>
             </a:fld>
             <a:endParaRPr lang="nl-BE"/>
           </a:p>
@@ -2447,7 +3237,7 @@
           <a:p>
             <a:fld id="{17CC6E2E-57D4-45AF-A765-69A865F54957}" type="datetimeFigureOut">
               <a:rPr lang="nl-BE" smtClean="0"/>
-              <a:t>10/02/2024</a:t>
+              <a:t>9/03/2024</a:t>
             </a:fld>
             <a:endParaRPr lang="nl-BE"/>
           </a:p>
@@ -2501,7 +3291,7 @@
           <a:p>
             <a:fld id="{CDD69A14-EBB9-4740-9FFA-177B27CAA142}" type="slidenum">
               <a:rPr lang="nl-BE" smtClean="0"/>
-              <a:t>‹#›</a:t>
+              <a:t>‹nr.›</a:t>
             </a:fld>
             <a:endParaRPr lang="nl-BE"/>
           </a:p>
@@ -2736,7 +3526,7 @@
           <a:p>
             <a:fld id="{17CC6E2E-57D4-45AF-A765-69A865F54957}" type="datetimeFigureOut">
               <a:rPr lang="nl-BE" smtClean="0"/>
-              <a:t>10/02/2024</a:t>
+              <a:t>9/03/2024</a:t>
             </a:fld>
             <a:endParaRPr lang="nl-BE"/>
           </a:p>
@@ -2790,7 +3580,7 @@
           <a:p>
             <a:fld id="{CDD69A14-EBB9-4740-9FFA-177B27CAA142}" type="slidenum">
               <a:rPr lang="nl-BE" smtClean="0"/>
-              <a:t>‹#›</a:t>
+              <a:t>‹nr.›</a:t>
             </a:fld>
             <a:endParaRPr lang="nl-BE"/>
           </a:p>
@@ -2979,7 +3769,7 @@
           <a:p>
             <a:fld id="{17CC6E2E-57D4-45AF-A765-69A865F54957}" type="datetimeFigureOut">
               <a:rPr lang="nl-BE" smtClean="0"/>
-              <a:t>10/02/2024</a:t>
+              <a:t>9/03/2024</a:t>
             </a:fld>
             <a:endParaRPr lang="nl-BE"/>
           </a:p>
@@ -3069,7 +3859,7 @@
           <a:p>
             <a:fld id="{CDD69A14-EBB9-4740-9FFA-177B27CAA142}" type="slidenum">
               <a:rPr lang="nl-BE" smtClean="0"/>
-              <a:t>‹#›</a:t>
+              <a:t>‹nr.›</a:t>
             </a:fld>
             <a:endParaRPr lang="nl-BE"/>
           </a:p>
@@ -3384,7 +4174,13 @@
   <p:cSld>
     <p:spTree>
       <p:nvGrpSpPr>
-        <p:cNvPr id="1" name=""/>
+        <p:cNvPr id="1" name="">
+          <a:extLst>
+            <a:ext uri="{FF2B5EF4-FFF2-40B4-BE49-F238E27FC236}">
+              <a16:creationId xmlns:a16="http://schemas.microsoft.com/office/drawing/2014/main" id="{38F60902-2DCC-2E1D-0523-B09D71173C18}"/>
+            </a:ext>
+          </a:extLst>
+        </p:cNvPr>
         <p:cNvGrpSpPr/>
         <p:nvPr/>
       </p:nvGrpSpPr>
@@ -3396,26 +4192,70 @@
           <a:chExt cx="0" cy="0"/>
         </a:xfrm>
       </p:grpSpPr>
-      <p:sp>
-        <p:nvSpPr>
-          <p:cNvPr id="4" name="Rechthoek 3">
-            <a:extLst>
-              <a:ext uri="{FF2B5EF4-FFF2-40B4-BE49-F238E27FC236}">
-                <a16:creationId xmlns:a16="http://schemas.microsoft.com/office/drawing/2014/main" id="{DA581340-EA16-3904-9568-92D30EBC565D}"/>
-              </a:ext>
-            </a:extLst>
-          </p:cNvPr>
-          <p:cNvSpPr/>
+      <p:pic>
+        <p:nvPicPr>
+          <p:cNvPr id="11" name="Afbeelding 10" descr="Afbeelding met sinaasappel, Amber, geel, Kleurrijkheid&#10;&#10;Automatisch gegenereerde beschrijving">
+            <a:extLst>
+              <a:ext uri="{FF2B5EF4-FFF2-40B4-BE49-F238E27FC236}">
+                <a16:creationId xmlns:a16="http://schemas.microsoft.com/office/drawing/2014/main" id="{310D8CA2-4209-05F0-B2C4-E0DBACD4BABB}"/>
+              </a:ext>
+            </a:extLst>
+          </p:cNvPr>
+          <p:cNvPicPr>
+            <a:picLocks noChangeAspect="1"/>
+          </p:cNvPicPr>
           <p:nvPr/>
-        </p:nvSpPr>
-        <p:spPr>
-          <a:xfrm>
-            <a:off x="4306388" y="426720"/>
-            <a:ext cx="3579223" cy="1071154"/>
+        </p:nvPicPr>
+        <p:blipFill>
+          <a:blip r:embed="rId2">
+            <a:extLst>
+              <a:ext uri="{28A0092B-C50C-407E-A947-70E740481C1C}">
+                <a14:useLocalDpi xmlns:a14="http://schemas.microsoft.com/office/drawing/2010/main" val="0"/>
+              </a:ext>
+            </a:extLst>
+          </a:blip>
+          <a:stretch>
+            <a:fillRect/>
+          </a:stretch>
+        </p:blipFill>
+        <p:spPr>
+          <a:xfrm>
+            <a:off x="0" y="0"/>
+            <a:ext cx="12192000" cy="8128000"/>
           </a:xfrm>
           <a:prstGeom prst="rect">
             <a:avLst/>
           </a:prstGeom>
+        </p:spPr>
+      </p:pic>
+      <p:sp>
+        <p:nvSpPr>
+          <p:cNvPr id="12" name="Rechthoek 11">
+            <a:extLst>
+              <a:ext uri="{FF2B5EF4-FFF2-40B4-BE49-F238E27FC236}">
+                <a16:creationId xmlns:a16="http://schemas.microsoft.com/office/drawing/2014/main" id="{ABB9D131-A851-2B6E-F890-DC6D488B448E}"/>
+              </a:ext>
+            </a:extLst>
+          </p:cNvPr>
+          <p:cNvSpPr/>
+          <p:nvPr/>
+        </p:nvSpPr>
+        <p:spPr>
+          <a:xfrm>
+            <a:off x="5029200" y="4289349"/>
+            <a:ext cx="2041119" cy="527627"/>
+          </a:xfrm>
+          <a:prstGeom prst="rect">
+            <a:avLst/>
+          </a:prstGeom>
+          <a:solidFill>
+            <a:schemeClr val="accent2"/>
+          </a:solidFill>
+          <a:ln>
+            <a:solidFill>
+              <a:schemeClr val="accent2"/>
+            </a:solidFill>
+          </a:ln>
         </p:spPr>
         <p:style>
           <a:lnRef idx="2">
@@ -3434,23 +4274,30 @@
           </a:fontRef>
         </p:style>
         <p:txBody>
-          <a:bodyPr lIns="91440" tIns="45720" rIns="91440" bIns="45720" rtlCol="0" anchor="ctr"/>
+          <a:bodyPr rtlCol="0" anchor="ctr"/>
           <a:lstStyle/>
           <a:p>
             <a:pPr algn="ctr"/>
             <a:r>
-              <a:rPr lang="nl-BE" dirty="0"/>
-              <a:t>Start spel</a:t>
-            </a:r>
-          </a:p>
-        </p:txBody>
-      </p:sp>
-      <p:sp>
-        <p:nvSpPr>
-          <p:cNvPr id="5" name="Rechthoek 4">
-            <a:extLst>
-              <a:ext uri="{FF2B5EF4-FFF2-40B4-BE49-F238E27FC236}">
-                <a16:creationId xmlns:a16="http://schemas.microsoft.com/office/drawing/2014/main" id="{FFB337B2-79F8-9C50-5ACD-A009BE31CA42}"/>
+              <a:rPr lang="nl-BE" b="1" dirty="0">
+                <a:solidFill>
+                  <a:schemeClr val="bg1"/>
+                </a:solidFill>
+                <a:latin typeface="ADLaM Display" panose="02010000000000000000" pitchFamily="2" charset="0"/>
+                <a:ea typeface="ADLaM Display" panose="02010000000000000000" pitchFamily="2" charset="0"/>
+                <a:cs typeface="ADLaM Display" panose="02010000000000000000" pitchFamily="2" charset="0"/>
+              </a:rPr>
+              <a:t>   Handleiding</a:t>
+            </a:r>
+          </a:p>
+        </p:txBody>
+      </p:sp>
+      <p:sp>
+        <p:nvSpPr>
+          <p:cNvPr id="13" name="Rechthoek 12">
+            <a:extLst>
+              <a:ext uri="{FF2B5EF4-FFF2-40B4-BE49-F238E27FC236}">
+                <a16:creationId xmlns:a16="http://schemas.microsoft.com/office/drawing/2014/main" id="{3E3B7E2E-5879-E97D-C7EF-6E0723E3E097}"/>
               </a:ext>
             </a:extLst>
           </p:cNvPr>
@@ -3459,12 +4306,20 @@
         </p:nvSpPr>
         <p:spPr>
           <a:xfrm>
-            <a:off x="4306388" y="1650274"/>
-            <a:ext cx="3579223" cy="1071154"/>
+            <a:off x="5029200" y="3429000"/>
+            <a:ext cx="2041119" cy="527627"/>
           </a:xfrm>
           <a:prstGeom prst="rect">
             <a:avLst/>
           </a:prstGeom>
+          <a:solidFill>
+            <a:schemeClr val="accent2"/>
+          </a:solidFill>
+          <a:ln>
+            <a:solidFill>
+              <a:schemeClr val="accent2"/>
+            </a:solidFill>
+          </a:ln>
         </p:spPr>
         <p:style>
           <a:lnRef idx="2">
@@ -3488,18 +4343,25 @@
           <a:p>
             <a:pPr algn="ctr"/>
             <a:r>
-              <a:rPr lang="nl-BE" dirty="0"/>
-              <a:t>Highscores</a:t>
-            </a:r>
-          </a:p>
-        </p:txBody>
-      </p:sp>
-      <p:sp>
-        <p:nvSpPr>
-          <p:cNvPr id="6" name="Rechthoek 5">
-            <a:extLst>
-              <a:ext uri="{FF2B5EF4-FFF2-40B4-BE49-F238E27FC236}">
-                <a16:creationId xmlns:a16="http://schemas.microsoft.com/office/drawing/2014/main" id="{6070EAF1-B126-4AE9-6B13-C34E15227851}"/>
+              <a:rPr lang="nl-BE" b="1" dirty="0">
+                <a:solidFill>
+                  <a:schemeClr val="bg1"/>
+                </a:solidFill>
+                <a:latin typeface="ADLaM Display" panose="02010000000000000000" pitchFamily="2" charset="0"/>
+                <a:ea typeface="ADLaM Display" panose="02010000000000000000" pitchFamily="2" charset="0"/>
+                <a:cs typeface="ADLaM Display" panose="02010000000000000000" pitchFamily="2" charset="0"/>
+              </a:rPr>
+              <a:t> Highscores</a:t>
+            </a:r>
+          </a:p>
+        </p:txBody>
+      </p:sp>
+      <p:sp>
+        <p:nvSpPr>
+          <p:cNvPr id="14" name="Rechthoek 13">
+            <a:extLst>
+              <a:ext uri="{FF2B5EF4-FFF2-40B4-BE49-F238E27FC236}">
+                <a16:creationId xmlns:a16="http://schemas.microsoft.com/office/drawing/2014/main" id="{5264D28B-13FE-AB7B-893A-44E4CC088CAE}"/>
               </a:ext>
             </a:extLst>
           </p:cNvPr>
@@ -3508,12 +4370,20 @@
         </p:nvSpPr>
         <p:spPr>
           <a:xfrm>
-            <a:off x="4306387" y="2873828"/>
-            <a:ext cx="3579223" cy="1071154"/>
+            <a:off x="5029200" y="2568651"/>
+            <a:ext cx="2041119" cy="527627"/>
           </a:xfrm>
           <a:prstGeom prst="rect">
             <a:avLst/>
           </a:prstGeom>
+          <a:solidFill>
+            <a:schemeClr val="accent2"/>
+          </a:solidFill>
+          <a:ln>
+            <a:solidFill>
+              <a:schemeClr val="accent2"/>
+            </a:solidFill>
+          </a:ln>
         </p:spPr>
         <p:style>
           <a:lnRef idx="2">
@@ -3537,32 +4407,205 @@
           <a:p>
             <a:pPr algn="ctr"/>
             <a:r>
-              <a:rPr lang="nl-BE" dirty="0"/>
-              <a:t>Instellingen</a:t>
-            </a:r>
-          </a:p>
-        </p:txBody>
-      </p:sp>
-      <p:sp>
-        <p:nvSpPr>
-          <p:cNvPr id="7" name="Rechthoek 6">
-            <a:extLst>
-              <a:ext uri="{FF2B5EF4-FFF2-40B4-BE49-F238E27FC236}">
-                <a16:creationId xmlns:a16="http://schemas.microsoft.com/office/drawing/2014/main" id="{ECB01951-DAEF-9F23-33DB-CA61A59D3F0E}"/>
-              </a:ext>
-            </a:extLst>
-          </p:cNvPr>
-          <p:cNvSpPr/>
+              <a:rPr lang="nl-BE" b="1" dirty="0">
+                <a:solidFill>
+                  <a:schemeClr val="bg1"/>
+                </a:solidFill>
+                <a:latin typeface="ADLaM Display" panose="02010000000000000000" pitchFamily="2" charset="0"/>
+                <a:ea typeface="ADLaM Display" panose="02010000000000000000" pitchFamily="2" charset="0"/>
+                <a:cs typeface="ADLaM Display" panose="02010000000000000000" pitchFamily="2" charset="0"/>
+              </a:rPr>
+              <a:t>Start spel</a:t>
+            </a:r>
+          </a:p>
+        </p:txBody>
+      </p:sp>
+      <p:sp>
+        <p:nvSpPr>
+          <p:cNvPr id="15" name="Tekstvak 14">
+            <a:extLst>
+              <a:ext uri="{FF2B5EF4-FFF2-40B4-BE49-F238E27FC236}">
+                <a16:creationId xmlns:a16="http://schemas.microsoft.com/office/drawing/2014/main" id="{61A778CB-E102-6BC7-2E21-F6C744546826}"/>
+              </a:ext>
+            </a:extLst>
+          </p:cNvPr>
+          <p:cNvSpPr txBox="1"/>
           <p:nvPr/>
         </p:nvSpPr>
         <p:spPr>
           <a:xfrm>
-            <a:off x="4306386" y="4097382"/>
-            <a:ext cx="3579223" cy="1071154"/>
+            <a:off x="5277534" y="1866597"/>
+            <a:ext cx="1636930" cy="369332"/>
           </a:xfrm>
           <a:prstGeom prst="rect">
             <a:avLst/>
           </a:prstGeom>
+          <a:noFill/>
+        </p:spPr>
+        <p:txBody>
+          <a:bodyPr wrap="square" rtlCol="0">
+            <a:spAutoFit/>
+          </a:bodyPr>
+          <a:lstStyle/>
+          <a:p>
+            <a:r>
+              <a:rPr lang="nl-BE" b="1" dirty="0">
+                <a:latin typeface="ADLaM Display" panose="02010000000000000000" pitchFamily="2" charset="0"/>
+                <a:ea typeface="ADLaM Display" panose="02010000000000000000" pitchFamily="2" charset="0"/>
+                <a:cs typeface="ADLaM Display" panose="02010000000000000000" pitchFamily="2" charset="0"/>
+              </a:rPr>
+              <a:t>Memory Spel</a:t>
+            </a:r>
+            <a:endParaRPr lang="en-US" b="1" dirty="0">
+              <a:latin typeface="ADLaM Display" panose="02010000000000000000" pitchFamily="2" charset="0"/>
+              <a:ea typeface="ADLaM Display" panose="02010000000000000000" pitchFamily="2" charset="0"/>
+              <a:cs typeface="ADLaM Display" panose="02010000000000000000" pitchFamily="2" charset="0"/>
+            </a:endParaRPr>
+          </a:p>
+        </p:txBody>
+      </p:sp>
+      <p:pic>
+        <p:nvPicPr>
+          <p:cNvPr id="3" name="Afbeelding 2" descr="Afbeelding met zwart, duisternis&#10;&#10;Automatisch gegenereerde beschrijving">
+            <a:extLst>
+              <a:ext uri="{FF2B5EF4-FFF2-40B4-BE49-F238E27FC236}">
+                <a16:creationId xmlns:a16="http://schemas.microsoft.com/office/drawing/2014/main" id="{3EB3958E-1797-0350-D05C-54419941DA0A}"/>
+              </a:ext>
+            </a:extLst>
+          </p:cNvPr>
+          <p:cNvPicPr>
+            <a:picLocks noChangeAspect="1"/>
+          </p:cNvPicPr>
+          <p:nvPr/>
+        </p:nvPicPr>
+        <p:blipFill>
+          <a:blip r:embed="rId3">
+            <a:extLst>
+              <a:ext uri="{28A0092B-C50C-407E-A947-70E740481C1C}">
+                <a14:useLocalDpi xmlns:a14="http://schemas.microsoft.com/office/drawing/2010/main" val="0"/>
+              </a:ext>
+            </a:extLst>
+          </a:blip>
+          <a:stretch>
+            <a:fillRect/>
+          </a:stretch>
+        </p:blipFill>
+        <p:spPr>
+          <a:xfrm>
+            <a:off x="5089036" y="4364664"/>
+            <a:ext cx="376996" cy="376996"/>
+          </a:xfrm>
+          <a:prstGeom prst="rect">
+            <a:avLst/>
+          </a:prstGeom>
+        </p:spPr>
+      </p:pic>
+      <p:pic>
+        <p:nvPicPr>
+          <p:cNvPr id="5" name="Afbeelding 4" descr="Afbeelding met zwart, duisternis&#10;&#10;Automatisch gegenereerde beschrijving">
+            <a:extLst>
+              <a:ext uri="{FF2B5EF4-FFF2-40B4-BE49-F238E27FC236}">
+                <a16:creationId xmlns:a16="http://schemas.microsoft.com/office/drawing/2014/main" id="{17FC6F54-AEA6-C48F-BD8C-64A395761166}"/>
+              </a:ext>
+            </a:extLst>
+          </p:cNvPr>
+          <p:cNvPicPr>
+            <a:picLocks noChangeAspect="1"/>
+          </p:cNvPicPr>
+          <p:nvPr/>
+        </p:nvPicPr>
+        <p:blipFill>
+          <a:blip r:embed="rId4">
+            <a:extLst>
+              <a:ext uri="{28A0092B-C50C-407E-A947-70E740481C1C}">
+                <a14:useLocalDpi xmlns:a14="http://schemas.microsoft.com/office/drawing/2010/main" val="0"/>
+              </a:ext>
+            </a:extLst>
+          </a:blip>
+          <a:stretch>
+            <a:fillRect/>
+          </a:stretch>
+        </p:blipFill>
+        <p:spPr>
+          <a:xfrm>
+            <a:off x="5089036" y="3504315"/>
+            <a:ext cx="376996" cy="376996"/>
+          </a:xfrm>
+          <a:prstGeom prst="rect">
+            <a:avLst/>
+          </a:prstGeom>
+        </p:spPr>
+      </p:pic>
+      <p:pic>
+        <p:nvPicPr>
+          <p:cNvPr id="7" name="Afbeelding 6" descr="Afbeelding met zwart, duisternis&#10;&#10;Automatisch gegenereerde beschrijving">
+            <a:extLst>
+              <a:ext uri="{FF2B5EF4-FFF2-40B4-BE49-F238E27FC236}">
+                <a16:creationId xmlns:a16="http://schemas.microsoft.com/office/drawing/2014/main" id="{1DDCBC11-9F48-4021-F23F-FE50EE2589EC}"/>
+              </a:ext>
+            </a:extLst>
+          </p:cNvPr>
+          <p:cNvPicPr>
+            <a:picLocks noChangeAspect="1"/>
+          </p:cNvPicPr>
+          <p:nvPr/>
+        </p:nvPicPr>
+        <p:blipFill>
+          <a:blip r:embed="rId5">
+            <a:extLst>
+              <a:ext uri="{28A0092B-C50C-407E-A947-70E740481C1C}">
+                <a14:useLocalDpi xmlns:a14="http://schemas.microsoft.com/office/drawing/2010/main" val="0"/>
+              </a:ext>
+            </a:extLst>
+          </a:blip>
+          <a:stretch>
+            <a:fillRect/>
+          </a:stretch>
+        </p:blipFill>
+        <p:spPr>
+          <a:xfrm>
+            <a:off x="5121472" y="2665750"/>
+            <a:ext cx="312124" cy="312124"/>
+          </a:xfrm>
+          <a:prstGeom prst="rect">
+            <a:avLst/>
+          </a:prstGeom>
+        </p:spPr>
+      </p:pic>
+      <p:sp>
+        <p:nvSpPr>
+          <p:cNvPr id="8" name="Rechthoek 7">
+            <a:extLst>
+              <a:ext uri="{FF2B5EF4-FFF2-40B4-BE49-F238E27FC236}">
+                <a16:creationId xmlns:a16="http://schemas.microsoft.com/office/drawing/2014/main" id="{4DFFC628-8D61-AE82-630B-26FC8891EE28}"/>
+              </a:ext>
+            </a:extLst>
+          </p:cNvPr>
+          <p:cNvSpPr/>
+          <p:nvPr/>
+        </p:nvSpPr>
+        <p:spPr>
+          <a:xfrm>
+            <a:off x="-1" y="0"/>
+            <a:ext cx="12192000" cy="527627"/>
+          </a:xfrm>
+          <a:prstGeom prst="rect">
+            <a:avLst/>
+          </a:prstGeom>
+          <a:solidFill>
+            <a:schemeClr val="tx1">
+              <a:lumMod val="65000"/>
+              <a:lumOff val="35000"/>
+            </a:schemeClr>
+          </a:solidFill>
+          <a:ln>
+            <a:solidFill>
+              <a:schemeClr val="tx1">
+                <a:lumMod val="95000"/>
+                <a:lumOff val="5000"/>
+              </a:schemeClr>
+            </a:solidFill>
+          </a:ln>
         </p:spPr>
         <p:style>
           <a:lnRef idx="2">
@@ -3585,33 +4628,97 @@
           <a:lstStyle/>
           <a:p>
             <a:pPr algn="ctr"/>
-            <a:r>
-              <a:rPr lang="nl-BE" dirty="0"/>
-              <a:t>Handleiding</a:t>
-            </a:r>
-          </a:p>
-        </p:txBody>
-      </p:sp>
-      <p:sp>
-        <p:nvSpPr>
-          <p:cNvPr id="8" name="Rechthoek 7">
-            <a:extLst>
-              <a:ext uri="{FF2B5EF4-FFF2-40B4-BE49-F238E27FC236}">
-                <a16:creationId xmlns:a16="http://schemas.microsoft.com/office/drawing/2014/main" id="{F28B4BCE-5E7A-B1C6-1045-17E2110A92E3}"/>
-              </a:ext>
-            </a:extLst>
-          </p:cNvPr>
-          <p:cNvSpPr/>
+            <a:endParaRPr lang="nl-BE" b="1" dirty="0">
+              <a:solidFill>
+                <a:schemeClr val="bg1"/>
+              </a:solidFill>
+              <a:latin typeface="ADLaM Display" panose="02010000000000000000" pitchFamily="2" charset="0"/>
+              <a:ea typeface="ADLaM Display" panose="02010000000000000000" pitchFamily="2" charset="0"/>
+              <a:cs typeface="ADLaM Display" panose="02010000000000000000" pitchFamily="2" charset="0"/>
+            </a:endParaRPr>
+          </a:p>
+        </p:txBody>
+      </p:sp>
+      <p:sp>
+        <p:nvSpPr>
+          <p:cNvPr id="9" name="Tekstvak 8">
+            <a:extLst>
+              <a:ext uri="{FF2B5EF4-FFF2-40B4-BE49-F238E27FC236}">
+                <a16:creationId xmlns:a16="http://schemas.microsoft.com/office/drawing/2014/main" id="{184DE390-FE5C-2CA4-BE6E-5DDA5D61E53B}"/>
+              </a:ext>
+            </a:extLst>
+          </p:cNvPr>
+          <p:cNvSpPr txBox="1"/>
           <p:nvPr/>
         </p:nvSpPr>
         <p:spPr>
           <a:xfrm>
-            <a:off x="4306386" y="5320935"/>
-            <a:ext cx="3579223" cy="1071154"/>
+            <a:off x="125895" y="79147"/>
+            <a:ext cx="834887" cy="369332"/>
           </a:xfrm>
           <a:prstGeom prst="rect">
             <a:avLst/>
           </a:prstGeom>
+          <a:noFill/>
+        </p:spPr>
+        <p:txBody>
+          <a:bodyPr wrap="square" rtlCol="0">
+            <a:spAutoFit/>
+          </a:bodyPr>
+          <a:lstStyle/>
+          <a:p>
+            <a:r>
+              <a:rPr lang="nl-BE" b="1" dirty="0">
+                <a:solidFill>
+                  <a:schemeClr val="bg1"/>
+                </a:solidFill>
+                <a:latin typeface="ADLaM Display" panose="02010000000000000000" pitchFamily="2" charset="0"/>
+                <a:ea typeface="ADLaM Display" panose="02010000000000000000" pitchFamily="2" charset="0"/>
+                <a:cs typeface="ADLaM Display" panose="02010000000000000000" pitchFamily="2" charset="0"/>
+              </a:rPr>
+              <a:t>Hulp</a:t>
+            </a:r>
+            <a:endParaRPr lang="en-US" b="1" dirty="0">
+              <a:solidFill>
+                <a:schemeClr val="bg1"/>
+              </a:solidFill>
+              <a:latin typeface="ADLaM Display" panose="02010000000000000000" pitchFamily="2" charset="0"/>
+              <a:ea typeface="ADLaM Display" panose="02010000000000000000" pitchFamily="2" charset="0"/>
+              <a:cs typeface="ADLaM Display" panose="02010000000000000000" pitchFamily="2" charset="0"/>
+            </a:endParaRPr>
+          </a:p>
+        </p:txBody>
+      </p:sp>
+      <p:sp>
+        <p:nvSpPr>
+          <p:cNvPr id="10" name="Rechthoek 9">
+            <a:extLst>
+              <a:ext uri="{FF2B5EF4-FFF2-40B4-BE49-F238E27FC236}">
+                <a16:creationId xmlns:a16="http://schemas.microsoft.com/office/drawing/2014/main" id="{78922010-9364-198B-8C28-F6B5CDF3D4ED}"/>
+              </a:ext>
+            </a:extLst>
+          </p:cNvPr>
+          <p:cNvSpPr/>
+          <p:nvPr/>
+        </p:nvSpPr>
+        <p:spPr>
+          <a:xfrm>
+            <a:off x="125895" y="527626"/>
+            <a:ext cx="1401563" cy="527627"/>
+          </a:xfrm>
+          <a:prstGeom prst="rect">
+            <a:avLst/>
+          </a:prstGeom>
+          <a:solidFill>
+            <a:schemeClr val="bg1"/>
+          </a:solidFill>
+          <a:ln>
+            <a:solidFill>
+              <a:schemeClr val="bg1">
+                <a:lumMod val="85000"/>
+              </a:schemeClr>
+            </a:solidFill>
+          </a:ln>
         </p:spPr>
         <p:style>
           <a:lnRef idx="2">
@@ -3634,388 +4741,47 @@
           <a:lstStyle/>
           <a:p>
             <a:pPr algn="ctr"/>
-            <a:r>
-              <a:rPr lang="nl-BE" dirty="0"/>
-              <a:t>Afsluiten</a:t>
-            </a:r>
-          </a:p>
-        </p:txBody>
-      </p:sp>
-    </p:spTree>
-    <p:extLst>
-      <p:ext uri="{BB962C8B-B14F-4D97-AF65-F5344CB8AC3E}">
-        <p14:creationId xmlns:p14="http://schemas.microsoft.com/office/powerpoint/2010/main" val="890284344"/>
-      </p:ext>
-    </p:extLst>
-  </p:cSld>
-  <p:clrMapOvr>
-    <a:masterClrMapping/>
-  </p:clrMapOvr>
-</p:sld>
-</file>
-
-<file path=ppt/slides/slide2.xml><?xml version="1.0" encoding="utf-8"?>
-<p:sld xmlns:a="http://schemas.openxmlformats.org/drawingml/2006/main" xmlns:r="http://schemas.openxmlformats.org/officeDocument/2006/relationships" xmlns:p="http://schemas.openxmlformats.org/presentationml/2006/main">
-  <p:cSld>
-    <p:spTree>
-      <p:nvGrpSpPr>
-        <p:cNvPr id="1" name=""/>
-        <p:cNvGrpSpPr/>
-        <p:nvPr/>
-      </p:nvGrpSpPr>
-      <p:grpSpPr>
-        <a:xfrm>
-          <a:off x="0" y="0"/>
-          <a:ext cx="0" cy="0"/>
-          <a:chOff x="0" y="0"/>
-          <a:chExt cx="0" cy="0"/>
-        </a:xfrm>
-      </p:grpSpPr>
-      <p:sp>
-        <p:nvSpPr>
-          <p:cNvPr id="4" name="Tekstvak 3">
-            <a:extLst>
-              <a:ext uri="{FF2B5EF4-FFF2-40B4-BE49-F238E27FC236}">
-                <a16:creationId xmlns:a16="http://schemas.microsoft.com/office/drawing/2014/main" id="{4B608F1C-021B-B660-B40D-DD943DE87BF5}"/>
-              </a:ext>
-            </a:extLst>
-          </p:cNvPr>
-          <p:cNvSpPr txBox="1"/>
+            <a:endParaRPr lang="nl-BE" b="1" dirty="0">
+              <a:solidFill>
+                <a:schemeClr val="bg1"/>
+              </a:solidFill>
+              <a:latin typeface="ADLaM Display" panose="02010000000000000000" pitchFamily="2" charset="0"/>
+              <a:ea typeface="ADLaM Display" panose="02010000000000000000" pitchFamily="2" charset="0"/>
+              <a:cs typeface="ADLaM Display" panose="02010000000000000000" pitchFamily="2" charset="0"/>
+            </a:endParaRPr>
+          </a:p>
+        </p:txBody>
+      </p:sp>
+      <p:sp>
+        <p:nvSpPr>
+          <p:cNvPr id="16" name="Rechthoek 15">
+            <a:extLst>
+              <a:ext uri="{FF2B5EF4-FFF2-40B4-BE49-F238E27FC236}">
+                <a16:creationId xmlns:a16="http://schemas.microsoft.com/office/drawing/2014/main" id="{6DF05C43-E9CD-C709-DF68-6FE5C9C5DC68}"/>
+              </a:ext>
+            </a:extLst>
+          </p:cNvPr>
+          <p:cNvSpPr/>
           <p:nvPr/>
         </p:nvSpPr>
         <p:spPr>
           <a:xfrm>
-            <a:off x="4501044" y="104504"/>
-            <a:ext cx="3189912" cy="830997"/>
+            <a:off x="125895" y="1055253"/>
+            <a:ext cx="1401563" cy="527627"/>
           </a:xfrm>
           <a:prstGeom prst="rect">
             <a:avLst/>
           </a:prstGeom>
-          <a:noFill/>
-        </p:spPr>
-        <p:txBody>
-          <a:bodyPr wrap="none" rtlCol="0">
-            <a:spAutoFit/>
-          </a:bodyPr>
-          <a:lstStyle/>
-          <a:p>
-            <a:r>
-              <a:rPr lang="nl-BE" sz="4800" dirty="0"/>
-              <a:t>Highscores</a:t>
-            </a:r>
-            <a:endParaRPr lang="nl-BE" dirty="0"/>
-          </a:p>
-        </p:txBody>
-      </p:sp>
-      <p:graphicFrame>
-        <p:nvGraphicFramePr>
-          <p:cNvPr id="5" name="Tabel 4">
-            <a:extLst>
-              <a:ext uri="{FF2B5EF4-FFF2-40B4-BE49-F238E27FC236}">
-                <a16:creationId xmlns:a16="http://schemas.microsoft.com/office/drawing/2014/main" id="{55C72D22-940F-5619-2A38-D4B474A90C09}"/>
-              </a:ext>
-            </a:extLst>
-          </p:cNvPr>
-          <p:cNvGraphicFramePr>
-            <a:graphicFrameLocks noGrp="1"/>
-          </p:cNvGraphicFramePr>
-          <p:nvPr>
-            <p:extLst>
-              <p:ext uri="{D42A27DB-BD31-4B8C-83A1-F6EECF244321}">
-                <p14:modId xmlns:p14="http://schemas.microsoft.com/office/powerpoint/2010/main" val="1525972707"/>
-              </p:ext>
-            </p:extLst>
-          </p:nvPr>
-        </p:nvGraphicFramePr>
-        <p:xfrm>
-          <a:off x="1117600" y="2156580"/>
-          <a:ext cx="10334172" cy="1854200"/>
-        </p:xfrm>
-        <a:graphic>
-          <a:graphicData uri="http://schemas.openxmlformats.org/drawingml/2006/table">
-            <a:tbl>
-              <a:tblPr firstRow="1" bandRow="1">
-                <a:tableStyleId>{5C22544A-7EE6-4342-B048-85BDC9FD1C3A}</a:tableStyleId>
-              </a:tblPr>
-              <a:tblGrid>
-                <a:gridCol w="3444724">
-                  <a:extLst>
-                    <a:ext uri="{9D8B030D-6E8A-4147-A177-3AD203B41FA5}">
-                      <a16:colId xmlns:a16="http://schemas.microsoft.com/office/drawing/2014/main" val="3099730347"/>
-                    </a:ext>
-                  </a:extLst>
-                </a:gridCol>
-                <a:gridCol w="3444724">
-                  <a:extLst>
-                    <a:ext uri="{9D8B030D-6E8A-4147-A177-3AD203B41FA5}">
-                      <a16:colId xmlns:a16="http://schemas.microsoft.com/office/drawing/2014/main" val="1559037744"/>
-                    </a:ext>
-                  </a:extLst>
-                </a:gridCol>
-                <a:gridCol w="3444724">
-                  <a:extLst>
-                    <a:ext uri="{9D8B030D-6E8A-4147-A177-3AD203B41FA5}">
-                      <a16:colId xmlns:a16="http://schemas.microsoft.com/office/drawing/2014/main" val="3496188168"/>
-                    </a:ext>
-                  </a:extLst>
-                </a:gridCol>
-              </a:tblGrid>
-              <a:tr h="370840">
-                <a:tc>
-                  <a:txBody>
-                    <a:bodyPr/>
-                    <a:lstStyle/>
-                    <a:p>
-                      <a:r>
-                        <a:rPr lang="nl-BE" dirty="0"/>
-                        <a:t>Ranking</a:t>
-                      </a:r>
-                    </a:p>
-                  </a:txBody>
-                  <a:tcPr/>
-                </a:tc>
-                <a:tc>
-                  <a:txBody>
-                    <a:bodyPr/>
-                    <a:lstStyle/>
-                    <a:p>
-                      <a:r>
-                        <a:rPr lang="nl-BE" dirty="0" err="1"/>
-                        <a:t>Spelernaam</a:t>
-                      </a:r>
-                      <a:endParaRPr lang="nl-BE" dirty="0"/>
-                    </a:p>
-                  </a:txBody>
-                  <a:tcPr/>
-                </a:tc>
-                <a:tc>
-                  <a:txBody>
-                    <a:bodyPr/>
-                    <a:lstStyle/>
-                    <a:p>
-                      <a:r>
-                        <a:rPr lang="nl-BE" dirty="0"/>
-                        <a:t>Score</a:t>
-                      </a:r>
-                    </a:p>
-                  </a:txBody>
-                  <a:tcPr/>
-                </a:tc>
-                <a:extLst>
-                  <a:ext uri="{0D108BD9-81ED-4DB2-BD59-A6C34878D82A}">
-                    <a16:rowId xmlns:a16="http://schemas.microsoft.com/office/drawing/2014/main" val="2329928139"/>
-                  </a:ext>
-                </a:extLst>
-              </a:tr>
-              <a:tr h="370840">
-                <a:tc>
-                  <a:txBody>
-                    <a:bodyPr/>
-                    <a:lstStyle/>
-                    <a:p>
-                      <a:r>
-                        <a:rPr lang="nl-BE" dirty="0"/>
-                        <a:t>1</a:t>
-                      </a:r>
-                    </a:p>
-                  </a:txBody>
-                  <a:tcPr/>
-                </a:tc>
-                <a:tc>
-                  <a:txBody>
-                    <a:bodyPr/>
-                    <a:lstStyle/>
-                    <a:p>
-                      <a:r>
-                        <a:rPr lang="nl-BE" dirty="0" err="1"/>
-                        <a:t>Khava</a:t>
-                      </a:r>
-                      <a:endParaRPr lang="nl-BE" dirty="0"/>
-                    </a:p>
-                  </a:txBody>
-                  <a:tcPr/>
-                </a:tc>
-                <a:tc>
-                  <a:txBody>
-                    <a:bodyPr/>
-                    <a:lstStyle/>
-                    <a:p>
-                      <a:r>
-                        <a:rPr lang="nl-BE" dirty="0"/>
-                        <a:t>15305</a:t>
-                      </a:r>
-                    </a:p>
-                  </a:txBody>
-                  <a:tcPr/>
-                </a:tc>
-                <a:extLst>
-                  <a:ext uri="{0D108BD9-81ED-4DB2-BD59-A6C34878D82A}">
-                    <a16:rowId xmlns:a16="http://schemas.microsoft.com/office/drawing/2014/main" val="17575993"/>
-                  </a:ext>
-                </a:extLst>
-              </a:tr>
-              <a:tr h="370840">
-                <a:tc>
-                  <a:txBody>
-                    <a:bodyPr/>
-                    <a:lstStyle/>
-                    <a:p>
-                      <a:r>
-                        <a:rPr lang="nl-BE" dirty="0"/>
-                        <a:t>2</a:t>
-                      </a:r>
-                    </a:p>
-                  </a:txBody>
-                  <a:tcPr/>
-                </a:tc>
-                <a:tc>
-                  <a:txBody>
-                    <a:bodyPr/>
-                    <a:lstStyle/>
-                    <a:p>
-                      <a:r>
-                        <a:rPr lang="nl-BE" dirty="0"/>
-                        <a:t>Youssef</a:t>
-                      </a:r>
-                    </a:p>
-                  </a:txBody>
-                  <a:tcPr/>
-                </a:tc>
-                <a:tc>
-                  <a:txBody>
-                    <a:bodyPr/>
-                    <a:lstStyle/>
-                    <a:p>
-                      <a:r>
-                        <a:rPr lang="nl-BE" dirty="0"/>
-                        <a:t>11689</a:t>
-                      </a:r>
-                    </a:p>
-                  </a:txBody>
-                  <a:tcPr/>
-                </a:tc>
-                <a:extLst>
-                  <a:ext uri="{0D108BD9-81ED-4DB2-BD59-A6C34878D82A}">
-                    <a16:rowId xmlns:a16="http://schemas.microsoft.com/office/drawing/2014/main" val="2045870140"/>
-                  </a:ext>
-                </a:extLst>
-              </a:tr>
-              <a:tr h="370840">
-                <a:tc>
-                  <a:txBody>
-                    <a:bodyPr/>
-                    <a:lstStyle/>
-                    <a:p>
-                      <a:r>
-                        <a:rPr lang="nl-BE" dirty="0"/>
-                        <a:t>3</a:t>
-                      </a:r>
-                    </a:p>
-                  </a:txBody>
-                  <a:tcPr/>
-                </a:tc>
-                <a:tc>
-                  <a:txBody>
-                    <a:bodyPr/>
-                    <a:lstStyle/>
-                    <a:p>
-                      <a:r>
-                        <a:rPr lang="nl-BE" dirty="0"/>
-                        <a:t>Yousri</a:t>
-                      </a:r>
-                    </a:p>
-                  </a:txBody>
-                  <a:tcPr/>
-                </a:tc>
-                <a:tc>
-                  <a:txBody>
-                    <a:bodyPr/>
-                    <a:lstStyle/>
-                    <a:p>
-                      <a:r>
-                        <a:rPr lang="nl-BE" dirty="0"/>
-                        <a:t>8909</a:t>
-                      </a:r>
-                    </a:p>
-                  </a:txBody>
-                  <a:tcPr/>
-                </a:tc>
-                <a:extLst>
-                  <a:ext uri="{0D108BD9-81ED-4DB2-BD59-A6C34878D82A}">
-                    <a16:rowId xmlns:a16="http://schemas.microsoft.com/office/drawing/2014/main" val="310566250"/>
-                  </a:ext>
-                </a:extLst>
-              </a:tr>
-              <a:tr h="370840">
-                <a:tc>
-                  <a:txBody>
-                    <a:bodyPr/>
-                    <a:lstStyle/>
-                    <a:p>
-                      <a:r>
-                        <a:rPr lang="nl-BE" dirty="0"/>
-                        <a:t>4</a:t>
-                      </a:r>
-                    </a:p>
-                  </a:txBody>
-                  <a:tcPr/>
-                </a:tc>
-                <a:tc>
-                  <a:txBody>
-                    <a:bodyPr/>
-                    <a:lstStyle/>
-                    <a:p>
-                      <a:r>
-                        <a:rPr lang="nl-BE" dirty="0"/>
-                        <a:t>Maarten</a:t>
-                      </a:r>
-                    </a:p>
-                  </a:txBody>
-                  <a:tcPr/>
-                </a:tc>
-                <a:tc>
-                  <a:txBody>
-                    <a:bodyPr/>
-                    <a:lstStyle/>
-                    <a:p>
-                      <a:r>
-                        <a:rPr lang="nl-BE" dirty="0"/>
-                        <a:t>5898</a:t>
-                      </a:r>
-                    </a:p>
-                  </a:txBody>
-                  <a:tcPr/>
-                </a:tc>
-                <a:extLst>
-                  <a:ext uri="{0D108BD9-81ED-4DB2-BD59-A6C34878D82A}">
-                    <a16:rowId xmlns:a16="http://schemas.microsoft.com/office/drawing/2014/main" val="1592923706"/>
-                  </a:ext>
-                </a:extLst>
-              </a:tr>
-            </a:tbl>
-          </a:graphicData>
-        </a:graphic>
-      </p:graphicFrame>
-      <p:sp>
-        <p:nvSpPr>
-          <p:cNvPr id="6" name="Rechthoek 5">
-            <a:extLst>
-              <a:ext uri="{FF2B5EF4-FFF2-40B4-BE49-F238E27FC236}">
-                <a16:creationId xmlns:a16="http://schemas.microsoft.com/office/drawing/2014/main" id="{0EEB4674-9743-10E7-09B0-4479B4D9EECE}"/>
-              </a:ext>
-            </a:extLst>
-          </p:cNvPr>
-          <p:cNvSpPr/>
-          <p:nvPr/>
-        </p:nvSpPr>
-        <p:spPr>
-          <a:xfrm>
-            <a:off x="4306388" y="5503815"/>
-            <a:ext cx="3579223" cy="1071154"/>
-          </a:xfrm>
-          <a:prstGeom prst="rect">
-            <a:avLst/>
-          </a:prstGeom>
+          <a:solidFill>
+            <a:schemeClr val="bg1"/>
+          </a:solidFill>
+          <a:ln>
+            <a:solidFill>
+              <a:schemeClr val="bg1">
+                <a:lumMod val="85000"/>
+              </a:schemeClr>
+            </a:solidFill>
+          </a:ln>
         </p:spPr>
         <p:style>
           <a:lnRef idx="2">
@@ -4038,17 +4804,109 @@
           <a:lstStyle/>
           <a:p>
             <a:pPr algn="ctr"/>
-            <a:r>
-              <a:rPr lang="nl-BE" dirty="0"/>
-              <a:t>Terug</a:t>
-            </a:r>
+            <a:endParaRPr lang="nl-BE" b="1" dirty="0">
+              <a:solidFill>
+                <a:schemeClr val="bg1"/>
+              </a:solidFill>
+              <a:latin typeface="ADLaM Display" panose="02010000000000000000" pitchFamily="2" charset="0"/>
+              <a:ea typeface="ADLaM Display" panose="02010000000000000000" pitchFamily="2" charset="0"/>
+              <a:cs typeface="ADLaM Display" panose="02010000000000000000" pitchFamily="2" charset="0"/>
+            </a:endParaRPr>
+          </a:p>
+        </p:txBody>
+      </p:sp>
+      <p:sp>
+        <p:nvSpPr>
+          <p:cNvPr id="17" name="Tekstvak 16">
+            <a:extLst>
+              <a:ext uri="{FF2B5EF4-FFF2-40B4-BE49-F238E27FC236}">
+                <a16:creationId xmlns:a16="http://schemas.microsoft.com/office/drawing/2014/main" id="{8919AA16-3C78-9E98-FB35-2F4778D5B9B1}"/>
+              </a:ext>
+            </a:extLst>
+          </p:cNvPr>
+          <p:cNvSpPr txBox="1"/>
+          <p:nvPr/>
+        </p:nvSpPr>
+        <p:spPr>
+          <a:xfrm>
+            <a:off x="125895" y="1118322"/>
+            <a:ext cx="1608554" cy="369332"/>
+          </a:xfrm>
+          <a:prstGeom prst="rect">
+            <a:avLst/>
+          </a:prstGeom>
+          <a:noFill/>
+        </p:spPr>
+        <p:txBody>
+          <a:bodyPr wrap="square" rtlCol="0">
+            <a:spAutoFit/>
+          </a:bodyPr>
+          <a:lstStyle/>
+          <a:p>
+            <a:r>
+              <a:rPr lang="nl-BE" b="1" dirty="0">
+                <a:latin typeface="ADLaM Display" panose="02010000000000000000" pitchFamily="2" charset="0"/>
+                <a:ea typeface="ADLaM Display" panose="02010000000000000000" pitchFamily="2" charset="0"/>
+                <a:cs typeface="ADLaM Display" panose="02010000000000000000" pitchFamily="2" charset="0"/>
+              </a:rPr>
+              <a:t>Instellingen</a:t>
+            </a:r>
+            <a:endParaRPr lang="en-US" b="1" dirty="0">
+              <a:latin typeface="ADLaM Display" panose="02010000000000000000" pitchFamily="2" charset="0"/>
+              <a:ea typeface="ADLaM Display" panose="02010000000000000000" pitchFamily="2" charset="0"/>
+              <a:cs typeface="ADLaM Display" panose="02010000000000000000" pitchFamily="2" charset="0"/>
+            </a:endParaRPr>
+          </a:p>
+        </p:txBody>
+      </p:sp>
+      <p:sp>
+        <p:nvSpPr>
+          <p:cNvPr id="18" name="Tekstvak 17">
+            <a:extLst>
+              <a:ext uri="{FF2B5EF4-FFF2-40B4-BE49-F238E27FC236}">
+                <a16:creationId xmlns:a16="http://schemas.microsoft.com/office/drawing/2014/main" id="{9DCB5586-0A2C-41E6-79DA-31CA6881F986}"/>
+              </a:ext>
+            </a:extLst>
+          </p:cNvPr>
+          <p:cNvSpPr txBox="1"/>
+          <p:nvPr/>
+        </p:nvSpPr>
+        <p:spPr>
+          <a:xfrm>
+            <a:off x="125895" y="608222"/>
+            <a:ext cx="1608554" cy="369332"/>
+          </a:xfrm>
+          <a:prstGeom prst="rect">
+            <a:avLst/>
+          </a:prstGeom>
+          <a:noFill/>
+        </p:spPr>
+        <p:txBody>
+          <a:bodyPr wrap="square" rtlCol="0">
+            <a:spAutoFit/>
+          </a:bodyPr>
+          <a:lstStyle/>
+          <a:p>
+            <a:r>
+              <a:rPr lang="nl-BE" b="1" dirty="0">
+                <a:latin typeface="ADLaM Display" panose="02010000000000000000" pitchFamily="2" charset="0"/>
+                <a:ea typeface="ADLaM Display" panose="02010000000000000000" pitchFamily="2" charset="0"/>
+                <a:cs typeface="ADLaM Display" panose="02010000000000000000" pitchFamily="2" charset="0"/>
+              </a:rPr>
+              <a:t>Afsluiten</a:t>
+            </a:r>
+            <a:endParaRPr lang="en-US" b="1" dirty="0">
+              <a:latin typeface="ADLaM Display" panose="02010000000000000000" pitchFamily="2" charset="0"/>
+              <a:ea typeface="ADLaM Display" panose="02010000000000000000" pitchFamily="2" charset="0"/>
+              <a:cs typeface="ADLaM Display" panose="02010000000000000000" pitchFamily="2" charset="0"/>
+            </a:endParaRPr>
           </a:p>
         </p:txBody>
       </p:sp>
     </p:spTree>
     <p:extLst>
       <p:ext uri="{BB962C8B-B14F-4D97-AF65-F5344CB8AC3E}">
-        <p14:creationId xmlns:p14="http://schemas.microsoft.com/office/powerpoint/2010/main" val="1263731893"/>
+        <p14:creationId xmlns:p14="http://schemas.microsoft.com/office/powerpoint/2010/main" val="2213303306"/>
       </p:ext>
     </p:extLst>
   </p:cSld>
@@ -4058,12 +4916,18 @@
 </p:sld>
 </file>
 
-<file path=ppt/slides/slide3.xml><?xml version="1.0" encoding="utf-8"?>
+<file path=ppt/slides/slide2.xml><?xml version="1.0" encoding="utf-8"?>
 <p:sld xmlns:a="http://schemas.openxmlformats.org/drawingml/2006/main" xmlns:r="http://schemas.openxmlformats.org/officeDocument/2006/relationships" xmlns:p="http://schemas.openxmlformats.org/presentationml/2006/main">
   <p:cSld>
     <p:spTree>
       <p:nvGrpSpPr>
-        <p:cNvPr id="1" name=""/>
+        <p:cNvPr id="1" name="">
+          <a:extLst>
+            <a:ext uri="{FF2B5EF4-FFF2-40B4-BE49-F238E27FC236}">
+              <a16:creationId xmlns:a16="http://schemas.microsoft.com/office/drawing/2014/main" id="{E3F7BEF7-03BC-8113-DB98-A799ECFF5906}"/>
+            </a:ext>
+          </a:extLst>
+        </p:cNvPr>
         <p:cNvGrpSpPr/>
         <p:nvPr/>
       </p:nvGrpSpPr>
@@ -4075,12 +4939,48 @@
           <a:chExt cx="0" cy="0"/>
         </a:xfrm>
       </p:grpSpPr>
-      <p:sp>
-        <p:nvSpPr>
-          <p:cNvPr id="4" name="Tekstvak 3">
-            <a:extLst>
-              <a:ext uri="{FF2B5EF4-FFF2-40B4-BE49-F238E27FC236}">
-                <a16:creationId xmlns:a16="http://schemas.microsoft.com/office/drawing/2014/main" id="{4B608F1C-021B-B660-B40D-DD943DE87BF5}"/>
+      <p:pic>
+        <p:nvPicPr>
+          <p:cNvPr id="11" name="Afbeelding 10" descr="Afbeelding met sinaasappel, Amber, geel, Kleurrijkheid&#10;&#10;Automatisch gegenereerde beschrijving">
+            <a:extLst>
+              <a:ext uri="{FF2B5EF4-FFF2-40B4-BE49-F238E27FC236}">
+                <a16:creationId xmlns:a16="http://schemas.microsoft.com/office/drawing/2014/main" id="{8B35465C-E381-CB5F-3C86-DCD0360F6856}"/>
+              </a:ext>
+            </a:extLst>
+          </p:cNvPr>
+          <p:cNvPicPr>
+            <a:picLocks noChangeAspect="1"/>
+          </p:cNvPicPr>
+          <p:nvPr/>
+        </p:nvPicPr>
+        <p:blipFill>
+          <a:blip r:embed="rId2">
+            <a:extLst>
+              <a:ext uri="{28A0092B-C50C-407E-A947-70E740481C1C}">
+                <a14:useLocalDpi xmlns:a14="http://schemas.microsoft.com/office/drawing/2010/main" val="0"/>
+              </a:ext>
+            </a:extLst>
+          </a:blip>
+          <a:stretch>
+            <a:fillRect/>
+          </a:stretch>
+        </p:blipFill>
+        <p:spPr>
+          <a:xfrm>
+            <a:off x="0" y="0"/>
+            <a:ext cx="12192000" cy="8128000"/>
+          </a:xfrm>
+          <a:prstGeom prst="rect">
+            <a:avLst/>
+          </a:prstGeom>
+        </p:spPr>
+      </p:pic>
+      <p:sp>
+        <p:nvSpPr>
+          <p:cNvPr id="15" name="Tekstvak 14">
+            <a:extLst>
+              <a:ext uri="{FF2B5EF4-FFF2-40B4-BE49-F238E27FC236}">
+                <a16:creationId xmlns:a16="http://schemas.microsoft.com/office/drawing/2014/main" id="{8122E4C2-F4B0-34D3-9C77-CDE71DEAD107}"/>
               </a:ext>
             </a:extLst>
           </p:cNvPr>
@@ -4089,8 +4989,8 @@
         </p:nvSpPr>
         <p:spPr>
           <a:xfrm>
-            <a:off x="4501044" y="104504"/>
-            <a:ext cx="3393878" cy="830997"/>
+            <a:off x="5277534" y="1866597"/>
+            <a:ext cx="1636930" cy="369332"/>
           </a:xfrm>
           <a:prstGeom prst="rect">
             <a:avLst/>
@@ -4098,25 +4998,33 @@
           <a:noFill/>
         </p:spPr>
         <p:txBody>
-          <a:bodyPr wrap="none" rtlCol="0">
+          <a:bodyPr wrap="square" rtlCol="0">
             <a:spAutoFit/>
           </a:bodyPr>
           <a:lstStyle/>
           <a:p>
             <a:r>
-              <a:rPr lang="nl-BE" sz="4800" dirty="0"/>
-              <a:t>Handleiding</a:t>
-            </a:r>
-            <a:endParaRPr lang="nl-BE" dirty="0"/>
-          </a:p>
-        </p:txBody>
-      </p:sp>
-      <p:sp>
-        <p:nvSpPr>
-          <p:cNvPr id="6" name="Rechthoek 5">
-            <a:extLst>
-              <a:ext uri="{FF2B5EF4-FFF2-40B4-BE49-F238E27FC236}">
-                <a16:creationId xmlns:a16="http://schemas.microsoft.com/office/drawing/2014/main" id="{0EEB4674-9743-10E7-09B0-4479B4D9EECE}"/>
+              <a:rPr lang="nl-BE" b="1" dirty="0">
+                <a:latin typeface="ADLaM Display" panose="02010000000000000000" pitchFamily="2" charset="0"/>
+                <a:ea typeface="ADLaM Display" panose="02010000000000000000" pitchFamily="2" charset="0"/>
+                <a:cs typeface="ADLaM Display" panose="02010000000000000000" pitchFamily="2" charset="0"/>
+              </a:rPr>
+              <a:t>Highscores</a:t>
+            </a:r>
+            <a:endParaRPr lang="en-US" b="1" dirty="0">
+              <a:latin typeface="ADLaM Display" panose="02010000000000000000" pitchFamily="2" charset="0"/>
+              <a:ea typeface="ADLaM Display" panose="02010000000000000000" pitchFamily="2" charset="0"/>
+              <a:cs typeface="ADLaM Display" panose="02010000000000000000" pitchFamily="2" charset="0"/>
+            </a:endParaRPr>
+          </a:p>
+        </p:txBody>
+      </p:sp>
+      <p:sp>
+        <p:nvSpPr>
+          <p:cNvPr id="8" name="Rechthoek 7">
+            <a:extLst>
+              <a:ext uri="{FF2B5EF4-FFF2-40B4-BE49-F238E27FC236}">
+                <a16:creationId xmlns:a16="http://schemas.microsoft.com/office/drawing/2014/main" id="{8C7EFB30-2F0C-BFD0-08A2-EBEC38712281}"/>
               </a:ext>
             </a:extLst>
           </p:cNvPr>
@@ -4125,12 +5033,26 @@
         </p:nvSpPr>
         <p:spPr>
           <a:xfrm>
-            <a:off x="4306388" y="5503815"/>
-            <a:ext cx="3579223" cy="1071154"/>
+            <a:off x="-1" y="0"/>
+            <a:ext cx="12192000" cy="527627"/>
           </a:xfrm>
           <a:prstGeom prst="rect">
             <a:avLst/>
           </a:prstGeom>
+          <a:solidFill>
+            <a:schemeClr val="tx1">
+              <a:lumMod val="65000"/>
+              <a:lumOff val="35000"/>
+            </a:schemeClr>
+          </a:solidFill>
+          <a:ln>
+            <a:solidFill>
+              <a:schemeClr val="tx1">
+                <a:lumMod val="95000"/>
+                <a:lumOff val="5000"/>
+              </a:schemeClr>
+            </a:solidFill>
+          </a:ln>
         </p:spPr>
         <p:style>
           <a:lnRef idx="2">
@@ -4153,19 +5075,23 @@
           <a:lstStyle/>
           <a:p>
             <a:pPr algn="ctr"/>
-            <a:r>
-              <a:rPr lang="nl-BE" dirty="0"/>
-              <a:t>Terug</a:t>
-            </a:r>
-          </a:p>
-        </p:txBody>
-      </p:sp>
-      <p:sp>
-        <p:nvSpPr>
-          <p:cNvPr id="2" name="Tekstvak 1">
-            <a:extLst>
-              <a:ext uri="{FF2B5EF4-FFF2-40B4-BE49-F238E27FC236}">
-                <a16:creationId xmlns:a16="http://schemas.microsoft.com/office/drawing/2014/main" id="{24F1FF24-B59E-0A62-9A96-842D4506BB26}"/>
+            <a:endParaRPr lang="nl-BE" b="1" dirty="0">
+              <a:solidFill>
+                <a:schemeClr val="bg1"/>
+              </a:solidFill>
+              <a:latin typeface="ADLaM Display" panose="02010000000000000000" pitchFamily="2" charset="0"/>
+              <a:ea typeface="ADLaM Display" panose="02010000000000000000" pitchFamily="2" charset="0"/>
+              <a:cs typeface="ADLaM Display" panose="02010000000000000000" pitchFamily="2" charset="0"/>
+            </a:endParaRPr>
+          </a:p>
+        </p:txBody>
+      </p:sp>
+      <p:sp>
+        <p:nvSpPr>
+          <p:cNvPr id="9" name="Tekstvak 8">
+            <a:extLst>
+              <a:ext uri="{FF2B5EF4-FFF2-40B4-BE49-F238E27FC236}">
+                <a16:creationId xmlns:a16="http://schemas.microsoft.com/office/drawing/2014/main" id="{DB262447-B56A-CD75-B46D-B8A8F6E1FE61}"/>
               </a:ext>
             </a:extLst>
           </p:cNvPr>
@@ -4174,8 +5100,8 @@
         </p:nvSpPr>
         <p:spPr>
           <a:xfrm>
-            <a:off x="1706880" y="1854926"/>
-            <a:ext cx="9039497" cy="2031325"/>
+            <a:off x="125895" y="79147"/>
+            <a:ext cx="834887" cy="369332"/>
           </a:xfrm>
           <a:prstGeom prst="rect">
             <a:avLst/>
@@ -4189,520 +5115,57 @@
           <a:lstStyle/>
           <a:p>
             <a:r>
-              <a:rPr lang="nl-BE" dirty="0"/>
-              <a:t>De handleiding</a:t>
-            </a:r>
-          </a:p>
-          <a:p>
-            <a:r>
-              <a:rPr lang="nl-BE" dirty="0"/>
-              <a:t> </a:t>
-            </a:r>
-            <a:r>
-              <a:rPr lang="nl-BE" dirty="0" err="1"/>
-              <a:t>Lorem</a:t>
-            </a:r>
-            <a:r>
-              <a:rPr lang="nl-BE" dirty="0"/>
-              <a:t> </a:t>
-            </a:r>
-            <a:r>
-              <a:rPr lang="nl-BE" dirty="0" err="1"/>
-              <a:t>ipsum</a:t>
-            </a:r>
-            <a:r>
-              <a:rPr lang="nl-BE" dirty="0"/>
-              <a:t> </a:t>
-            </a:r>
-            <a:r>
-              <a:rPr lang="nl-BE" dirty="0" err="1"/>
-              <a:t>dolor</a:t>
-            </a:r>
-            <a:r>
-              <a:rPr lang="nl-BE" dirty="0"/>
-              <a:t> </a:t>
-            </a:r>
-            <a:r>
-              <a:rPr lang="nl-BE" dirty="0" err="1"/>
-              <a:t>sit</a:t>
-            </a:r>
-            <a:r>
-              <a:rPr lang="nl-BE" dirty="0"/>
-              <a:t> </a:t>
-            </a:r>
-            <a:r>
-              <a:rPr lang="nl-BE" dirty="0" err="1"/>
-              <a:t>amet</a:t>
-            </a:r>
-            <a:r>
-              <a:rPr lang="nl-BE" dirty="0"/>
-              <a:t>, </a:t>
-            </a:r>
-            <a:r>
-              <a:rPr lang="nl-BE" dirty="0" err="1"/>
-              <a:t>consectetur</a:t>
-            </a:r>
-            <a:r>
-              <a:rPr lang="nl-BE" dirty="0"/>
-              <a:t> </a:t>
-            </a:r>
-            <a:r>
-              <a:rPr lang="nl-BE" dirty="0" err="1"/>
-              <a:t>adipiscing</a:t>
-            </a:r>
-            <a:r>
-              <a:rPr lang="nl-BE" dirty="0"/>
-              <a:t> </a:t>
-            </a:r>
-            <a:r>
-              <a:rPr lang="nl-BE" dirty="0" err="1"/>
-              <a:t>elit</a:t>
-            </a:r>
-            <a:r>
-              <a:rPr lang="nl-BE" dirty="0"/>
-              <a:t>, </a:t>
-            </a:r>
-            <a:r>
-              <a:rPr lang="nl-BE" dirty="0" err="1"/>
-              <a:t>sed</a:t>
-            </a:r>
-            <a:r>
-              <a:rPr lang="nl-BE" dirty="0"/>
-              <a:t> do </a:t>
-            </a:r>
-            <a:r>
-              <a:rPr lang="nl-BE" dirty="0" err="1"/>
-              <a:t>eiusmod</a:t>
-            </a:r>
-            <a:r>
-              <a:rPr lang="nl-BE" dirty="0"/>
-              <a:t> </a:t>
-            </a:r>
-            <a:r>
-              <a:rPr lang="nl-BE" dirty="0" err="1"/>
-              <a:t>tempor</a:t>
-            </a:r>
-            <a:r>
-              <a:rPr lang="nl-BE" dirty="0"/>
-              <a:t> </a:t>
-            </a:r>
-            <a:r>
-              <a:rPr lang="nl-BE" dirty="0" err="1"/>
-              <a:t>incididunt</a:t>
-            </a:r>
-            <a:r>
-              <a:rPr lang="nl-BE" dirty="0"/>
-              <a:t> ut </a:t>
-            </a:r>
-            <a:r>
-              <a:rPr lang="nl-BE" dirty="0" err="1"/>
-              <a:t>labore</a:t>
-            </a:r>
-            <a:r>
-              <a:rPr lang="nl-BE" dirty="0"/>
-              <a:t> et </a:t>
-            </a:r>
-            <a:r>
-              <a:rPr lang="nl-BE" dirty="0" err="1"/>
-              <a:t>dolore</a:t>
-            </a:r>
-            <a:r>
-              <a:rPr lang="nl-BE" dirty="0"/>
-              <a:t> magna </a:t>
-            </a:r>
-            <a:r>
-              <a:rPr lang="nl-BE" dirty="0" err="1"/>
-              <a:t>aliqua</a:t>
-            </a:r>
-            <a:r>
-              <a:rPr lang="nl-BE" dirty="0"/>
-              <a:t>. Ut </a:t>
-            </a:r>
-            <a:r>
-              <a:rPr lang="nl-BE" dirty="0" err="1"/>
-              <a:t>enim</a:t>
-            </a:r>
-            <a:r>
-              <a:rPr lang="nl-BE" dirty="0"/>
-              <a:t> ad </a:t>
-            </a:r>
-            <a:r>
-              <a:rPr lang="nl-BE" dirty="0" err="1"/>
-              <a:t>minim</a:t>
-            </a:r>
-            <a:r>
-              <a:rPr lang="nl-BE" dirty="0"/>
-              <a:t> </a:t>
-            </a:r>
-            <a:r>
-              <a:rPr lang="nl-BE" dirty="0" err="1"/>
-              <a:t>veniam</a:t>
-            </a:r>
-            <a:r>
-              <a:rPr lang="nl-BE" dirty="0"/>
-              <a:t>, </a:t>
-            </a:r>
-            <a:r>
-              <a:rPr lang="nl-BE" dirty="0" err="1"/>
-              <a:t>quis</a:t>
-            </a:r>
-            <a:r>
-              <a:rPr lang="nl-BE" dirty="0"/>
-              <a:t> </a:t>
-            </a:r>
-            <a:r>
-              <a:rPr lang="nl-BE" dirty="0" err="1"/>
-              <a:t>nostrud</a:t>
-            </a:r>
-            <a:r>
-              <a:rPr lang="nl-BE" dirty="0"/>
-              <a:t> </a:t>
-            </a:r>
-            <a:r>
-              <a:rPr lang="nl-BE" dirty="0" err="1"/>
-              <a:t>exercitation</a:t>
-            </a:r>
-            <a:r>
-              <a:rPr lang="nl-BE" dirty="0"/>
-              <a:t> </a:t>
-            </a:r>
-            <a:r>
-              <a:rPr lang="nl-BE" dirty="0" err="1"/>
-              <a:t>ullamco</a:t>
-            </a:r>
-            <a:r>
-              <a:rPr lang="nl-BE" dirty="0"/>
-              <a:t> </a:t>
-            </a:r>
-            <a:r>
-              <a:rPr lang="nl-BE" dirty="0" err="1"/>
-              <a:t>laboris</a:t>
-            </a:r>
-            <a:r>
-              <a:rPr lang="nl-BE" dirty="0"/>
-              <a:t> </a:t>
-            </a:r>
-            <a:r>
-              <a:rPr lang="nl-BE" dirty="0" err="1"/>
-              <a:t>nisi</a:t>
-            </a:r>
-            <a:r>
-              <a:rPr lang="nl-BE" dirty="0"/>
-              <a:t> ut </a:t>
-            </a:r>
-            <a:r>
-              <a:rPr lang="nl-BE" dirty="0" err="1"/>
-              <a:t>aliquip</a:t>
-            </a:r>
-            <a:r>
-              <a:rPr lang="nl-BE" dirty="0"/>
-              <a:t> ex </a:t>
-            </a:r>
-            <a:r>
-              <a:rPr lang="nl-BE" dirty="0" err="1"/>
-              <a:t>ea</a:t>
-            </a:r>
-            <a:r>
-              <a:rPr lang="nl-BE" dirty="0"/>
-              <a:t> commodo </a:t>
-            </a:r>
-            <a:r>
-              <a:rPr lang="nl-BE" dirty="0" err="1"/>
-              <a:t>consequat</a:t>
-            </a:r>
-            <a:r>
-              <a:rPr lang="nl-BE" dirty="0"/>
-              <a:t>. Duis </a:t>
-            </a:r>
-            <a:r>
-              <a:rPr lang="nl-BE" dirty="0" err="1"/>
-              <a:t>aute</a:t>
-            </a:r>
-            <a:r>
-              <a:rPr lang="nl-BE" dirty="0"/>
-              <a:t> </a:t>
-            </a:r>
-            <a:r>
-              <a:rPr lang="nl-BE" dirty="0" err="1"/>
-              <a:t>irure</a:t>
-            </a:r>
-            <a:r>
-              <a:rPr lang="nl-BE" dirty="0"/>
-              <a:t> </a:t>
-            </a:r>
-            <a:r>
-              <a:rPr lang="nl-BE" dirty="0" err="1"/>
-              <a:t>dolor</a:t>
-            </a:r>
-            <a:r>
-              <a:rPr lang="nl-BE" dirty="0"/>
-              <a:t> in </a:t>
-            </a:r>
-            <a:r>
-              <a:rPr lang="nl-BE" dirty="0" err="1"/>
-              <a:t>reprehenderit</a:t>
-            </a:r>
-            <a:r>
-              <a:rPr lang="nl-BE" dirty="0"/>
-              <a:t> in </a:t>
-            </a:r>
-            <a:r>
-              <a:rPr lang="nl-BE" dirty="0" err="1"/>
-              <a:t>voluptate</a:t>
-            </a:r>
-            <a:r>
-              <a:rPr lang="nl-BE" dirty="0"/>
-              <a:t> </a:t>
-            </a:r>
-            <a:r>
-              <a:rPr lang="nl-BE" dirty="0" err="1"/>
-              <a:t>velit</a:t>
-            </a:r>
-            <a:r>
-              <a:rPr lang="nl-BE" dirty="0"/>
-              <a:t> </a:t>
-            </a:r>
-            <a:r>
-              <a:rPr lang="nl-BE" dirty="0" err="1"/>
-              <a:t>esse</a:t>
-            </a:r>
-            <a:r>
-              <a:rPr lang="nl-BE" dirty="0"/>
-              <a:t> </a:t>
-            </a:r>
-            <a:r>
-              <a:rPr lang="nl-BE" dirty="0" err="1"/>
-              <a:t>cillum</a:t>
-            </a:r>
-            <a:r>
-              <a:rPr lang="nl-BE" dirty="0"/>
-              <a:t> </a:t>
-            </a:r>
-            <a:r>
-              <a:rPr lang="nl-BE" dirty="0" err="1"/>
-              <a:t>dolore</a:t>
-            </a:r>
-            <a:r>
-              <a:rPr lang="nl-BE" dirty="0"/>
-              <a:t> </a:t>
-            </a:r>
-            <a:r>
-              <a:rPr lang="nl-BE" dirty="0" err="1"/>
-              <a:t>eu</a:t>
-            </a:r>
-            <a:r>
-              <a:rPr lang="nl-BE" dirty="0"/>
-              <a:t> </a:t>
-            </a:r>
-            <a:r>
-              <a:rPr lang="nl-BE" dirty="0" err="1"/>
-              <a:t>fugiat</a:t>
-            </a:r>
-            <a:r>
-              <a:rPr lang="nl-BE" dirty="0"/>
-              <a:t> </a:t>
-            </a:r>
-            <a:r>
-              <a:rPr lang="nl-BE" dirty="0" err="1"/>
-              <a:t>nulla</a:t>
-            </a:r>
-            <a:r>
-              <a:rPr lang="nl-BE" dirty="0"/>
-              <a:t> </a:t>
-            </a:r>
-            <a:r>
-              <a:rPr lang="nl-BE" dirty="0" err="1"/>
-              <a:t>pariatur</a:t>
-            </a:r>
-            <a:r>
-              <a:rPr lang="nl-BE" dirty="0"/>
-              <a:t>. </a:t>
-            </a:r>
-            <a:r>
-              <a:rPr lang="nl-BE" dirty="0" err="1"/>
-              <a:t>Excepteur</a:t>
-            </a:r>
-            <a:r>
-              <a:rPr lang="nl-BE" dirty="0"/>
-              <a:t> sint </a:t>
-            </a:r>
-            <a:r>
-              <a:rPr lang="nl-BE" dirty="0" err="1"/>
-              <a:t>occaecat</a:t>
-            </a:r>
-            <a:r>
-              <a:rPr lang="nl-BE" dirty="0"/>
-              <a:t> </a:t>
-            </a:r>
-            <a:r>
-              <a:rPr lang="nl-BE" dirty="0" err="1"/>
-              <a:t>cupidatat</a:t>
-            </a:r>
-            <a:r>
-              <a:rPr lang="nl-BE" dirty="0"/>
-              <a:t> non </a:t>
-            </a:r>
-            <a:r>
-              <a:rPr lang="nl-BE" dirty="0" err="1"/>
-              <a:t>proident</a:t>
-            </a:r>
-            <a:r>
-              <a:rPr lang="nl-BE" dirty="0"/>
-              <a:t>, </a:t>
-            </a:r>
-            <a:r>
-              <a:rPr lang="nl-BE" dirty="0" err="1"/>
-              <a:t>sunt</a:t>
-            </a:r>
-            <a:r>
-              <a:rPr lang="nl-BE" dirty="0"/>
-              <a:t> in culpa </a:t>
-            </a:r>
-            <a:r>
-              <a:rPr lang="nl-BE" dirty="0" err="1"/>
-              <a:t>qui</a:t>
-            </a:r>
-            <a:r>
-              <a:rPr lang="nl-BE" dirty="0"/>
-              <a:t> officia </a:t>
-            </a:r>
-            <a:r>
-              <a:rPr lang="nl-BE" dirty="0" err="1"/>
-              <a:t>deserunt</a:t>
-            </a:r>
-            <a:r>
-              <a:rPr lang="nl-BE" dirty="0"/>
-              <a:t> </a:t>
-            </a:r>
-            <a:r>
-              <a:rPr lang="nl-BE" dirty="0" err="1"/>
-              <a:t>mollit</a:t>
-            </a:r>
-            <a:r>
-              <a:rPr lang="nl-BE" dirty="0"/>
-              <a:t> </a:t>
-            </a:r>
-            <a:r>
-              <a:rPr lang="nl-BE" dirty="0" err="1"/>
-              <a:t>anim</a:t>
-            </a:r>
-            <a:r>
-              <a:rPr lang="nl-BE" dirty="0"/>
-              <a:t> </a:t>
-            </a:r>
-            <a:r>
-              <a:rPr lang="nl-BE" dirty="0" err="1"/>
-              <a:t>id</a:t>
-            </a:r>
-            <a:r>
-              <a:rPr lang="nl-BE" dirty="0"/>
-              <a:t> </a:t>
-            </a:r>
-            <a:r>
-              <a:rPr lang="nl-BE" dirty="0" err="1"/>
-              <a:t>est</a:t>
-            </a:r>
-            <a:r>
-              <a:rPr lang="nl-BE" dirty="0"/>
-              <a:t> </a:t>
-            </a:r>
-            <a:r>
-              <a:rPr lang="nl-BE" dirty="0" err="1"/>
-              <a:t>laborum</a:t>
-            </a:r>
-            <a:r>
-              <a:rPr lang="nl-BE" dirty="0"/>
-              <a:t>.</a:t>
-            </a:r>
-          </a:p>
-        </p:txBody>
-      </p:sp>
-    </p:spTree>
-    <p:extLst>
-      <p:ext uri="{BB962C8B-B14F-4D97-AF65-F5344CB8AC3E}">
-        <p14:creationId xmlns:p14="http://schemas.microsoft.com/office/powerpoint/2010/main" val="3901492630"/>
-      </p:ext>
-    </p:extLst>
-  </p:cSld>
-  <p:clrMapOvr>
-    <a:masterClrMapping/>
-  </p:clrMapOvr>
-</p:sld>
-</file>
-
-<file path=ppt/slides/slide4.xml><?xml version="1.0" encoding="utf-8"?>
-<p:sld xmlns:a="http://schemas.openxmlformats.org/drawingml/2006/main" xmlns:r="http://schemas.openxmlformats.org/officeDocument/2006/relationships" xmlns:p="http://schemas.openxmlformats.org/presentationml/2006/main">
-  <p:cSld>
-    <p:spTree>
-      <p:nvGrpSpPr>
-        <p:cNvPr id="1" name=""/>
-        <p:cNvGrpSpPr/>
-        <p:nvPr/>
-      </p:nvGrpSpPr>
-      <p:grpSpPr>
-        <a:xfrm>
-          <a:off x="0" y="0"/>
-          <a:ext cx="0" cy="0"/>
-          <a:chOff x="0" y="0"/>
-          <a:chExt cx="0" cy="0"/>
-        </a:xfrm>
-      </p:grpSpPr>
-      <p:sp>
-        <p:nvSpPr>
-          <p:cNvPr id="4" name="Tekstvak 3">
-            <a:extLst>
-              <a:ext uri="{FF2B5EF4-FFF2-40B4-BE49-F238E27FC236}">
-                <a16:creationId xmlns:a16="http://schemas.microsoft.com/office/drawing/2014/main" id="{4B608F1C-021B-B660-B40D-DD943DE87BF5}"/>
-              </a:ext>
-            </a:extLst>
-          </p:cNvPr>
-          <p:cNvSpPr txBox="1"/>
+              <a:rPr lang="nl-BE" b="1" dirty="0">
+                <a:solidFill>
+                  <a:schemeClr val="bg1"/>
+                </a:solidFill>
+                <a:latin typeface="ADLaM Display" panose="02010000000000000000" pitchFamily="2" charset="0"/>
+                <a:ea typeface="ADLaM Display" panose="02010000000000000000" pitchFamily="2" charset="0"/>
+                <a:cs typeface="ADLaM Display" panose="02010000000000000000" pitchFamily="2" charset="0"/>
+              </a:rPr>
+              <a:t>Hulp</a:t>
+            </a:r>
+            <a:endParaRPr lang="en-US" b="1" dirty="0">
+              <a:solidFill>
+                <a:schemeClr val="bg1"/>
+              </a:solidFill>
+              <a:latin typeface="ADLaM Display" panose="02010000000000000000" pitchFamily="2" charset="0"/>
+              <a:ea typeface="ADLaM Display" panose="02010000000000000000" pitchFamily="2" charset="0"/>
+              <a:cs typeface="ADLaM Display" panose="02010000000000000000" pitchFamily="2" charset="0"/>
+            </a:endParaRPr>
+          </a:p>
+        </p:txBody>
+      </p:sp>
+      <p:sp>
+        <p:nvSpPr>
+          <p:cNvPr id="10" name="Rechthoek 9">
+            <a:extLst>
+              <a:ext uri="{FF2B5EF4-FFF2-40B4-BE49-F238E27FC236}">
+                <a16:creationId xmlns:a16="http://schemas.microsoft.com/office/drawing/2014/main" id="{A174E059-DE1F-A2B6-F29A-3B31A749D4B9}"/>
+              </a:ext>
+            </a:extLst>
+          </p:cNvPr>
+          <p:cNvSpPr/>
           <p:nvPr/>
         </p:nvSpPr>
         <p:spPr>
           <a:xfrm>
-            <a:off x="4501044" y="104504"/>
-            <a:ext cx="2713372" cy="830997"/>
+            <a:off x="125895" y="527626"/>
+            <a:ext cx="1401563" cy="527627"/>
           </a:xfrm>
           <a:prstGeom prst="rect">
             <a:avLst/>
           </a:prstGeom>
-          <a:noFill/>
-        </p:spPr>
-        <p:txBody>
-          <a:bodyPr wrap="none" rtlCol="0">
-            <a:spAutoFit/>
-          </a:bodyPr>
-          <a:lstStyle/>
-          <a:p>
-            <a:r>
-              <a:rPr lang="nl-BE" sz="4800" dirty="0"/>
-              <a:t>Start spel</a:t>
-            </a:r>
-            <a:endParaRPr lang="nl-BE" dirty="0"/>
-          </a:p>
-        </p:txBody>
-      </p:sp>
-      <p:sp>
-        <p:nvSpPr>
-          <p:cNvPr id="6" name="Rechthoek 5">
-            <a:extLst>
-              <a:ext uri="{FF2B5EF4-FFF2-40B4-BE49-F238E27FC236}">
-                <a16:creationId xmlns:a16="http://schemas.microsoft.com/office/drawing/2014/main" id="{0EEB4674-9743-10E7-09B0-4479B4D9EECE}"/>
-              </a:ext>
-            </a:extLst>
-          </p:cNvPr>
-          <p:cNvSpPr/>
-          <p:nvPr/>
-        </p:nvSpPr>
-        <p:spPr>
-          <a:xfrm>
-            <a:off x="9823269" y="6165669"/>
-            <a:ext cx="1972490" cy="592180"/>
-          </a:xfrm>
-          <a:prstGeom prst="rect">
-            <a:avLst/>
-          </a:prstGeom>
+          <a:solidFill>
+            <a:schemeClr val="bg1"/>
+          </a:solidFill>
+          <a:ln>
+            <a:solidFill>
+              <a:schemeClr val="bg1">
+                <a:lumMod val="85000"/>
+              </a:schemeClr>
+            </a:solidFill>
+          </a:ln>
         </p:spPr>
         <p:style>
           <a:lnRef idx="2">
@@ -4725,19 +5188,23 @@
           <a:lstStyle/>
           <a:p>
             <a:pPr algn="ctr"/>
-            <a:r>
-              <a:rPr lang="nl-BE" dirty="0"/>
-              <a:t>Start spel</a:t>
-            </a:r>
-          </a:p>
-        </p:txBody>
-      </p:sp>
-      <p:sp>
-        <p:nvSpPr>
-          <p:cNvPr id="2" name="Rechthoek 1">
-            <a:extLst>
-              <a:ext uri="{FF2B5EF4-FFF2-40B4-BE49-F238E27FC236}">
-                <a16:creationId xmlns:a16="http://schemas.microsoft.com/office/drawing/2014/main" id="{ED51C3BD-6FC7-DE4B-0B71-D85783C06FC6}"/>
+            <a:endParaRPr lang="nl-BE" b="1" dirty="0">
+              <a:solidFill>
+                <a:schemeClr val="bg1"/>
+              </a:solidFill>
+              <a:latin typeface="ADLaM Display" panose="02010000000000000000" pitchFamily="2" charset="0"/>
+              <a:ea typeface="ADLaM Display" panose="02010000000000000000" pitchFamily="2" charset="0"/>
+              <a:cs typeface="ADLaM Display" panose="02010000000000000000" pitchFamily="2" charset="0"/>
+            </a:endParaRPr>
+          </a:p>
+        </p:txBody>
+      </p:sp>
+      <p:sp>
+        <p:nvSpPr>
+          <p:cNvPr id="16" name="Rechthoek 15">
+            <a:extLst>
+              <a:ext uri="{FF2B5EF4-FFF2-40B4-BE49-F238E27FC236}">
+                <a16:creationId xmlns:a16="http://schemas.microsoft.com/office/drawing/2014/main" id="{2A212BE0-B53D-B8E6-D9B9-8DE0245DA9CA}"/>
               </a:ext>
             </a:extLst>
           </p:cNvPr>
@@ -4746,12 +5213,22 @@
         </p:nvSpPr>
         <p:spPr>
           <a:xfrm>
-            <a:off x="7654835" y="6165669"/>
-            <a:ext cx="1972490" cy="592181"/>
+            <a:off x="125895" y="1055253"/>
+            <a:ext cx="1401563" cy="527627"/>
           </a:xfrm>
           <a:prstGeom prst="rect">
             <a:avLst/>
           </a:prstGeom>
+          <a:solidFill>
+            <a:schemeClr val="bg1"/>
+          </a:solidFill>
+          <a:ln>
+            <a:solidFill>
+              <a:schemeClr val="bg1">
+                <a:lumMod val="85000"/>
+              </a:schemeClr>
+            </a:solidFill>
+          </a:ln>
         </p:spPr>
         <p:style>
           <a:lnRef idx="2">
@@ -4774,19 +5251,111 @@
           <a:lstStyle/>
           <a:p>
             <a:pPr algn="ctr"/>
-            <a:r>
-              <a:rPr lang="nl-BE" dirty="0"/>
-              <a:t>Annuleren</a:t>
-            </a:r>
-          </a:p>
-        </p:txBody>
-      </p:sp>
-      <p:sp>
-        <p:nvSpPr>
-          <p:cNvPr id="3" name="Rechthoek 2">
-            <a:extLst>
-              <a:ext uri="{FF2B5EF4-FFF2-40B4-BE49-F238E27FC236}">
-                <a16:creationId xmlns:a16="http://schemas.microsoft.com/office/drawing/2014/main" id="{DDF85C93-6432-6842-2175-1BB99DDA60F1}"/>
+            <a:endParaRPr lang="nl-BE" b="1" dirty="0">
+              <a:solidFill>
+                <a:schemeClr val="bg1"/>
+              </a:solidFill>
+              <a:latin typeface="ADLaM Display" panose="02010000000000000000" pitchFamily="2" charset="0"/>
+              <a:ea typeface="ADLaM Display" panose="02010000000000000000" pitchFamily="2" charset="0"/>
+              <a:cs typeface="ADLaM Display" panose="02010000000000000000" pitchFamily="2" charset="0"/>
+            </a:endParaRPr>
+          </a:p>
+        </p:txBody>
+      </p:sp>
+      <p:sp>
+        <p:nvSpPr>
+          <p:cNvPr id="17" name="Tekstvak 16">
+            <a:extLst>
+              <a:ext uri="{FF2B5EF4-FFF2-40B4-BE49-F238E27FC236}">
+                <a16:creationId xmlns:a16="http://schemas.microsoft.com/office/drawing/2014/main" id="{EC3A2F92-788C-DAFD-BBF7-0E37209E852E}"/>
+              </a:ext>
+            </a:extLst>
+          </p:cNvPr>
+          <p:cNvSpPr txBox="1"/>
+          <p:nvPr/>
+        </p:nvSpPr>
+        <p:spPr>
+          <a:xfrm>
+            <a:off x="125895" y="1118322"/>
+            <a:ext cx="1608554" cy="369332"/>
+          </a:xfrm>
+          <a:prstGeom prst="rect">
+            <a:avLst/>
+          </a:prstGeom>
+          <a:noFill/>
+        </p:spPr>
+        <p:txBody>
+          <a:bodyPr wrap="square" rtlCol="0">
+            <a:spAutoFit/>
+          </a:bodyPr>
+          <a:lstStyle/>
+          <a:p>
+            <a:r>
+              <a:rPr lang="nl-BE" b="1" dirty="0">
+                <a:latin typeface="ADLaM Display" panose="02010000000000000000" pitchFamily="2" charset="0"/>
+                <a:ea typeface="ADLaM Display" panose="02010000000000000000" pitchFamily="2" charset="0"/>
+                <a:cs typeface="ADLaM Display" panose="02010000000000000000" pitchFamily="2" charset="0"/>
+              </a:rPr>
+              <a:t>Instellingen</a:t>
+            </a:r>
+            <a:endParaRPr lang="en-US" b="1" dirty="0">
+              <a:latin typeface="ADLaM Display" panose="02010000000000000000" pitchFamily="2" charset="0"/>
+              <a:ea typeface="ADLaM Display" panose="02010000000000000000" pitchFamily="2" charset="0"/>
+              <a:cs typeface="ADLaM Display" panose="02010000000000000000" pitchFamily="2" charset="0"/>
+            </a:endParaRPr>
+          </a:p>
+        </p:txBody>
+      </p:sp>
+      <p:sp>
+        <p:nvSpPr>
+          <p:cNvPr id="18" name="Tekstvak 17">
+            <a:extLst>
+              <a:ext uri="{FF2B5EF4-FFF2-40B4-BE49-F238E27FC236}">
+                <a16:creationId xmlns:a16="http://schemas.microsoft.com/office/drawing/2014/main" id="{64A091C9-FEF2-6EEF-EAD3-82DBF4198807}"/>
+              </a:ext>
+            </a:extLst>
+          </p:cNvPr>
+          <p:cNvSpPr txBox="1"/>
+          <p:nvPr/>
+        </p:nvSpPr>
+        <p:spPr>
+          <a:xfrm>
+            <a:off x="125895" y="608222"/>
+            <a:ext cx="1608554" cy="369332"/>
+          </a:xfrm>
+          <a:prstGeom prst="rect">
+            <a:avLst/>
+          </a:prstGeom>
+          <a:noFill/>
+        </p:spPr>
+        <p:txBody>
+          <a:bodyPr wrap="square" rtlCol="0">
+            <a:spAutoFit/>
+          </a:bodyPr>
+          <a:lstStyle/>
+          <a:p>
+            <a:r>
+              <a:rPr lang="nl-BE" b="1" dirty="0">
+                <a:latin typeface="ADLaM Display" panose="02010000000000000000" pitchFamily="2" charset="0"/>
+                <a:ea typeface="ADLaM Display" panose="02010000000000000000" pitchFamily="2" charset="0"/>
+                <a:cs typeface="ADLaM Display" panose="02010000000000000000" pitchFamily="2" charset="0"/>
+              </a:rPr>
+              <a:t>Afsluiten</a:t>
+            </a:r>
+            <a:endParaRPr lang="en-US" b="1" dirty="0">
+              <a:latin typeface="ADLaM Display" panose="02010000000000000000" pitchFamily="2" charset="0"/>
+              <a:ea typeface="ADLaM Display" panose="02010000000000000000" pitchFamily="2" charset="0"/>
+              <a:cs typeface="ADLaM Display" panose="02010000000000000000" pitchFamily="2" charset="0"/>
+            </a:endParaRPr>
+          </a:p>
+        </p:txBody>
+      </p:sp>
+      <p:sp>
+        <p:nvSpPr>
+          <p:cNvPr id="2" name="Rechthoek 1">
+            <a:extLst>
+              <a:ext uri="{FF2B5EF4-FFF2-40B4-BE49-F238E27FC236}">
+                <a16:creationId xmlns:a16="http://schemas.microsoft.com/office/drawing/2014/main" id="{825C4D2B-EDF4-8958-B9B2-56F12E873969}"/>
               </a:ext>
             </a:extLst>
           </p:cNvPr>
@@ -4795,15 +5364,20 @@
         </p:nvSpPr>
         <p:spPr>
           <a:xfrm>
-            <a:off x="3866606" y="1228577"/>
-            <a:ext cx="1972490" cy="592181"/>
+            <a:off x="10150880" y="6360982"/>
+            <a:ext cx="2041119" cy="527627"/>
           </a:xfrm>
           <a:prstGeom prst="rect">
             <a:avLst/>
           </a:prstGeom>
           <a:solidFill>
-            <a:schemeClr val="bg1"/>
+            <a:schemeClr val="accent2"/>
           </a:solidFill>
+          <a:ln>
+            <a:solidFill>
+              <a:schemeClr val="accent2"/>
+            </a:solidFill>
+          </a:ln>
         </p:spPr>
         <p:style>
           <a:lnRef idx="2">
@@ -4826,16 +5400,98 @@
           <a:lstStyle/>
           <a:p>
             <a:pPr algn="ctr"/>
-            <a:endParaRPr lang="nl-BE" dirty="0"/>
-          </a:p>
-        </p:txBody>
-      </p:sp>
-      <p:sp>
-        <p:nvSpPr>
-          <p:cNvPr id="7" name="Tekstvak 6">
-            <a:extLst>
-              <a:ext uri="{FF2B5EF4-FFF2-40B4-BE49-F238E27FC236}">
-                <a16:creationId xmlns:a16="http://schemas.microsoft.com/office/drawing/2014/main" id="{F69B3FA2-901F-B60B-A669-32A0CA4AF996}"/>
+            <a:r>
+              <a:rPr lang="nl-BE" b="1" dirty="0">
+                <a:solidFill>
+                  <a:schemeClr val="bg1"/>
+                </a:solidFill>
+                <a:latin typeface="ADLaM Display" panose="02010000000000000000" pitchFamily="2" charset="0"/>
+                <a:ea typeface="ADLaM Display" panose="02010000000000000000" pitchFamily="2" charset="0"/>
+                <a:cs typeface="ADLaM Display" panose="02010000000000000000" pitchFamily="2" charset="0"/>
+              </a:rPr>
+              <a:t>Home</a:t>
+            </a:r>
+          </a:p>
+        </p:txBody>
+      </p:sp>
+    </p:spTree>
+    <p:extLst>
+      <p:ext uri="{BB962C8B-B14F-4D97-AF65-F5344CB8AC3E}">
+        <p14:creationId xmlns:p14="http://schemas.microsoft.com/office/powerpoint/2010/main" val="1901085573"/>
+      </p:ext>
+    </p:extLst>
+  </p:cSld>
+  <p:clrMapOvr>
+    <a:masterClrMapping/>
+  </p:clrMapOvr>
+</p:sld>
+</file>
+
+<file path=ppt/slides/slide3.xml><?xml version="1.0" encoding="utf-8"?>
+<p:sld xmlns:a="http://schemas.openxmlformats.org/drawingml/2006/main" xmlns:r="http://schemas.openxmlformats.org/officeDocument/2006/relationships" xmlns:p="http://schemas.openxmlformats.org/presentationml/2006/main">
+  <p:cSld>
+    <p:spTree>
+      <p:nvGrpSpPr>
+        <p:cNvPr id="1" name="">
+          <a:extLst>
+            <a:ext uri="{FF2B5EF4-FFF2-40B4-BE49-F238E27FC236}">
+              <a16:creationId xmlns:a16="http://schemas.microsoft.com/office/drawing/2014/main" id="{C1A67680-A1DB-87CD-04DD-1C835D4CA356}"/>
+            </a:ext>
+          </a:extLst>
+        </p:cNvPr>
+        <p:cNvGrpSpPr/>
+        <p:nvPr/>
+      </p:nvGrpSpPr>
+      <p:grpSpPr>
+        <a:xfrm>
+          <a:off x="0" y="0"/>
+          <a:ext cx="0" cy="0"/>
+          <a:chOff x="0" y="0"/>
+          <a:chExt cx="0" cy="0"/>
+        </a:xfrm>
+      </p:grpSpPr>
+      <p:pic>
+        <p:nvPicPr>
+          <p:cNvPr id="11" name="Afbeelding 10" descr="Afbeelding met sinaasappel, Amber, geel, Kleurrijkheid&#10;&#10;Automatisch gegenereerde beschrijving">
+            <a:extLst>
+              <a:ext uri="{FF2B5EF4-FFF2-40B4-BE49-F238E27FC236}">
+                <a16:creationId xmlns:a16="http://schemas.microsoft.com/office/drawing/2014/main" id="{44031847-6E12-F519-B154-90DB45284DD3}"/>
+              </a:ext>
+            </a:extLst>
+          </p:cNvPr>
+          <p:cNvPicPr>
+            <a:picLocks noChangeAspect="1"/>
+          </p:cNvPicPr>
+          <p:nvPr/>
+        </p:nvPicPr>
+        <p:blipFill>
+          <a:blip r:embed="rId2">
+            <a:extLst>
+              <a:ext uri="{28A0092B-C50C-407E-A947-70E740481C1C}">
+                <a14:useLocalDpi xmlns:a14="http://schemas.microsoft.com/office/drawing/2010/main" val="0"/>
+              </a:ext>
+            </a:extLst>
+          </a:blip>
+          <a:stretch>
+            <a:fillRect/>
+          </a:stretch>
+        </p:blipFill>
+        <p:spPr>
+          <a:xfrm>
+            <a:off x="0" y="0"/>
+            <a:ext cx="12192000" cy="8128000"/>
+          </a:xfrm>
+          <a:prstGeom prst="rect">
+            <a:avLst/>
+          </a:prstGeom>
+        </p:spPr>
+      </p:pic>
+      <p:sp>
+        <p:nvSpPr>
+          <p:cNvPr id="15" name="Tekstvak 14">
+            <a:extLst>
+              <a:ext uri="{FF2B5EF4-FFF2-40B4-BE49-F238E27FC236}">
+                <a16:creationId xmlns:a16="http://schemas.microsoft.com/office/drawing/2014/main" id="{B2738F0B-4024-72DA-7DAC-E8F67617022D}"/>
               </a:ext>
             </a:extLst>
           </p:cNvPr>
@@ -4844,8 +5500,8 @@
         </p:nvSpPr>
         <p:spPr>
           <a:xfrm>
-            <a:off x="142404" y="1109168"/>
-            <a:ext cx="2520242" cy="830997"/>
+            <a:off x="4762427" y="1840093"/>
+            <a:ext cx="2667144" cy="369332"/>
           </a:xfrm>
           <a:prstGeom prst="rect">
             <a:avLst/>
@@ -4853,16 +5509,24 @@
           <a:noFill/>
         </p:spPr>
         <p:txBody>
-          <a:bodyPr wrap="none" rtlCol="0">
+          <a:bodyPr wrap="square" rtlCol="0">
             <a:spAutoFit/>
           </a:bodyPr>
           <a:lstStyle/>
           <a:p>
             <a:r>
-              <a:rPr lang="nl-BE" sz="4800" dirty="0"/>
-              <a:t>Speler 1:</a:t>
-            </a:r>
-            <a:endParaRPr lang="nl-BE" dirty="0"/>
+              <a:rPr lang="nl-BE" b="1" dirty="0">
+                <a:latin typeface="ADLaM Display" panose="02010000000000000000" pitchFamily="2" charset="0"/>
+                <a:ea typeface="ADLaM Display" panose="02010000000000000000" pitchFamily="2" charset="0"/>
+                <a:cs typeface="ADLaM Display" panose="02010000000000000000" pitchFamily="2" charset="0"/>
+              </a:rPr>
+              <a:t>Memory Handleiding</a:t>
+            </a:r>
+            <a:endParaRPr lang="en-US" b="1" dirty="0">
+              <a:latin typeface="ADLaM Display" panose="02010000000000000000" pitchFamily="2" charset="0"/>
+              <a:ea typeface="ADLaM Display" panose="02010000000000000000" pitchFamily="2" charset="0"/>
+              <a:cs typeface="ADLaM Display" panose="02010000000000000000" pitchFamily="2" charset="0"/>
+            </a:endParaRPr>
           </a:p>
         </p:txBody>
       </p:sp>
@@ -4871,7 +5535,7 @@
           <p:cNvPr id="8" name="Rechthoek 7">
             <a:extLst>
               <a:ext uri="{FF2B5EF4-FFF2-40B4-BE49-F238E27FC236}">
-                <a16:creationId xmlns:a16="http://schemas.microsoft.com/office/drawing/2014/main" id="{8EA9DD47-82E1-04E7-E279-9A34918AAE55}"/>
+                <a16:creationId xmlns:a16="http://schemas.microsoft.com/office/drawing/2014/main" id="{5E4EAD87-B95A-55DC-5395-2A6F1B84C107}"/>
               </a:ext>
             </a:extLst>
           </p:cNvPr>
@@ -4880,15 +5544,26 @@
         </p:nvSpPr>
         <p:spPr>
           <a:xfrm>
-            <a:off x="10077108" y="1228577"/>
-            <a:ext cx="1972490" cy="592181"/>
+            <a:off x="-1" y="0"/>
+            <a:ext cx="12192000" cy="527627"/>
           </a:xfrm>
           <a:prstGeom prst="rect">
             <a:avLst/>
           </a:prstGeom>
           <a:solidFill>
-            <a:schemeClr val="bg1"/>
+            <a:schemeClr val="tx1">
+              <a:lumMod val="65000"/>
+              <a:lumOff val="35000"/>
+            </a:schemeClr>
           </a:solidFill>
+          <a:ln>
+            <a:solidFill>
+              <a:schemeClr val="tx1">
+                <a:lumMod val="95000"/>
+                <a:lumOff val="5000"/>
+              </a:schemeClr>
+            </a:solidFill>
+          </a:ln>
         </p:spPr>
         <p:style>
           <a:lnRef idx="2">
@@ -4911,7 +5586,14 @@
           <a:lstStyle/>
           <a:p>
             <a:pPr algn="ctr"/>
-            <a:endParaRPr lang="nl-BE" dirty="0"/>
+            <a:endParaRPr lang="nl-BE" b="1" dirty="0">
+              <a:solidFill>
+                <a:schemeClr val="bg1"/>
+              </a:solidFill>
+              <a:latin typeface="ADLaM Display" panose="02010000000000000000" pitchFamily="2" charset="0"/>
+              <a:ea typeface="ADLaM Display" panose="02010000000000000000" pitchFamily="2" charset="0"/>
+              <a:cs typeface="ADLaM Display" panose="02010000000000000000" pitchFamily="2" charset="0"/>
+            </a:endParaRPr>
           </a:p>
         </p:txBody>
       </p:sp>
@@ -4920,7 +5602,7 @@
           <p:cNvPr id="9" name="Tekstvak 8">
             <a:extLst>
               <a:ext uri="{FF2B5EF4-FFF2-40B4-BE49-F238E27FC236}">
-                <a16:creationId xmlns:a16="http://schemas.microsoft.com/office/drawing/2014/main" id="{7A6C2FE6-DE29-2F52-9B86-394B6736CD88}"/>
+                <a16:creationId xmlns:a16="http://schemas.microsoft.com/office/drawing/2014/main" id="{9AB83536-30EC-65CB-A6E9-1D486FF55382}"/>
               </a:ext>
             </a:extLst>
           </p:cNvPr>
@@ -4929,8 +5611,8 @@
         </p:nvSpPr>
         <p:spPr>
           <a:xfrm>
-            <a:off x="6352906" y="1109168"/>
-            <a:ext cx="2520242" cy="830997"/>
+            <a:off x="125895" y="79147"/>
+            <a:ext cx="834887" cy="369332"/>
           </a:xfrm>
           <a:prstGeom prst="rect">
             <a:avLst/>
@@ -4938,16 +5620,30 @@
           <a:noFill/>
         </p:spPr>
         <p:txBody>
-          <a:bodyPr wrap="none" rtlCol="0">
+          <a:bodyPr wrap="square" rtlCol="0">
             <a:spAutoFit/>
           </a:bodyPr>
           <a:lstStyle/>
           <a:p>
             <a:r>
-              <a:rPr lang="nl-BE" sz="4800" dirty="0"/>
-              <a:t>Speler 2:</a:t>
-            </a:r>
-            <a:endParaRPr lang="nl-BE" dirty="0"/>
+              <a:rPr lang="nl-BE" b="1" dirty="0">
+                <a:solidFill>
+                  <a:schemeClr val="bg1"/>
+                </a:solidFill>
+                <a:latin typeface="ADLaM Display" panose="02010000000000000000" pitchFamily="2" charset="0"/>
+                <a:ea typeface="ADLaM Display" panose="02010000000000000000" pitchFamily="2" charset="0"/>
+                <a:cs typeface="ADLaM Display" panose="02010000000000000000" pitchFamily="2" charset="0"/>
+              </a:rPr>
+              <a:t>Hulp</a:t>
+            </a:r>
+            <a:endParaRPr lang="en-US" b="1" dirty="0">
+              <a:solidFill>
+                <a:schemeClr val="bg1"/>
+              </a:solidFill>
+              <a:latin typeface="ADLaM Display" panose="02010000000000000000" pitchFamily="2" charset="0"/>
+              <a:ea typeface="ADLaM Display" panose="02010000000000000000" pitchFamily="2" charset="0"/>
+              <a:cs typeface="ADLaM Display" panose="02010000000000000000" pitchFamily="2" charset="0"/>
+            </a:endParaRPr>
           </a:p>
         </p:txBody>
       </p:sp>
@@ -4956,7 +5652,7 @@
           <p:cNvPr id="10" name="Rechthoek 9">
             <a:extLst>
               <a:ext uri="{FF2B5EF4-FFF2-40B4-BE49-F238E27FC236}">
-                <a16:creationId xmlns:a16="http://schemas.microsoft.com/office/drawing/2014/main" id="{78A443DF-AE62-79DF-8408-E7F81B604CA4}"/>
+                <a16:creationId xmlns:a16="http://schemas.microsoft.com/office/drawing/2014/main" id="{100AA06A-651D-4DBD-F3A1-A81F36ED54D2}"/>
               </a:ext>
             </a:extLst>
           </p:cNvPr>
@@ -4965,8 +5661,8 @@
         </p:nvSpPr>
         <p:spPr>
           <a:xfrm>
-            <a:off x="4099256" y="2230894"/>
-            <a:ext cx="1972490" cy="592181"/>
+            <a:off x="125895" y="527626"/>
+            <a:ext cx="1401563" cy="527627"/>
           </a:xfrm>
           <a:prstGeom prst="rect">
             <a:avLst/>
@@ -4974,6 +5670,13 @@
           <a:solidFill>
             <a:schemeClr val="bg1"/>
           </a:solidFill>
+          <a:ln>
+            <a:solidFill>
+              <a:schemeClr val="bg1">
+                <a:lumMod val="85000"/>
+              </a:schemeClr>
+            </a:solidFill>
+          </a:ln>
         </p:spPr>
         <p:style>
           <a:lnRef idx="2">
@@ -4996,66 +5699,47 @@
           <a:lstStyle/>
           <a:p>
             <a:pPr algn="ctr"/>
-            <a:endParaRPr lang="nl-BE" dirty="0"/>
-          </a:p>
-        </p:txBody>
-      </p:sp>
-      <p:sp>
-        <p:nvSpPr>
-          <p:cNvPr id="11" name="Tekstvak 10">
-            <a:extLst>
-              <a:ext uri="{FF2B5EF4-FFF2-40B4-BE49-F238E27FC236}">
-                <a16:creationId xmlns:a16="http://schemas.microsoft.com/office/drawing/2014/main" id="{ABCCEFC2-9304-A15F-EF20-C44D54C3B599}"/>
-              </a:ext>
-            </a:extLst>
-          </p:cNvPr>
-          <p:cNvSpPr txBox="1"/>
+            <a:endParaRPr lang="nl-BE" b="1" dirty="0">
+              <a:solidFill>
+                <a:schemeClr val="bg1"/>
+              </a:solidFill>
+              <a:latin typeface="ADLaM Display" panose="02010000000000000000" pitchFamily="2" charset="0"/>
+              <a:ea typeface="ADLaM Display" panose="02010000000000000000" pitchFamily="2" charset="0"/>
+              <a:cs typeface="ADLaM Display" panose="02010000000000000000" pitchFamily="2" charset="0"/>
+            </a:endParaRPr>
+          </a:p>
+        </p:txBody>
+      </p:sp>
+      <p:sp>
+        <p:nvSpPr>
+          <p:cNvPr id="16" name="Rechthoek 15">
+            <a:extLst>
+              <a:ext uri="{FF2B5EF4-FFF2-40B4-BE49-F238E27FC236}">
+                <a16:creationId xmlns:a16="http://schemas.microsoft.com/office/drawing/2014/main" id="{CC7DE3FE-1738-AAF5-D5D2-CC25697E215B}"/>
+              </a:ext>
+            </a:extLst>
+          </p:cNvPr>
+          <p:cNvSpPr/>
           <p:nvPr/>
         </p:nvSpPr>
         <p:spPr>
           <a:xfrm>
-            <a:off x="142404" y="2085359"/>
-            <a:ext cx="3956852" cy="830997"/>
+            <a:off x="125895" y="1055253"/>
+            <a:ext cx="1401563" cy="527627"/>
           </a:xfrm>
           <a:prstGeom prst="rect">
             <a:avLst/>
           </a:prstGeom>
-          <a:noFill/>
-        </p:spPr>
-        <p:txBody>
-          <a:bodyPr wrap="none" rtlCol="0">
-            <a:spAutoFit/>
-          </a:bodyPr>
-          <a:lstStyle/>
-          <a:p>
-            <a:r>
-              <a:rPr lang="nl-BE" sz="4800" dirty="0"/>
-              <a:t>Gekozen pion:</a:t>
-            </a:r>
-            <a:endParaRPr lang="nl-BE" dirty="0"/>
-          </a:p>
-        </p:txBody>
-      </p:sp>
-      <p:sp>
-        <p:nvSpPr>
-          <p:cNvPr id="12" name="Gelijkbenige driehoek 11">
-            <a:extLst>
-              <a:ext uri="{FF2B5EF4-FFF2-40B4-BE49-F238E27FC236}">
-                <a16:creationId xmlns:a16="http://schemas.microsoft.com/office/drawing/2014/main" id="{4FBC3023-23AF-7369-7A9C-8F6986B75C6F}"/>
-              </a:ext>
-            </a:extLst>
-          </p:cNvPr>
-          <p:cNvSpPr/>
-          <p:nvPr/>
-        </p:nvSpPr>
-        <p:spPr>
-          <a:xfrm flipV="1">
-            <a:off x="5560422" y="2383292"/>
-            <a:ext cx="400594" cy="287383"/>
-          </a:xfrm>
-          <a:prstGeom prst="triangle">
-            <a:avLst/>
-          </a:prstGeom>
+          <a:solidFill>
+            <a:schemeClr val="bg1"/>
+          </a:solidFill>
+          <a:ln>
+            <a:solidFill>
+              <a:schemeClr val="bg1">
+                <a:lumMod val="85000"/>
+              </a:schemeClr>
+            </a:solidFill>
+          </a:ln>
         </p:spPr>
         <p:style>
           <a:lnRef idx="2">
@@ -5078,16 +5762,111 @@
           <a:lstStyle/>
           <a:p>
             <a:pPr algn="ctr"/>
-            <a:endParaRPr lang="nl-BE"/>
-          </a:p>
-        </p:txBody>
-      </p:sp>
-      <p:sp>
-        <p:nvSpPr>
-          <p:cNvPr id="13" name="Rechthoek 12">
-            <a:extLst>
-              <a:ext uri="{FF2B5EF4-FFF2-40B4-BE49-F238E27FC236}">
-                <a16:creationId xmlns:a16="http://schemas.microsoft.com/office/drawing/2014/main" id="{86C96050-4D2D-371A-D83A-8EA82F2D1C5B}"/>
+            <a:endParaRPr lang="nl-BE" b="1" dirty="0">
+              <a:solidFill>
+                <a:schemeClr val="bg1"/>
+              </a:solidFill>
+              <a:latin typeface="ADLaM Display" panose="02010000000000000000" pitchFamily="2" charset="0"/>
+              <a:ea typeface="ADLaM Display" panose="02010000000000000000" pitchFamily="2" charset="0"/>
+              <a:cs typeface="ADLaM Display" panose="02010000000000000000" pitchFamily="2" charset="0"/>
+            </a:endParaRPr>
+          </a:p>
+        </p:txBody>
+      </p:sp>
+      <p:sp>
+        <p:nvSpPr>
+          <p:cNvPr id="17" name="Tekstvak 16">
+            <a:extLst>
+              <a:ext uri="{FF2B5EF4-FFF2-40B4-BE49-F238E27FC236}">
+                <a16:creationId xmlns:a16="http://schemas.microsoft.com/office/drawing/2014/main" id="{1F0C3473-BBF8-9359-A9E1-BDCE0D5422CD}"/>
+              </a:ext>
+            </a:extLst>
+          </p:cNvPr>
+          <p:cNvSpPr txBox="1"/>
+          <p:nvPr/>
+        </p:nvSpPr>
+        <p:spPr>
+          <a:xfrm>
+            <a:off x="125895" y="1118322"/>
+            <a:ext cx="1608554" cy="369332"/>
+          </a:xfrm>
+          <a:prstGeom prst="rect">
+            <a:avLst/>
+          </a:prstGeom>
+          <a:noFill/>
+        </p:spPr>
+        <p:txBody>
+          <a:bodyPr wrap="square" rtlCol="0">
+            <a:spAutoFit/>
+          </a:bodyPr>
+          <a:lstStyle/>
+          <a:p>
+            <a:r>
+              <a:rPr lang="nl-BE" b="1" dirty="0">
+                <a:latin typeface="ADLaM Display" panose="02010000000000000000" pitchFamily="2" charset="0"/>
+                <a:ea typeface="ADLaM Display" panose="02010000000000000000" pitchFamily="2" charset="0"/>
+                <a:cs typeface="ADLaM Display" panose="02010000000000000000" pitchFamily="2" charset="0"/>
+              </a:rPr>
+              <a:t>Instellingen</a:t>
+            </a:r>
+            <a:endParaRPr lang="en-US" b="1" dirty="0">
+              <a:latin typeface="ADLaM Display" panose="02010000000000000000" pitchFamily="2" charset="0"/>
+              <a:ea typeface="ADLaM Display" panose="02010000000000000000" pitchFamily="2" charset="0"/>
+              <a:cs typeface="ADLaM Display" panose="02010000000000000000" pitchFamily="2" charset="0"/>
+            </a:endParaRPr>
+          </a:p>
+        </p:txBody>
+      </p:sp>
+      <p:sp>
+        <p:nvSpPr>
+          <p:cNvPr id="18" name="Tekstvak 17">
+            <a:extLst>
+              <a:ext uri="{FF2B5EF4-FFF2-40B4-BE49-F238E27FC236}">
+                <a16:creationId xmlns:a16="http://schemas.microsoft.com/office/drawing/2014/main" id="{32A5E8F2-137C-D901-E485-DA632487A481}"/>
+              </a:ext>
+            </a:extLst>
+          </p:cNvPr>
+          <p:cNvSpPr txBox="1"/>
+          <p:nvPr/>
+        </p:nvSpPr>
+        <p:spPr>
+          <a:xfrm>
+            <a:off x="125895" y="608222"/>
+            <a:ext cx="1608554" cy="369332"/>
+          </a:xfrm>
+          <a:prstGeom prst="rect">
+            <a:avLst/>
+          </a:prstGeom>
+          <a:noFill/>
+        </p:spPr>
+        <p:txBody>
+          <a:bodyPr wrap="square" rtlCol="0">
+            <a:spAutoFit/>
+          </a:bodyPr>
+          <a:lstStyle/>
+          <a:p>
+            <a:r>
+              <a:rPr lang="nl-BE" b="1" dirty="0">
+                <a:latin typeface="ADLaM Display" panose="02010000000000000000" pitchFamily="2" charset="0"/>
+                <a:ea typeface="ADLaM Display" panose="02010000000000000000" pitchFamily="2" charset="0"/>
+                <a:cs typeface="ADLaM Display" panose="02010000000000000000" pitchFamily="2" charset="0"/>
+              </a:rPr>
+              <a:t>Afsluiten</a:t>
+            </a:r>
+            <a:endParaRPr lang="en-US" b="1" dirty="0">
+              <a:latin typeface="ADLaM Display" panose="02010000000000000000" pitchFamily="2" charset="0"/>
+              <a:ea typeface="ADLaM Display" panose="02010000000000000000" pitchFamily="2" charset="0"/>
+              <a:cs typeface="ADLaM Display" panose="02010000000000000000" pitchFamily="2" charset="0"/>
+            </a:endParaRPr>
+          </a:p>
+        </p:txBody>
+      </p:sp>
+      <p:sp>
+        <p:nvSpPr>
+          <p:cNvPr id="2" name="Rechthoek 1">
+            <a:extLst>
+              <a:ext uri="{FF2B5EF4-FFF2-40B4-BE49-F238E27FC236}">
+                <a16:creationId xmlns:a16="http://schemas.microsoft.com/office/drawing/2014/main" id="{7FC41FD5-C402-734E-2394-3392673EFE5F}"/>
               </a:ext>
             </a:extLst>
           </p:cNvPr>
@@ -5096,15 +5875,20 @@
         </p:nvSpPr>
         <p:spPr>
           <a:xfrm>
-            <a:off x="10077108" y="2229881"/>
-            <a:ext cx="1972490" cy="592181"/>
+            <a:off x="10150880" y="6360982"/>
+            <a:ext cx="2041119" cy="527627"/>
           </a:xfrm>
           <a:prstGeom prst="rect">
             <a:avLst/>
           </a:prstGeom>
           <a:solidFill>
-            <a:schemeClr val="bg1"/>
+            <a:schemeClr val="accent2"/>
           </a:solidFill>
+          <a:ln>
+            <a:solidFill>
+              <a:schemeClr val="accent2"/>
+            </a:solidFill>
+          </a:ln>
         </p:spPr>
         <p:style>
           <a:lnRef idx="2">
@@ -5127,16 +5911,26 @@
           <a:lstStyle/>
           <a:p>
             <a:pPr algn="ctr"/>
-            <a:endParaRPr lang="nl-BE" dirty="0"/>
-          </a:p>
-        </p:txBody>
-      </p:sp>
-      <p:sp>
-        <p:nvSpPr>
-          <p:cNvPr id="14" name="Gelijkbenige driehoek 13">
-            <a:extLst>
-              <a:ext uri="{FF2B5EF4-FFF2-40B4-BE49-F238E27FC236}">
-                <a16:creationId xmlns:a16="http://schemas.microsoft.com/office/drawing/2014/main" id="{5BEDAFB6-7F0E-A068-7236-AD925FF2EDDA}"/>
+            <a:r>
+              <a:rPr lang="nl-BE" b="1" dirty="0">
+                <a:solidFill>
+                  <a:schemeClr val="bg1"/>
+                </a:solidFill>
+                <a:latin typeface="ADLaM Display" panose="02010000000000000000" pitchFamily="2" charset="0"/>
+                <a:ea typeface="ADLaM Display" panose="02010000000000000000" pitchFamily="2" charset="0"/>
+                <a:cs typeface="ADLaM Display" panose="02010000000000000000" pitchFamily="2" charset="0"/>
+              </a:rPr>
+              <a:t>Home</a:t>
+            </a:r>
+          </a:p>
+        </p:txBody>
+      </p:sp>
+      <p:sp>
+        <p:nvSpPr>
+          <p:cNvPr id="3" name="Rechthoek: afgeronde hoeken 2">
+            <a:extLst>
+              <a:ext uri="{FF2B5EF4-FFF2-40B4-BE49-F238E27FC236}">
+                <a16:creationId xmlns:a16="http://schemas.microsoft.com/office/drawing/2014/main" id="{2ADD3C0C-9A43-E5CD-9303-17BC1271E9BC}"/>
               </a:ext>
             </a:extLst>
           </p:cNvPr>
@@ -5144,13 +5938,21 @@
           <p:nvPr/>
         </p:nvSpPr>
         <p:spPr>
-          <a:xfrm flipV="1">
-            <a:off x="11538274" y="2382279"/>
-            <a:ext cx="400594" cy="287383"/>
-          </a:xfrm>
-          <a:prstGeom prst="triangle">
+          <a:xfrm>
+            <a:off x="3362738" y="2735469"/>
+            <a:ext cx="5466522" cy="2657061"/>
+          </a:xfrm>
+          <a:prstGeom prst="roundRect">
             <a:avLst/>
           </a:prstGeom>
+          <a:solidFill>
+            <a:schemeClr val="accent2"/>
+          </a:solidFill>
+          <a:ln>
+            <a:solidFill>
+              <a:schemeClr val="tx1"/>
+            </a:solidFill>
+          </a:ln>
         </p:spPr>
         <p:style>
           <a:lnRef idx="2">
@@ -5173,16 +5975,16 @@
           <a:lstStyle/>
           <a:p>
             <a:pPr algn="ctr"/>
-            <a:endParaRPr lang="nl-BE"/>
-          </a:p>
-        </p:txBody>
-      </p:sp>
-      <p:sp>
-        <p:nvSpPr>
-          <p:cNvPr id="15" name="Tekstvak 14">
-            <a:extLst>
-              <a:ext uri="{FF2B5EF4-FFF2-40B4-BE49-F238E27FC236}">
-                <a16:creationId xmlns:a16="http://schemas.microsoft.com/office/drawing/2014/main" id="{69049F2B-9538-503E-1D87-FB0A2F3CAB8F}"/>
+            <a:endParaRPr lang="en-US"/>
+          </a:p>
+        </p:txBody>
+      </p:sp>
+      <p:sp>
+        <p:nvSpPr>
+          <p:cNvPr id="4" name="Tekstvak 3">
+            <a:extLst>
+              <a:ext uri="{FF2B5EF4-FFF2-40B4-BE49-F238E27FC236}">
+                <a16:creationId xmlns:a16="http://schemas.microsoft.com/office/drawing/2014/main" id="{95F4971C-25E9-7516-A9BD-ABD72CF40439}"/>
               </a:ext>
             </a:extLst>
           </p:cNvPr>
@@ -5191,8 +5993,8 @@
         </p:nvSpPr>
         <p:spPr>
           <a:xfrm>
-            <a:off x="6126192" y="2110471"/>
-            <a:ext cx="3956852" cy="830997"/>
+            <a:off x="4654825" y="2782956"/>
+            <a:ext cx="2686879" cy="307777"/>
           </a:xfrm>
           <a:prstGeom prst="rect">
             <a:avLst/>
@@ -5200,61 +6002,1089 @@
           <a:noFill/>
         </p:spPr>
         <p:txBody>
-          <a:bodyPr wrap="none" rtlCol="0">
+          <a:bodyPr wrap="square" rtlCol="0">
             <a:spAutoFit/>
           </a:bodyPr>
           <a:lstStyle/>
           <a:p>
             <a:r>
-              <a:rPr lang="nl-BE" sz="4800" dirty="0"/>
-              <a:t>Gekozen pion:</a:t>
-            </a:r>
-            <a:endParaRPr lang="nl-BE" dirty="0"/>
-          </a:p>
-        </p:txBody>
-      </p:sp>
-      <p:cxnSp>
-        <p:nvCxnSpPr>
-          <p:cNvPr id="17" name="Rechte verbindingslijn 16">
-            <a:extLst>
-              <a:ext uri="{FF2B5EF4-FFF2-40B4-BE49-F238E27FC236}">
-                <a16:creationId xmlns:a16="http://schemas.microsoft.com/office/drawing/2014/main" id="{DCF6964C-14F1-4EC5-4E3E-9FEE84847C09}"/>
-              </a:ext>
-            </a:extLst>
-          </p:cNvPr>
-          <p:cNvCxnSpPr>
-            <a:cxnSpLocks/>
-          </p:cNvCxnSpPr>
+              <a:rPr lang="nl-BE" sz="1400" b="1" dirty="0">
+                <a:latin typeface="ADLaM Display" panose="02010000000000000000" pitchFamily="2" charset="0"/>
+                <a:ea typeface="ADLaM Display" panose="02010000000000000000" pitchFamily="2" charset="0"/>
+                <a:cs typeface="ADLaM Display" panose="02010000000000000000" pitchFamily="2" charset="0"/>
+              </a:rPr>
+              <a:t>Welkom bij ons Memory spel</a:t>
+            </a:r>
+            <a:endParaRPr lang="en-US" sz="1400" b="1" dirty="0">
+              <a:latin typeface="ADLaM Display" panose="02010000000000000000" pitchFamily="2" charset="0"/>
+              <a:ea typeface="ADLaM Display" panose="02010000000000000000" pitchFamily="2" charset="0"/>
+              <a:cs typeface="ADLaM Display" panose="02010000000000000000" pitchFamily="2" charset="0"/>
+            </a:endParaRPr>
+          </a:p>
+        </p:txBody>
+      </p:sp>
+      <p:sp>
+        <p:nvSpPr>
+          <p:cNvPr id="13" name="Tekstvak 12">
+            <a:extLst>
+              <a:ext uri="{FF2B5EF4-FFF2-40B4-BE49-F238E27FC236}">
+                <a16:creationId xmlns:a16="http://schemas.microsoft.com/office/drawing/2014/main" id="{19DD5E88-D57E-48F5-F76B-C362B4A26905}"/>
+              </a:ext>
+            </a:extLst>
+          </p:cNvPr>
+          <p:cNvSpPr txBox="1"/>
           <p:nvPr/>
-        </p:nvCxnSpPr>
-        <p:spPr>
-          <a:xfrm>
-            <a:off x="6126192" y="1001486"/>
-            <a:ext cx="0" cy="5164183"/>
-          </a:xfrm>
-          <a:prstGeom prst="line">
+        </p:nvSpPr>
+        <p:spPr>
+          <a:xfrm>
+            <a:off x="3362738" y="3429000"/>
+            <a:ext cx="5960166" cy="1215717"/>
+          </a:xfrm>
+          <a:prstGeom prst="rect">
             <a:avLst/>
           </a:prstGeom>
-        </p:spPr>
-        <p:style>
-          <a:lnRef idx="2">
-            <a:schemeClr val="accent1"/>
-          </a:lnRef>
-          <a:fillRef idx="0">
-            <a:schemeClr val="accent1"/>
-          </a:fillRef>
-          <a:effectRef idx="1">
-            <a:schemeClr val="accent1"/>
-          </a:effectRef>
-          <a:fontRef idx="minor">
-            <a:schemeClr val="tx1"/>
-          </a:fontRef>
-        </p:style>
-      </p:cxnSp>
+          <a:noFill/>
+        </p:spPr>
+        <p:txBody>
+          <a:bodyPr wrap="square" rtlCol="0">
+            <a:spAutoFit/>
+          </a:bodyPr>
+          <a:lstStyle/>
+          <a:p>
+            <a:pPr marL="342900" indent="-342900">
+              <a:buAutoNum type="arabicPeriod"/>
+            </a:pPr>
+            <a:r>
+              <a:rPr lang="en-US" altLang="en-US" sz="1100" b="1" dirty="0">
+                <a:solidFill>
+                  <a:schemeClr val="bg1"/>
+                </a:solidFill>
+                <a:latin typeface="ADLaM Display" panose="02010000000000000000" pitchFamily="2" charset="0"/>
+                <a:ea typeface="ADLaM Display" panose="02010000000000000000" pitchFamily="2" charset="0"/>
+                <a:cs typeface="ADLaM Display" panose="02010000000000000000" pitchFamily="2" charset="0"/>
+              </a:rPr>
+              <a:t>Alle </a:t>
+            </a:r>
+            <a:r>
+              <a:rPr lang="en-US" altLang="en-US" sz="1100" b="1" dirty="0" err="1">
+                <a:solidFill>
+                  <a:schemeClr val="bg1"/>
+                </a:solidFill>
+                <a:latin typeface="ADLaM Display" panose="02010000000000000000" pitchFamily="2" charset="0"/>
+                <a:ea typeface="ADLaM Display" panose="02010000000000000000" pitchFamily="2" charset="0"/>
+                <a:cs typeface="ADLaM Display" panose="02010000000000000000" pitchFamily="2" charset="0"/>
+              </a:rPr>
+              <a:t>kaarten</a:t>
+            </a:r>
+            <a:r>
+              <a:rPr lang="en-US" altLang="en-US" sz="1100" b="1" dirty="0">
+                <a:solidFill>
+                  <a:schemeClr val="bg1"/>
+                </a:solidFill>
+                <a:latin typeface="ADLaM Display" panose="02010000000000000000" pitchFamily="2" charset="0"/>
+                <a:ea typeface="ADLaM Display" panose="02010000000000000000" pitchFamily="2" charset="0"/>
+                <a:cs typeface="ADLaM Display" panose="02010000000000000000" pitchFamily="2" charset="0"/>
+              </a:rPr>
+              <a:t> </a:t>
+            </a:r>
+            <a:r>
+              <a:rPr lang="en-US" altLang="en-US" sz="1100" b="1" dirty="0" err="1">
+                <a:solidFill>
+                  <a:schemeClr val="bg1"/>
+                </a:solidFill>
+                <a:latin typeface="ADLaM Display" panose="02010000000000000000" pitchFamily="2" charset="0"/>
+                <a:ea typeface="ADLaM Display" panose="02010000000000000000" pitchFamily="2" charset="0"/>
+                <a:cs typeface="ADLaM Display" panose="02010000000000000000" pitchFamily="2" charset="0"/>
+              </a:rPr>
+              <a:t>liggen</a:t>
+            </a:r>
+            <a:r>
+              <a:rPr lang="en-US" altLang="en-US" sz="1100" b="1" dirty="0">
+                <a:solidFill>
+                  <a:schemeClr val="bg1"/>
+                </a:solidFill>
+                <a:latin typeface="ADLaM Display" panose="02010000000000000000" pitchFamily="2" charset="0"/>
+                <a:ea typeface="ADLaM Display" panose="02010000000000000000" pitchFamily="2" charset="0"/>
+                <a:cs typeface="ADLaM Display" panose="02010000000000000000" pitchFamily="2" charset="0"/>
+              </a:rPr>
+              <a:t> </a:t>
+            </a:r>
+            <a:r>
+              <a:rPr lang="en-US" altLang="en-US" sz="1100" b="1" dirty="0" err="1">
+                <a:solidFill>
+                  <a:schemeClr val="bg1"/>
+                </a:solidFill>
+                <a:latin typeface="ADLaM Display" panose="02010000000000000000" pitchFamily="2" charset="0"/>
+                <a:ea typeface="ADLaM Display" panose="02010000000000000000" pitchFamily="2" charset="0"/>
+                <a:cs typeface="ADLaM Display" panose="02010000000000000000" pitchFamily="2" charset="0"/>
+              </a:rPr>
+              <a:t>omgekeerd</a:t>
+            </a:r>
+            <a:r>
+              <a:rPr lang="en-US" altLang="en-US" sz="1100" b="1" dirty="0">
+                <a:solidFill>
+                  <a:schemeClr val="bg1"/>
+                </a:solidFill>
+                <a:latin typeface="ADLaM Display" panose="02010000000000000000" pitchFamily="2" charset="0"/>
+                <a:ea typeface="ADLaM Display" panose="02010000000000000000" pitchFamily="2" charset="0"/>
+                <a:cs typeface="ADLaM Display" panose="02010000000000000000" pitchFamily="2" charset="0"/>
+              </a:rPr>
+              <a:t>.        </a:t>
+            </a:r>
+          </a:p>
+          <a:p>
+            <a:pPr marL="342900" indent="-342900">
+              <a:buAutoNum type="arabicPeriod"/>
+            </a:pPr>
+            <a:r>
+              <a:rPr lang="en-US" altLang="en-US" sz="1100" b="1" dirty="0">
+                <a:solidFill>
+                  <a:schemeClr val="bg1"/>
+                </a:solidFill>
+                <a:latin typeface="ADLaM Display" panose="02010000000000000000" pitchFamily="2" charset="0"/>
+                <a:ea typeface="ADLaM Display" panose="02010000000000000000" pitchFamily="2" charset="0"/>
+                <a:cs typeface="ADLaM Display" panose="02010000000000000000" pitchFamily="2" charset="0"/>
+              </a:rPr>
+              <a:t>Elke </a:t>
+            </a:r>
+            <a:r>
+              <a:rPr lang="en-US" altLang="en-US" sz="1100" b="1" dirty="0" err="1">
+                <a:solidFill>
+                  <a:schemeClr val="bg1"/>
+                </a:solidFill>
+                <a:latin typeface="ADLaM Display" panose="02010000000000000000" pitchFamily="2" charset="0"/>
+                <a:ea typeface="ADLaM Display" panose="02010000000000000000" pitchFamily="2" charset="0"/>
+                <a:cs typeface="ADLaM Display" panose="02010000000000000000" pitchFamily="2" charset="0"/>
+              </a:rPr>
+              <a:t>beurt</a:t>
+            </a:r>
+            <a:r>
+              <a:rPr lang="en-US" altLang="en-US" sz="1100" b="1" dirty="0">
+                <a:solidFill>
+                  <a:schemeClr val="bg1"/>
+                </a:solidFill>
+                <a:latin typeface="ADLaM Display" panose="02010000000000000000" pitchFamily="2" charset="0"/>
+                <a:ea typeface="ADLaM Display" panose="02010000000000000000" pitchFamily="2" charset="0"/>
+                <a:cs typeface="ADLaM Display" panose="02010000000000000000" pitchFamily="2" charset="0"/>
+              </a:rPr>
+              <a:t> mag je twee </a:t>
+            </a:r>
+            <a:r>
+              <a:rPr lang="en-US" altLang="en-US" sz="1100" b="1" dirty="0" err="1">
+                <a:solidFill>
+                  <a:schemeClr val="bg1"/>
+                </a:solidFill>
+                <a:latin typeface="ADLaM Display" panose="02010000000000000000" pitchFamily="2" charset="0"/>
+                <a:ea typeface="ADLaM Display" panose="02010000000000000000" pitchFamily="2" charset="0"/>
+                <a:cs typeface="ADLaM Display" panose="02010000000000000000" pitchFamily="2" charset="0"/>
+              </a:rPr>
+              <a:t>kaarten</a:t>
+            </a:r>
+            <a:r>
+              <a:rPr lang="en-US" altLang="en-US" sz="1100" b="1" dirty="0">
+                <a:solidFill>
+                  <a:schemeClr val="bg1"/>
+                </a:solidFill>
+                <a:latin typeface="ADLaM Display" panose="02010000000000000000" pitchFamily="2" charset="0"/>
+                <a:ea typeface="ADLaM Display" panose="02010000000000000000" pitchFamily="2" charset="0"/>
+                <a:cs typeface="ADLaM Display" panose="02010000000000000000" pitchFamily="2" charset="0"/>
+              </a:rPr>
+              <a:t> </a:t>
+            </a:r>
+            <a:r>
+              <a:rPr lang="en-US" altLang="en-US" sz="1100" b="1" dirty="0" err="1">
+                <a:solidFill>
+                  <a:schemeClr val="bg1"/>
+                </a:solidFill>
+                <a:latin typeface="ADLaM Display" panose="02010000000000000000" pitchFamily="2" charset="0"/>
+                <a:ea typeface="ADLaM Display" panose="02010000000000000000" pitchFamily="2" charset="0"/>
+                <a:cs typeface="ADLaM Display" panose="02010000000000000000" pitchFamily="2" charset="0"/>
+              </a:rPr>
+              <a:t>omdraaien</a:t>
+            </a:r>
+            <a:r>
+              <a:rPr lang="en-US" altLang="en-US" sz="1100" b="1" dirty="0">
+                <a:solidFill>
+                  <a:schemeClr val="bg1"/>
+                </a:solidFill>
+                <a:latin typeface="ADLaM Display" panose="02010000000000000000" pitchFamily="2" charset="0"/>
+                <a:ea typeface="ADLaM Display" panose="02010000000000000000" pitchFamily="2" charset="0"/>
+                <a:cs typeface="ADLaM Display" panose="02010000000000000000" pitchFamily="2" charset="0"/>
+              </a:rPr>
+              <a:t>.</a:t>
+            </a:r>
+          </a:p>
+          <a:p>
+            <a:pPr marL="342900" indent="-342900">
+              <a:buAutoNum type="arabicPeriod"/>
+            </a:pPr>
+            <a:r>
+              <a:rPr lang="en-US" altLang="en-US" sz="1100" b="1" dirty="0">
+                <a:solidFill>
+                  <a:schemeClr val="bg1"/>
+                </a:solidFill>
+                <a:latin typeface="ADLaM Display" panose="02010000000000000000" pitchFamily="2" charset="0"/>
+                <a:ea typeface="ADLaM Display" panose="02010000000000000000" pitchFamily="2" charset="0"/>
+                <a:cs typeface="ADLaM Display" panose="02010000000000000000" pitchFamily="2" charset="0"/>
+              </a:rPr>
+              <a:t>Als de </a:t>
+            </a:r>
+            <a:r>
+              <a:rPr lang="en-US" altLang="en-US" sz="1100" b="1" dirty="0" err="1">
+                <a:solidFill>
+                  <a:schemeClr val="bg1"/>
+                </a:solidFill>
+                <a:latin typeface="ADLaM Display" panose="02010000000000000000" pitchFamily="2" charset="0"/>
+                <a:ea typeface="ADLaM Display" panose="02010000000000000000" pitchFamily="2" charset="0"/>
+                <a:cs typeface="ADLaM Display" panose="02010000000000000000" pitchFamily="2" charset="0"/>
+              </a:rPr>
+              <a:t>kaarten</a:t>
+            </a:r>
+            <a:r>
+              <a:rPr lang="en-US" altLang="en-US" sz="1100" b="1" dirty="0">
+                <a:solidFill>
+                  <a:schemeClr val="bg1"/>
+                </a:solidFill>
+                <a:latin typeface="ADLaM Display" panose="02010000000000000000" pitchFamily="2" charset="0"/>
+                <a:ea typeface="ADLaM Display" panose="02010000000000000000" pitchFamily="2" charset="0"/>
+                <a:cs typeface="ADLaM Display" panose="02010000000000000000" pitchFamily="2" charset="0"/>
+              </a:rPr>
+              <a:t> </a:t>
+            </a:r>
+            <a:r>
+              <a:rPr lang="en-US" altLang="en-US" sz="1100" b="1" dirty="0" err="1">
+                <a:solidFill>
+                  <a:schemeClr val="bg1"/>
+                </a:solidFill>
+                <a:latin typeface="ADLaM Display" panose="02010000000000000000" pitchFamily="2" charset="0"/>
+                <a:ea typeface="ADLaM Display" panose="02010000000000000000" pitchFamily="2" charset="0"/>
+                <a:cs typeface="ADLaM Display" panose="02010000000000000000" pitchFamily="2" charset="0"/>
+              </a:rPr>
+              <a:t>overeenkomen</a:t>
+            </a:r>
+            <a:r>
+              <a:rPr lang="en-US" altLang="en-US" sz="1100" b="1" dirty="0">
+                <a:solidFill>
+                  <a:schemeClr val="bg1"/>
+                </a:solidFill>
+                <a:latin typeface="ADLaM Display" panose="02010000000000000000" pitchFamily="2" charset="0"/>
+                <a:ea typeface="ADLaM Display" panose="02010000000000000000" pitchFamily="2" charset="0"/>
+                <a:cs typeface="ADLaM Display" panose="02010000000000000000" pitchFamily="2" charset="0"/>
+              </a:rPr>
+              <a:t>, </a:t>
+            </a:r>
+            <a:r>
+              <a:rPr lang="en-US" altLang="en-US" sz="1100" b="1" dirty="0" err="1">
+                <a:solidFill>
+                  <a:schemeClr val="bg1"/>
+                </a:solidFill>
+                <a:latin typeface="ADLaM Display" panose="02010000000000000000" pitchFamily="2" charset="0"/>
+                <a:ea typeface="ADLaM Display" panose="02010000000000000000" pitchFamily="2" charset="0"/>
+                <a:cs typeface="ADLaM Display" panose="02010000000000000000" pitchFamily="2" charset="0"/>
+              </a:rPr>
+              <a:t>blijven</a:t>
+            </a:r>
+            <a:r>
+              <a:rPr lang="en-US" altLang="en-US" sz="1100" b="1" dirty="0">
+                <a:solidFill>
+                  <a:schemeClr val="bg1"/>
+                </a:solidFill>
+                <a:latin typeface="ADLaM Display" panose="02010000000000000000" pitchFamily="2" charset="0"/>
+                <a:ea typeface="ADLaM Display" panose="02010000000000000000" pitchFamily="2" charset="0"/>
+                <a:cs typeface="ADLaM Display" panose="02010000000000000000" pitchFamily="2" charset="0"/>
+              </a:rPr>
+              <a:t> ze </a:t>
+            </a:r>
+            <a:r>
+              <a:rPr lang="en-US" altLang="en-US" sz="1100" b="1" dirty="0" err="1">
+                <a:solidFill>
+                  <a:schemeClr val="bg1"/>
+                </a:solidFill>
+                <a:latin typeface="ADLaM Display" panose="02010000000000000000" pitchFamily="2" charset="0"/>
+                <a:ea typeface="ADLaM Display" panose="02010000000000000000" pitchFamily="2" charset="0"/>
+                <a:cs typeface="ADLaM Display" panose="02010000000000000000" pitchFamily="2" charset="0"/>
+              </a:rPr>
+              <a:t>omgedraaid</a:t>
+            </a:r>
+            <a:r>
+              <a:rPr lang="en-US" altLang="en-US" sz="1100" b="1" dirty="0">
+                <a:solidFill>
+                  <a:schemeClr val="bg1"/>
+                </a:solidFill>
+                <a:latin typeface="ADLaM Display" panose="02010000000000000000" pitchFamily="2" charset="0"/>
+                <a:ea typeface="ADLaM Display" panose="02010000000000000000" pitchFamily="2" charset="0"/>
+                <a:cs typeface="ADLaM Display" panose="02010000000000000000" pitchFamily="2" charset="0"/>
+              </a:rPr>
+              <a:t>.</a:t>
+            </a:r>
+          </a:p>
+          <a:p>
+            <a:pPr marL="342900" indent="-342900">
+              <a:buAutoNum type="arabicPeriod"/>
+            </a:pPr>
+            <a:r>
+              <a:rPr lang="en-US" altLang="en-US" sz="1100" b="1" dirty="0">
+                <a:solidFill>
+                  <a:schemeClr val="bg1"/>
+                </a:solidFill>
+                <a:latin typeface="ADLaM Display" panose="02010000000000000000" pitchFamily="2" charset="0"/>
+                <a:ea typeface="ADLaM Display" panose="02010000000000000000" pitchFamily="2" charset="0"/>
+                <a:cs typeface="ADLaM Display" panose="02010000000000000000" pitchFamily="2" charset="0"/>
+              </a:rPr>
+              <a:t>Het </a:t>
+            </a:r>
+            <a:r>
+              <a:rPr lang="en-US" altLang="en-US" sz="1100" b="1" dirty="0" err="1">
+                <a:solidFill>
+                  <a:schemeClr val="bg1"/>
+                </a:solidFill>
+                <a:latin typeface="ADLaM Display" panose="02010000000000000000" pitchFamily="2" charset="0"/>
+                <a:ea typeface="ADLaM Display" panose="02010000000000000000" pitchFamily="2" charset="0"/>
+                <a:cs typeface="ADLaM Display" panose="02010000000000000000" pitchFamily="2" charset="0"/>
+              </a:rPr>
+              <a:t>doel</a:t>
+            </a:r>
+            <a:r>
+              <a:rPr lang="en-US" altLang="en-US" sz="1100" b="1" dirty="0">
+                <a:solidFill>
+                  <a:schemeClr val="bg1"/>
+                </a:solidFill>
+                <a:latin typeface="ADLaM Display" panose="02010000000000000000" pitchFamily="2" charset="0"/>
+                <a:ea typeface="ADLaM Display" panose="02010000000000000000" pitchFamily="2" charset="0"/>
+                <a:cs typeface="ADLaM Display" panose="02010000000000000000" pitchFamily="2" charset="0"/>
+              </a:rPr>
+              <a:t> is om alle </a:t>
+            </a:r>
+            <a:r>
+              <a:rPr lang="en-US" altLang="en-US" sz="1100" b="1" dirty="0" err="1">
+                <a:solidFill>
+                  <a:schemeClr val="bg1"/>
+                </a:solidFill>
+                <a:latin typeface="ADLaM Display" panose="02010000000000000000" pitchFamily="2" charset="0"/>
+                <a:ea typeface="ADLaM Display" panose="02010000000000000000" pitchFamily="2" charset="0"/>
+                <a:cs typeface="ADLaM Display" panose="02010000000000000000" pitchFamily="2" charset="0"/>
+              </a:rPr>
+              <a:t>paren</a:t>
+            </a:r>
+            <a:r>
+              <a:rPr lang="en-US" altLang="en-US" sz="1100" b="1" dirty="0">
+                <a:solidFill>
+                  <a:schemeClr val="bg1"/>
+                </a:solidFill>
+                <a:latin typeface="ADLaM Display" panose="02010000000000000000" pitchFamily="2" charset="0"/>
+                <a:ea typeface="ADLaM Display" panose="02010000000000000000" pitchFamily="2" charset="0"/>
+                <a:cs typeface="ADLaM Display" panose="02010000000000000000" pitchFamily="2" charset="0"/>
+              </a:rPr>
+              <a:t> </a:t>
+            </a:r>
+            <a:r>
+              <a:rPr lang="en-US" altLang="en-US" sz="1100" b="1" dirty="0" err="1">
+                <a:solidFill>
+                  <a:schemeClr val="bg1"/>
+                </a:solidFill>
+                <a:latin typeface="ADLaM Display" panose="02010000000000000000" pitchFamily="2" charset="0"/>
+                <a:ea typeface="ADLaM Display" panose="02010000000000000000" pitchFamily="2" charset="0"/>
+                <a:cs typeface="ADLaM Display" panose="02010000000000000000" pitchFamily="2" charset="0"/>
+              </a:rPr>
+              <a:t>te</a:t>
+            </a:r>
+            <a:r>
+              <a:rPr lang="en-US" altLang="en-US" sz="1100" b="1" dirty="0">
+                <a:solidFill>
+                  <a:schemeClr val="bg1"/>
+                </a:solidFill>
+                <a:latin typeface="ADLaM Display" panose="02010000000000000000" pitchFamily="2" charset="0"/>
+                <a:ea typeface="ADLaM Display" panose="02010000000000000000" pitchFamily="2" charset="0"/>
+                <a:cs typeface="ADLaM Display" panose="02010000000000000000" pitchFamily="2" charset="0"/>
+              </a:rPr>
+              <a:t> </a:t>
+            </a:r>
+            <a:r>
+              <a:rPr lang="en-US" altLang="en-US" sz="1100" b="1" dirty="0" err="1">
+                <a:solidFill>
+                  <a:schemeClr val="bg1"/>
+                </a:solidFill>
+                <a:latin typeface="ADLaM Display" panose="02010000000000000000" pitchFamily="2" charset="0"/>
+                <a:ea typeface="ADLaM Display" panose="02010000000000000000" pitchFamily="2" charset="0"/>
+                <a:cs typeface="ADLaM Display" panose="02010000000000000000" pitchFamily="2" charset="0"/>
+              </a:rPr>
+              <a:t>vinden</a:t>
+            </a:r>
+            <a:r>
+              <a:rPr lang="en-US" altLang="en-US" sz="1100" b="1" dirty="0">
+                <a:solidFill>
+                  <a:schemeClr val="bg1"/>
+                </a:solidFill>
+                <a:latin typeface="ADLaM Display" panose="02010000000000000000" pitchFamily="2" charset="0"/>
+                <a:ea typeface="ADLaM Display" panose="02010000000000000000" pitchFamily="2" charset="0"/>
+                <a:cs typeface="ADLaM Display" panose="02010000000000000000" pitchFamily="2" charset="0"/>
+              </a:rPr>
+              <a:t> </a:t>
+            </a:r>
+            <a:r>
+              <a:rPr lang="en-US" altLang="en-US" sz="1100" b="1" dirty="0" err="1">
+                <a:solidFill>
+                  <a:schemeClr val="bg1"/>
+                </a:solidFill>
+                <a:latin typeface="ADLaM Display" panose="02010000000000000000" pitchFamily="2" charset="0"/>
+                <a:ea typeface="ADLaM Display" panose="02010000000000000000" pitchFamily="2" charset="0"/>
+                <a:cs typeface="ADLaM Display" panose="02010000000000000000" pitchFamily="2" charset="0"/>
+              </a:rPr>
+              <a:t>binnen</a:t>
+            </a:r>
+            <a:r>
+              <a:rPr lang="en-US" altLang="en-US" sz="1100" b="1" dirty="0">
+                <a:solidFill>
+                  <a:schemeClr val="bg1"/>
+                </a:solidFill>
+                <a:latin typeface="ADLaM Display" panose="02010000000000000000" pitchFamily="2" charset="0"/>
+                <a:ea typeface="ADLaM Display" panose="02010000000000000000" pitchFamily="2" charset="0"/>
+                <a:cs typeface="ADLaM Display" panose="02010000000000000000" pitchFamily="2" charset="0"/>
+              </a:rPr>
+              <a:t> de </a:t>
+            </a:r>
+            <a:r>
+              <a:rPr lang="en-US" altLang="en-US" sz="1100" b="1" dirty="0" err="1">
+                <a:solidFill>
+                  <a:schemeClr val="bg1"/>
+                </a:solidFill>
+                <a:latin typeface="ADLaM Display" panose="02010000000000000000" pitchFamily="2" charset="0"/>
+                <a:ea typeface="ADLaM Display" panose="02010000000000000000" pitchFamily="2" charset="0"/>
+                <a:cs typeface="ADLaM Display" panose="02010000000000000000" pitchFamily="2" charset="0"/>
+              </a:rPr>
+              <a:t>opgegeven</a:t>
+            </a:r>
+            <a:r>
+              <a:rPr lang="en-US" altLang="en-US" sz="1100" b="1" dirty="0">
+                <a:solidFill>
+                  <a:schemeClr val="bg1"/>
+                </a:solidFill>
+                <a:latin typeface="ADLaM Display" panose="02010000000000000000" pitchFamily="2" charset="0"/>
+                <a:ea typeface="ADLaM Display" panose="02010000000000000000" pitchFamily="2" charset="0"/>
+                <a:cs typeface="ADLaM Display" panose="02010000000000000000" pitchFamily="2" charset="0"/>
+              </a:rPr>
+              <a:t> </a:t>
+            </a:r>
+            <a:r>
+              <a:rPr lang="en-US" altLang="en-US" sz="1100" b="1" dirty="0" err="1">
+                <a:solidFill>
+                  <a:schemeClr val="bg1"/>
+                </a:solidFill>
+                <a:latin typeface="ADLaM Display" panose="02010000000000000000" pitchFamily="2" charset="0"/>
+                <a:ea typeface="ADLaM Display" panose="02010000000000000000" pitchFamily="2" charset="0"/>
+                <a:cs typeface="ADLaM Display" panose="02010000000000000000" pitchFamily="2" charset="0"/>
+              </a:rPr>
+              <a:t>tijd</a:t>
+            </a:r>
+            <a:r>
+              <a:rPr lang="en-US" altLang="en-US" sz="1100" b="1" dirty="0">
+                <a:solidFill>
+                  <a:schemeClr val="bg1"/>
+                </a:solidFill>
+                <a:latin typeface="ADLaM Display" panose="02010000000000000000" pitchFamily="2" charset="0"/>
+                <a:ea typeface="ADLaM Display" panose="02010000000000000000" pitchFamily="2" charset="0"/>
+                <a:cs typeface="ADLaM Display" panose="02010000000000000000" pitchFamily="2" charset="0"/>
+              </a:rPr>
+              <a:t>.</a:t>
+            </a:r>
+          </a:p>
+          <a:p>
+            <a:pPr marL="342900" indent="-342900">
+              <a:buAutoNum type="arabicPeriod"/>
+            </a:pPr>
+            <a:r>
+              <a:rPr lang="en-US" altLang="en-US" sz="1100" b="1" dirty="0">
+                <a:solidFill>
+                  <a:schemeClr val="bg1"/>
+                </a:solidFill>
+                <a:latin typeface="ADLaM Display" panose="02010000000000000000" pitchFamily="2" charset="0"/>
+                <a:ea typeface="ADLaM Display" panose="02010000000000000000" pitchFamily="2" charset="0"/>
+                <a:cs typeface="ADLaM Display" panose="02010000000000000000" pitchFamily="2" charset="0"/>
+              </a:rPr>
+              <a:t>Het </a:t>
+            </a:r>
+            <a:r>
+              <a:rPr lang="en-US" altLang="en-US" sz="1100" b="1" dirty="0" err="1">
+                <a:solidFill>
+                  <a:schemeClr val="bg1"/>
+                </a:solidFill>
+                <a:latin typeface="ADLaM Display" panose="02010000000000000000" pitchFamily="2" charset="0"/>
+                <a:ea typeface="ADLaM Display" panose="02010000000000000000" pitchFamily="2" charset="0"/>
+                <a:cs typeface="ADLaM Display" panose="02010000000000000000" pitchFamily="2" charset="0"/>
+              </a:rPr>
+              <a:t>spel</a:t>
+            </a:r>
+            <a:r>
+              <a:rPr lang="en-US" altLang="en-US" sz="1100" b="1" dirty="0">
+                <a:solidFill>
+                  <a:schemeClr val="bg1"/>
+                </a:solidFill>
+                <a:latin typeface="ADLaM Display" panose="02010000000000000000" pitchFamily="2" charset="0"/>
+                <a:ea typeface="ADLaM Display" panose="02010000000000000000" pitchFamily="2" charset="0"/>
+                <a:cs typeface="ADLaM Display" panose="02010000000000000000" pitchFamily="2" charset="0"/>
+              </a:rPr>
+              <a:t> </a:t>
+            </a:r>
+            <a:r>
+              <a:rPr lang="en-US" altLang="en-US" sz="1100" b="1" dirty="0" err="1">
+                <a:solidFill>
+                  <a:schemeClr val="bg1"/>
+                </a:solidFill>
+                <a:latin typeface="ADLaM Display" panose="02010000000000000000" pitchFamily="2" charset="0"/>
+                <a:ea typeface="ADLaM Display" panose="02010000000000000000" pitchFamily="2" charset="0"/>
+                <a:cs typeface="ADLaM Display" panose="02010000000000000000" pitchFamily="2" charset="0"/>
+              </a:rPr>
+              <a:t>eindigt</a:t>
+            </a:r>
+            <a:r>
+              <a:rPr lang="en-US" altLang="en-US" sz="1100" b="1" dirty="0">
+                <a:solidFill>
+                  <a:schemeClr val="bg1"/>
+                </a:solidFill>
+                <a:latin typeface="ADLaM Display" panose="02010000000000000000" pitchFamily="2" charset="0"/>
+                <a:ea typeface="ADLaM Display" panose="02010000000000000000" pitchFamily="2" charset="0"/>
+                <a:cs typeface="ADLaM Display" panose="02010000000000000000" pitchFamily="2" charset="0"/>
+              </a:rPr>
+              <a:t> </a:t>
+            </a:r>
+            <a:r>
+              <a:rPr lang="en-US" altLang="en-US" sz="1100" b="1" dirty="0" err="1">
+                <a:solidFill>
+                  <a:schemeClr val="bg1"/>
+                </a:solidFill>
+                <a:latin typeface="ADLaM Display" panose="02010000000000000000" pitchFamily="2" charset="0"/>
+                <a:ea typeface="ADLaM Display" panose="02010000000000000000" pitchFamily="2" charset="0"/>
+                <a:cs typeface="ADLaM Display" panose="02010000000000000000" pitchFamily="2" charset="0"/>
+              </a:rPr>
+              <a:t>als</a:t>
+            </a:r>
+            <a:r>
+              <a:rPr lang="en-US" altLang="en-US" sz="1100" b="1" dirty="0">
+                <a:solidFill>
+                  <a:schemeClr val="bg1"/>
+                </a:solidFill>
+                <a:latin typeface="ADLaM Display" panose="02010000000000000000" pitchFamily="2" charset="0"/>
+                <a:ea typeface="ADLaM Display" panose="02010000000000000000" pitchFamily="2" charset="0"/>
+                <a:cs typeface="ADLaM Display" panose="02010000000000000000" pitchFamily="2" charset="0"/>
+              </a:rPr>
+              <a:t> alle </a:t>
+            </a:r>
+            <a:r>
+              <a:rPr lang="en-US" altLang="en-US" sz="1100" b="1" dirty="0" err="1">
+                <a:solidFill>
+                  <a:schemeClr val="bg1"/>
+                </a:solidFill>
+                <a:latin typeface="ADLaM Display" panose="02010000000000000000" pitchFamily="2" charset="0"/>
+                <a:ea typeface="ADLaM Display" panose="02010000000000000000" pitchFamily="2" charset="0"/>
+                <a:cs typeface="ADLaM Display" panose="02010000000000000000" pitchFamily="2" charset="0"/>
+              </a:rPr>
+              <a:t>kaarten</a:t>
+            </a:r>
+            <a:r>
+              <a:rPr lang="en-US" altLang="en-US" sz="1100" b="1" dirty="0">
+                <a:solidFill>
+                  <a:schemeClr val="bg1"/>
+                </a:solidFill>
+                <a:latin typeface="ADLaM Display" panose="02010000000000000000" pitchFamily="2" charset="0"/>
+                <a:ea typeface="ADLaM Display" panose="02010000000000000000" pitchFamily="2" charset="0"/>
+                <a:cs typeface="ADLaM Display" panose="02010000000000000000" pitchFamily="2" charset="0"/>
+              </a:rPr>
+              <a:t> </a:t>
+            </a:r>
+            <a:r>
+              <a:rPr lang="en-US" altLang="en-US" sz="1100" b="1" dirty="0" err="1">
+                <a:solidFill>
+                  <a:schemeClr val="bg1"/>
+                </a:solidFill>
+                <a:latin typeface="ADLaM Display" panose="02010000000000000000" pitchFamily="2" charset="0"/>
+                <a:ea typeface="ADLaM Display" panose="02010000000000000000" pitchFamily="2" charset="0"/>
+                <a:cs typeface="ADLaM Display" panose="02010000000000000000" pitchFamily="2" charset="0"/>
+              </a:rPr>
+              <a:t>zijn</a:t>
+            </a:r>
+            <a:r>
+              <a:rPr lang="en-US" altLang="en-US" sz="1100" b="1" dirty="0">
+                <a:solidFill>
+                  <a:schemeClr val="bg1"/>
+                </a:solidFill>
+                <a:latin typeface="ADLaM Display" panose="02010000000000000000" pitchFamily="2" charset="0"/>
+                <a:ea typeface="ADLaM Display" panose="02010000000000000000" pitchFamily="2" charset="0"/>
+                <a:cs typeface="ADLaM Display" panose="02010000000000000000" pitchFamily="2" charset="0"/>
+              </a:rPr>
+              <a:t> </a:t>
+            </a:r>
+            <a:r>
+              <a:rPr lang="en-US" altLang="en-US" sz="1100" b="1" dirty="0" err="1">
+                <a:solidFill>
+                  <a:schemeClr val="bg1"/>
+                </a:solidFill>
+                <a:latin typeface="ADLaM Display" panose="02010000000000000000" pitchFamily="2" charset="0"/>
+                <a:ea typeface="ADLaM Display" panose="02010000000000000000" pitchFamily="2" charset="0"/>
+                <a:cs typeface="ADLaM Display" panose="02010000000000000000" pitchFamily="2" charset="0"/>
+              </a:rPr>
+              <a:t>omgedraaid</a:t>
+            </a:r>
+            <a:r>
+              <a:rPr lang="en-US" altLang="en-US" sz="1100" b="1" dirty="0">
+                <a:solidFill>
+                  <a:schemeClr val="bg1"/>
+                </a:solidFill>
+                <a:latin typeface="ADLaM Display" panose="02010000000000000000" pitchFamily="2" charset="0"/>
+                <a:ea typeface="ADLaM Display" panose="02010000000000000000" pitchFamily="2" charset="0"/>
+                <a:cs typeface="ADLaM Display" panose="02010000000000000000" pitchFamily="2" charset="0"/>
+              </a:rPr>
+              <a:t> of </a:t>
+            </a:r>
+            <a:r>
+              <a:rPr lang="en-US" altLang="en-US" sz="1100" b="1" dirty="0" err="1">
+                <a:solidFill>
+                  <a:schemeClr val="bg1"/>
+                </a:solidFill>
+                <a:latin typeface="ADLaM Display" panose="02010000000000000000" pitchFamily="2" charset="0"/>
+                <a:ea typeface="ADLaM Display" panose="02010000000000000000" pitchFamily="2" charset="0"/>
+                <a:cs typeface="ADLaM Display" panose="02010000000000000000" pitchFamily="2" charset="0"/>
+              </a:rPr>
+              <a:t>als</a:t>
+            </a:r>
+            <a:r>
+              <a:rPr lang="en-US" altLang="en-US" sz="1100" b="1" dirty="0">
+                <a:solidFill>
+                  <a:schemeClr val="bg1"/>
+                </a:solidFill>
+                <a:latin typeface="ADLaM Display" panose="02010000000000000000" pitchFamily="2" charset="0"/>
+                <a:ea typeface="ADLaM Display" panose="02010000000000000000" pitchFamily="2" charset="0"/>
+                <a:cs typeface="ADLaM Display" panose="02010000000000000000" pitchFamily="2" charset="0"/>
+              </a:rPr>
+              <a:t> de </a:t>
+            </a:r>
+            <a:r>
+              <a:rPr lang="en-US" altLang="en-US" sz="1100" b="1" dirty="0" err="1">
+                <a:solidFill>
+                  <a:schemeClr val="bg1"/>
+                </a:solidFill>
+                <a:latin typeface="ADLaM Display" panose="02010000000000000000" pitchFamily="2" charset="0"/>
+                <a:ea typeface="ADLaM Display" panose="02010000000000000000" pitchFamily="2" charset="0"/>
+                <a:cs typeface="ADLaM Display" panose="02010000000000000000" pitchFamily="2" charset="0"/>
+              </a:rPr>
+              <a:t>tijd</a:t>
+            </a:r>
+            <a:r>
+              <a:rPr lang="en-US" altLang="en-US" sz="1100" b="1" dirty="0">
+                <a:solidFill>
+                  <a:schemeClr val="bg1"/>
+                </a:solidFill>
+                <a:latin typeface="ADLaM Display" panose="02010000000000000000" pitchFamily="2" charset="0"/>
+                <a:ea typeface="ADLaM Display" panose="02010000000000000000" pitchFamily="2" charset="0"/>
+                <a:cs typeface="ADLaM Display" panose="02010000000000000000" pitchFamily="2" charset="0"/>
+              </a:rPr>
+              <a:t> </a:t>
+            </a:r>
+            <a:r>
+              <a:rPr lang="en-US" altLang="en-US" sz="1100" b="1" dirty="0" err="1">
+                <a:solidFill>
+                  <a:schemeClr val="bg1"/>
+                </a:solidFill>
+                <a:latin typeface="ADLaM Display" panose="02010000000000000000" pitchFamily="2" charset="0"/>
+                <a:ea typeface="ADLaM Display" panose="02010000000000000000" pitchFamily="2" charset="0"/>
+                <a:cs typeface="ADLaM Display" panose="02010000000000000000" pitchFamily="2" charset="0"/>
+              </a:rPr>
+              <a:t>verstreken</a:t>
+            </a:r>
+            <a:r>
+              <a:rPr lang="en-US" altLang="en-US" sz="1100" b="1" dirty="0">
+                <a:solidFill>
+                  <a:schemeClr val="bg1"/>
+                </a:solidFill>
+                <a:latin typeface="ADLaM Display" panose="02010000000000000000" pitchFamily="2" charset="0"/>
+                <a:ea typeface="ADLaM Display" panose="02010000000000000000" pitchFamily="2" charset="0"/>
+                <a:cs typeface="ADLaM Display" panose="02010000000000000000" pitchFamily="2" charset="0"/>
+              </a:rPr>
+              <a:t> is.</a:t>
+            </a:r>
+          </a:p>
+          <a:p>
+            <a:endParaRPr lang="en-US" sz="1600" dirty="0"/>
+          </a:p>
+        </p:txBody>
+      </p:sp>
+      <p:sp>
+        <p:nvSpPr>
+          <p:cNvPr id="14" name="Tekstvak 13">
+            <a:extLst>
+              <a:ext uri="{FF2B5EF4-FFF2-40B4-BE49-F238E27FC236}">
+                <a16:creationId xmlns:a16="http://schemas.microsoft.com/office/drawing/2014/main" id="{486A24FE-809D-5C45-C53C-AEA89ADDBD18}"/>
+              </a:ext>
+            </a:extLst>
+          </p:cNvPr>
+          <p:cNvSpPr txBox="1"/>
+          <p:nvPr/>
+        </p:nvSpPr>
+        <p:spPr>
+          <a:xfrm>
+            <a:off x="3478693" y="3087083"/>
+            <a:ext cx="1176132" cy="307777"/>
+          </a:xfrm>
+          <a:prstGeom prst="rect">
+            <a:avLst/>
+          </a:prstGeom>
+          <a:noFill/>
+        </p:spPr>
+        <p:txBody>
+          <a:bodyPr wrap="square" rtlCol="0">
+            <a:spAutoFit/>
+          </a:bodyPr>
+          <a:lstStyle/>
+          <a:p>
+            <a:r>
+              <a:rPr lang="nl-BE" sz="1400" b="1" dirty="0">
+                <a:solidFill>
+                  <a:schemeClr val="bg1"/>
+                </a:solidFill>
+                <a:latin typeface="ADLaM Display" panose="02010000000000000000" pitchFamily="2" charset="0"/>
+                <a:ea typeface="ADLaM Display" panose="02010000000000000000" pitchFamily="2" charset="0"/>
+                <a:cs typeface="ADLaM Display" panose="02010000000000000000" pitchFamily="2" charset="0"/>
+              </a:rPr>
+              <a:t>Spelregels:</a:t>
+            </a:r>
+            <a:endParaRPr lang="en-US" sz="1400" b="1" dirty="0">
+              <a:solidFill>
+                <a:schemeClr val="bg1"/>
+              </a:solidFill>
+              <a:latin typeface="ADLaM Display" panose="02010000000000000000" pitchFamily="2" charset="0"/>
+              <a:ea typeface="ADLaM Display" panose="02010000000000000000" pitchFamily="2" charset="0"/>
+              <a:cs typeface="ADLaM Display" panose="02010000000000000000" pitchFamily="2" charset="0"/>
+            </a:endParaRPr>
+          </a:p>
+        </p:txBody>
+      </p:sp>
+      <p:sp>
+        <p:nvSpPr>
+          <p:cNvPr id="19" name="Tekstvak 18">
+            <a:extLst>
+              <a:ext uri="{FF2B5EF4-FFF2-40B4-BE49-F238E27FC236}">
+                <a16:creationId xmlns:a16="http://schemas.microsoft.com/office/drawing/2014/main" id="{E476759D-AF55-F02E-CA73-B792868F8C54}"/>
+              </a:ext>
+            </a:extLst>
+          </p:cNvPr>
+          <p:cNvSpPr txBox="1"/>
+          <p:nvPr/>
+        </p:nvSpPr>
+        <p:spPr>
+          <a:xfrm>
+            <a:off x="3478693" y="4378150"/>
+            <a:ext cx="1176132" cy="307777"/>
+          </a:xfrm>
+          <a:prstGeom prst="rect">
+            <a:avLst/>
+          </a:prstGeom>
+          <a:noFill/>
+        </p:spPr>
+        <p:txBody>
+          <a:bodyPr wrap="square" rtlCol="0">
+            <a:spAutoFit/>
+          </a:bodyPr>
+          <a:lstStyle/>
+          <a:p>
+            <a:r>
+              <a:rPr lang="nl-BE" sz="1400" b="1" dirty="0">
+                <a:solidFill>
+                  <a:schemeClr val="bg1"/>
+                </a:solidFill>
+                <a:latin typeface="ADLaM Display" panose="02010000000000000000" pitchFamily="2" charset="0"/>
+                <a:ea typeface="ADLaM Display" panose="02010000000000000000" pitchFamily="2" charset="0"/>
+                <a:cs typeface="ADLaM Display" panose="02010000000000000000" pitchFamily="2" charset="0"/>
+              </a:rPr>
+              <a:t>Bediening:</a:t>
+            </a:r>
+            <a:endParaRPr lang="en-US" sz="1400" b="1" dirty="0">
+              <a:solidFill>
+                <a:schemeClr val="bg1"/>
+              </a:solidFill>
+              <a:latin typeface="ADLaM Display" panose="02010000000000000000" pitchFamily="2" charset="0"/>
+              <a:ea typeface="ADLaM Display" panose="02010000000000000000" pitchFamily="2" charset="0"/>
+              <a:cs typeface="ADLaM Display" panose="02010000000000000000" pitchFamily="2" charset="0"/>
+            </a:endParaRPr>
+          </a:p>
+        </p:txBody>
+      </p:sp>
+      <p:sp>
+        <p:nvSpPr>
+          <p:cNvPr id="21" name="Tekstvak 20">
+            <a:extLst>
+              <a:ext uri="{FF2B5EF4-FFF2-40B4-BE49-F238E27FC236}">
+                <a16:creationId xmlns:a16="http://schemas.microsoft.com/office/drawing/2014/main" id="{EE73B0A6-1C7C-56AF-192B-75700FFEDD15}"/>
+              </a:ext>
+            </a:extLst>
+          </p:cNvPr>
+          <p:cNvSpPr txBox="1"/>
+          <p:nvPr/>
+        </p:nvSpPr>
+        <p:spPr>
+          <a:xfrm>
+            <a:off x="3478693" y="4739874"/>
+            <a:ext cx="3334505" cy="430887"/>
+          </a:xfrm>
+          <a:prstGeom prst="rect">
+            <a:avLst/>
+          </a:prstGeom>
+          <a:noFill/>
+        </p:spPr>
+        <p:txBody>
+          <a:bodyPr wrap="square" rtlCol="0">
+            <a:spAutoFit/>
+          </a:bodyPr>
+          <a:lstStyle/>
+          <a:p>
+            <a:pPr marL="171450" marR="0" lvl="0" indent="-171450" algn="l" defTabSz="914400" rtl="0" eaLnBrk="0" fontAlgn="base" latinLnBrk="0" hangingPunct="0">
+              <a:lnSpc>
+                <a:spcPct val="100000"/>
+              </a:lnSpc>
+              <a:spcBef>
+                <a:spcPct val="0"/>
+              </a:spcBef>
+              <a:spcAft>
+                <a:spcPct val="0"/>
+              </a:spcAft>
+              <a:buClrTx/>
+              <a:buSzTx/>
+              <a:buFont typeface="Arial" panose="020B0604020202020204" pitchFamily="34" charset="0"/>
+              <a:buChar char="•"/>
+              <a:tabLst/>
+            </a:pPr>
+            <a:r>
+              <a:rPr lang="en-US" altLang="en-US" sz="1100" b="1" dirty="0" err="1">
+                <a:solidFill>
+                  <a:schemeClr val="bg1"/>
+                </a:solidFill>
+                <a:latin typeface="ADLaM Display" panose="02010000000000000000" pitchFamily="2" charset="0"/>
+                <a:ea typeface="ADLaM Display" panose="02010000000000000000" pitchFamily="2" charset="0"/>
+                <a:cs typeface="ADLaM Display" panose="02010000000000000000" pitchFamily="2" charset="0"/>
+              </a:rPr>
+              <a:t>Gebruik</a:t>
+            </a:r>
+            <a:r>
+              <a:rPr lang="en-US" altLang="en-US" sz="1100" b="1" dirty="0">
+                <a:solidFill>
+                  <a:schemeClr val="bg1"/>
+                </a:solidFill>
+                <a:latin typeface="ADLaM Display" panose="02010000000000000000" pitchFamily="2" charset="0"/>
+                <a:ea typeface="ADLaM Display" panose="02010000000000000000" pitchFamily="2" charset="0"/>
+                <a:cs typeface="ADLaM Display" panose="02010000000000000000" pitchFamily="2" charset="0"/>
+              </a:rPr>
+              <a:t> de </a:t>
+            </a:r>
+            <a:r>
+              <a:rPr lang="en-US" altLang="en-US" sz="1100" b="1" dirty="0" err="1">
+                <a:solidFill>
+                  <a:schemeClr val="bg1"/>
+                </a:solidFill>
+                <a:latin typeface="ADLaM Display" panose="02010000000000000000" pitchFamily="2" charset="0"/>
+                <a:ea typeface="ADLaM Display" panose="02010000000000000000" pitchFamily="2" charset="0"/>
+                <a:cs typeface="ADLaM Display" panose="02010000000000000000" pitchFamily="2" charset="0"/>
+              </a:rPr>
+              <a:t>muis</a:t>
+            </a:r>
+            <a:r>
+              <a:rPr lang="en-US" altLang="en-US" sz="1100" b="1" dirty="0">
+                <a:solidFill>
+                  <a:schemeClr val="bg1"/>
+                </a:solidFill>
+                <a:latin typeface="ADLaM Display" panose="02010000000000000000" pitchFamily="2" charset="0"/>
+                <a:ea typeface="ADLaM Display" panose="02010000000000000000" pitchFamily="2" charset="0"/>
+                <a:cs typeface="ADLaM Display" panose="02010000000000000000" pitchFamily="2" charset="0"/>
+              </a:rPr>
+              <a:t> om </a:t>
+            </a:r>
+            <a:r>
+              <a:rPr lang="en-US" altLang="en-US" sz="1100" b="1" dirty="0" err="1">
+                <a:solidFill>
+                  <a:schemeClr val="bg1"/>
+                </a:solidFill>
+                <a:latin typeface="ADLaM Display" panose="02010000000000000000" pitchFamily="2" charset="0"/>
+                <a:ea typeface="ADLaM Display" panose="02010000000000000000" pitchFamily="2" charset="0"/>
+                <a:cs typeface="ADLaM Display" panose="02010000000000000000" pitchFamily="2" charset="0"/>
+              </a:rPr>
+              <a:t>kaarten</a:t>
+            </a:r>
+            <a:r>
+              <a:rPr lang="en-US" altLang="en-US" sz="1100" b="1" dirty="0">
+                <a:solidFill>
+                  <a:schemeClr val="bg1"/>
+                </a:solidFill>
+                <a:latin typeface="ADLaM Display" panose="02010000000000000000" pitchFamily="2" charset="0"/>
+                <a:ea typeface="ADLaM Display" panose="02010000000000000000" pitchFamily="2" charset="0"/>
+                <a:cs typeface="ADLaM Display" panose="02010000000000000000" pitchFamily="2" charset="0"/>
+              </a:rPr>
+              <a:t> </a:t>
+            </a:r>
+            <a:r>
+              <a:rPr lang="en-US" altLang="en-US" sz="1100" b="1" dirty="0" err="1">
+                <a:solidFill>
+                  <a:schemeClr val="bg1"/>
+                </a:solidFill>
+                <a:latin typeface="ADLaM Display" panose="02010000000000000000" pitchFamily="2" charset="0"/>
+                <a:ea typeface="ADLaM Display" panose="02010000000000000000" pitchFamily="2" charset="0"/>
+                <a:cs typeface="ADLaM Display" panose="02010000000000000000" pitchFamily="2" charset="0"/>
+              </a:rPr>
+              <a:t>te</a:t>
+            </a:r>
+            <a:r>
+              <a:rPr lang="en-US" altLang="en-US" sz="1100" b="1" dirty="0">
+                <a:solidFill>
+                  <a:schemeClr val="bg1"/>
+                </a:solidFill>
+                <a:latin typeface="ADLaM Display" panose="02010000000000000000" pitchFamily="2" charset="0"/>
+                <a:ea typeface="ADLaM Display" panose="02010000000000000000" pitchFamily="2" charset="0"/>
+                <a:cs typeface="ADLaM Display" panose="02010000000000000000" pitchFamily="2" charset="0"/>
+              </a:rPr>
+              <a:t> </a:t>
+            </a:r>
+            <a:r>
+              <a:rPr lang="en-US" altLang="en-US" sz="1100" b="1" dirty="0" err="1">
+                <a:solidFill>
+                  <a:schemeClr val="bg1"/>
+                </a:solidFill>
+                <a:latin typeface="ADLaM Display" panose="02010000000000000000" pitchFamily="2" charset="0"/>
+                <a:ea typeface="ADLaM Display" panose="02010000000000000000" pitchFamily="2" charset="0"/>
+                <a:cs typeface="ADLaM Display" panose="02010000000000000000" pitchFamily="2" charset="0"/>
+              </a:rPr>
+              <a:t>selecteren</a:t>
+            </a:r>
+            <a:r>
+              <a:rPr lang="en-US" altLang="en-US" sz="1100" b="1" dirty="0">
+                <a:solidFill>
+                  <a:schemeClr val="bg1"/>
+                </a:solidFill>
+                <a:latin typeface="ADLaM Display" panose="02010000000000000000" pitchFamily="2" charset="0"/>
+                <a:ea typeface="ADLaM Display" panose="02010000000000000000" pitchFamily="2" charset="0"/>
+                <a:cs typeface="ADLaM Display" panose="02010000000000000000" pitchFamily="2" charset="0"/>
+              </a:rPr>
+              <a:t>.</a:t>
+            </a:r>
+          </a:p>
+          <a:p>
+            <a:pPr marL="171450" marR="0" lvl="0" indent="-171450" algn="l" defTabSz="914400" rtl="0" eaLnBrk="0" fontAlgn="base" latinLnBrk="0" hangingPunct="0">
+              <a:lnSpc>
+                <a:spcPct val="100000"/>
+              </a:lnSpc>
+              <a:spcBef>
+                <a:spcPct val="0"/>
+              </a:spcBef>
+              <a:spcAft>
+                <a:spcPct val="0"/>
+              </a:spcAft>
+              <a:buClrTx/>
+              <a:buSzTx/>
+              <a:buFont typeface="Arial" panose="020B0604020202020204" pitchFamily="34" charset="0"/>
+              <a:buChar char="•"/>
+              <a:tabLst/>
+            </a:pPr>
+            <a:r>
+              <a:rPr lang="en-US" altLang="en-US" sz="1100" b="1" dirty="0">
+                <a:solidFill>
+                  <a:schemeClr val="bg1"/>
+                </a:solidFill>
+                <a:latin typeface="ADLaM Display" panose="02010000000000000000" pitchFamily="2" charset="0"/>
+                <a:ea typeface="ADLaM Display" panose="02010000000000000000" pitchFamily="2" charset="0"/>
+                <a:cs typeface="ADLaM Display" panose="02010000000000000000" pitchFamily="2" charset="0"/>
+              </a:rPr>
+              <a:t>ESC </a:t>
+            </a:r>
+            <a:r>
+              <a:rPr lang="en-US" altLang="en-US" sz="1100" b="1" dirty="0" err="1">
+                <a:solidFill>
+                  <a:schemeClr val="bg1"/>
+                </a:solidFill>
+                <a:latin typeface="ADLaM Display" panose="02010000000000000000" pitchFamily="2" charset="0"/>
+                <a:ea typeface="ADLaM Display" panose="02010000000000000000" pitchFamily="2" charset="0"/>
+                <a:cs typeface="ADLaM Display" panose="02010000000000000000" pitchFamily="2" charset="0"/>
+              </a:rPr>
+              <a:t>toets</a:t>
+            </a:r>
+            <a:r>
+              <a:rPr lang="en-US" altLang="en-US" sz="1100" b="1" dirty="0">
+                <a:solidFill>
+                  <a:schemeClr val="bg1"/>
+                </a:solidFill>
+                <a:latin typeface="ADLaM Display" panose="02010000000000000000" pitchFamily="2" charset="0"/>
+                <a:ea typeface="ADLaM Display" panose="02010000000000000000" pitchFamily="2" charset="0"/>
+                <a:cs typeface="ADLaM Display" panose="02010000000000000000" pitchFamily="2" charset="0"/>
+              </a:rPr>
+              <a:t> om het </a:t>
+            </a:r>
+            <a:r>
+              <a:rPr lang="en-US" altLang="en-US" sz="1100" b="1" dirty="0" err="1">
+                <a:solidFill>
+                  <a:schemeClr val="bg1"/>
+                </a:solidFill>
+                <a:latin typeface="ADLaM Display" panose="02010000000000000000" pitchFamily="2" charset="0"/>
+                <a:ea typeface="ADLaM Display" panose="02010000000000000000" pitchFamily="2" charset="0"/>
+                <a:cs typeface="ADLaM Display" panose="02010000000000000000" pitchFamily="2" charset="0"/>
+              </a:rPr>
+              <a:t>spel</a:t>
+            </a:r>
+            <a:r>
+              <a:rPr lang="en-US" altLang="en-US" sz="1100" b="1" dirty="0">
+                <a:solidFill>
+                  <a:schemeClr val="bg1"/>
+                </a:solidFill>
+                <a:latin typeface="ADLaM Display" panose="02010000000000000000" pitchFamily="2" charset="0"/>
+                <a:ea typeface="ADLaM Display" panose="02010000000000000000" pitchFamily="2" charset="0"/>
+                <a:cs typeface="ADLaM Display" panose="02010000000000000000" pitchFamily="2" charset="0"/>
+              </a:rPr>
+              <a:t> </a:t>
+            </a:r>
+            <a:r>
+              <a:rPr lang="en-US" altLang="en-US" sz="1100" b="1" dirty="0" err="1">
+                <a:solidFill>
+                  <a:schemeClr val="bg1"/>
+                </a:solidFill>
+                <a:latin typeface="ADLaM Display" panose="02010000000000000000" pitchFamily="2" charset="0"/>
+                <a:ea typeface="ADLaM Display" panose="02010000000000000000" pitchFamily="2" charset="0"/>
+                <a:cs typeface="ADLaM Display" panose="02010000000000000000" pitchFamily="2" charset="0"/>
+              </a:rPr>
+              <a:t>te</a:t>
+            </a:r>
+            <a:r>
+              <a:rPr lang="en-US" altLang="en-US" sz="1100" b="1" dirty="0">
+                <a:solidFill>
+                  <a:schemeClr val="bg1"/>
+                </a:solidFill>
+                <a:latin typeface="ADLaM Display" panose="02010000000000000000" pitchFamily="2" charset="0"/>
+                <a:ea typeface="ADLaM Display" panose="02010000000000000000" pitchFamily="2" charset="0"/>
+                <a:cs typeface="ADLaM Display" panose="02010000000000000000" pitchFamily="2" charset="0"/>
+              </a:rPr>
+              <a:t> </a:t>
+            </a:r>
+            <a:r>
+              <a:rPr lang="en-US" altLang="en-US" sz="1100" b="1" dirty="0" err="1">
+                <a:solidFill>
+                  <a:schemeClr val="bg1"/>
+                </a:solidFill>
+                <a:latin typeface="ADLaM Display" panose="02010000000000000000" pitchFamily="2" charset="0"/>
+                <a:ea typeface="ADLaM Display" panose="02010000000000000000" pitchFamily="2" charset="0"/>
+                <a:cs typeface="ADLaM Display" panose="02010000000000000000" pitchFamily="2" charset="0"/>
+              </a:rPr>
+              <a:t>pauzeren</a:t>
+            </a:r>
+            <a:r>
+              <a:rPr lang="en-US" altLang="en-US" sz="1100" b="1" dirty="0">
+                <a:solidFill>
+                  <a:schemeClr val="bg1"/>
+                </a:solidFill>
+                <a:latin typeface="ADLaM Display" panose="02010000000000000000" pitchFamily="2" charset="0"/>
+                <a:ea typeface="ADLaM Display" panose="02010000000000000000" pitchFamily="2" charset="0"/>
+                <a:cs typeface="ADLaM Display" panose="02010000000000000000" pitchFamily="2" charset="0"/>
+              </a:rPr>
+              <a:t>.</a:t>
+            </a:r>
+          </a:p>
+        </p:txBody>
+      </p:sp>
     </p:spTree>
     <p:extLst>
       <p:ext uri="{BB962C8B-B14F-4D97-AF65-F5344CB8AC3E}">
-        <p14:creationId xmlns:p14="http://schemas.microsoft.com/office/powerpoint/2010/main" val="2210881996"/>
+        <p14:creationId xmlns:p14="http://schemas.microsoft.com/office/powerpoint/2010/main" val="3706270797"/>
       </p:ext>
     </p:extLst>
   </p:cSld>
@@ -5264,12 +7094,18 @@
 </p:sld>
 </file>
 
-<file path=ppt/slides/slide5.xml><?xml version="1.0" encoding="utf-8"?>
+<file path=ppt/slides/slide4.xml><?xml version="1.0" encoding="utf-8"?>
 <p:sld xmlns:a="http://schemas.openxmlformats.org/drawingml/2006/main" xmlns:r="http://schemas.openxmlformats.org/officeDocument/2006/relationships" xmlns:p="http://schemas.openxmlformats.org/presentationml/2006/main">
   <p:cSld>
     <p:spTree>
       <p:nvGrpSpPr>
-        <p:cNvPr id="1" name=""/>
+        <p:cNvPr id="1" name="">
+          <a:extLst>
+            <a:ext uri="{FF2B5EF4-FFF2-40B4-BE49-F238E27FC236}">
+              <a16:creationId xmlns:a16="http://schemas.microsoft.com/office/drawing/2014/main" id="{BCA8DE17-0212-692F-40F3-23010197CEF4}"/>
+            </a:ext>
+          </a:extLst>
+        </p:cNvPr>
         <p:cNvGrpSpPr/>
         <p:nvPr/>
       </p:nvGrpSpPr>
@@ -5281,12 +7117,48 @@
           <a:chExt cx="0" cy="0"/>
         </a:xfrm>
       </p:grpSpPr>
-      <p:sp>
-        <p:nvSpPr>
-          <p:cNvPr id="4" name="Tekstvak 3">
-            <a:extLst>
-              <a:ext uri="{FF2B5EF4-FFF2-40B4-BE49-F238E27FC236}">
-                <a16:creationId xmlns:a16="http://schemas.microsoft.com/office/drawing/2014/main" id="{4B608F1C-021B-B660-B40D-DD943DE87BF5}"/>
+      <p:pic>
+        <p:nvPicPr>
+          <p:cNvPr id="11" name="Afbeelding 10" descr="Afbeelding met sinaasappel, Amber, geel, Kleurrijkheid&#10;&#10;Automatisch gegenereerde beschrijving">
+            <a:extLst>
+              <a:ext uri="{FF2B5EF4-FFF2-40B4-BE49-F238E27FC236}">
+                <a16:creationId xmlns:a16="http://schemas.microsoft.com/office/drawing/2014/main" id="{37E57B25-B8AE-E33C-5D95-982153EE7A84}"/>
+              </a:ext>
+            </a:extLst>
+          </p:cNvPr>
+          <p:cNvPicPr>
+            <a:picLocks noChangeAspect="1"/>
+          </p:cNvPicPr>
+          <p:nvPr/>
+        </p:nvPicPr>
+        <p:blipFill>
+          <a:blip r:embed="rId2">
+            <a:extLst>
+              <a:ext uri="{28A0092B-C50C-407E-A947-70E740481C1C}">
+                <a14:useLocalDpi xmlns:a14="http://schemas.microsoft.com/office/drawing/2010/main" val="0"/>
+              </a:ext>
+            </a:extLst>
+          </a:blip>
+          <a:stretch>
+            <a:fillRect/>
+          </a:stretch>
+        </p:blipFill>
+        <p:spPr>
+          <a:xfrm>
+            <a:off x="0" y="0"/>
+            <a:ext cx="12192000" cy="8128000"/>
+          </a:xfrm>
+          <a:prstGeom prst="rect">
+            <a:avLst/>
+          </a:prstGeom>
+        </p:spPr>
+      </p:pic>
+      <p:sp>
+        <p:nvSpPr>
+          <p:cNvPr id="15" name="Tekstvak 14">
+            <a:extLst>
+              <a:ext uri="{FF2B5EF4-FFF2-40B4-BE49-F238E27FC236}">
+                <a16:creationId xmlns:a16="http://schemas.microsoft.com/office/drawing/2014/main" id="{E71F5AD5-EB00-524A-4462-ACD5E43AC76E}"/>
               </a:ext>
             </a:extLst>
           </p:cNvPr>
@@ -5295,8 +7167,8 @@
         </p:nvSpPr>
         <p:spPr>
           <a:xfrm>
-            <a:off x="4501044" y="104504"/>
-            <a:ext cx="3379451" cy="830997"/>
+            <a:off x="5386143" y="1793647"/>
+            <a:ext cx="1419712" cy="369332"/>
           </a:xfrm>
           <a:prstGeom prst="rect">
             <a:avLst/>
@@ -5304,25 +7176,33 @@
           <a:noFill/>
         </p:spPr>
         <p:txBody>
-          <a:bodyPr wrap="none" rtlCol="0">
+          <a:bodyPr wrap="square" rtlCol="0">
             <a:spAutoFit/>
           </a:bodyPr>
           <a:lstStyle/>
           <a:p>
             <a:r>
-              <a:rPr lang="nl-BE" sz="4800" dirty="0"/>
-              <a:t>Spelscherm</a:t>
-            </a:r>
-            <a:endParaRPr lang="nl-BE" dirty="0"/>
-          </a:p>
-        </p:txBody>
-      </p:sp>
-      <p:sp>
-        <p:nvSpPr>
-          <p:cNvPr id="6" name="Rechthoek 5">
-            <a:extLst>
-              <a:ext uri="{FF2B5EF4-FFF2-40B4-BE49-F238E27FC236}">
-                <a16:creationId xmlns:a16="http://schemas.microsoft.com/office/drawing/2014/main" id="{0EEB4674-9743-10E7-09B0-4479B4D9EECE}"/>
+              <a:rPr lang="nl-BE" b="1" dirty="0">
+                <a:latin typeface="ADLaM Display" panose="02010000000000000000" pitchFamily="2" charset="0"/>
+                <a:ea typeface="ADLaM Display" panose="02010000000000000000" pitchFamily="2" charset="0"/>
+                <a:cs typeface="ADLaM Display" panose="02010000000000000000" pitchFamily="2" charset="0"/>
+              </a:rPr>
+              <a:t>Start Spel</a:t>
+            </a:r>
+            <a:endParaRPr lang="en-US" b="1" dirty="0">
+              <a:latin typeface="ADLaM Display" panose="02010000000000000000" pitchFamily="2" charset="0"/>
+              <a:ea typeface="ADLaM Display" panose="02010000000000000000" pitchFamily="2" charset="0"/>
+              <a:cs typeface="ADLaM Display" panose="02010000000000000000" pitchFamily="2" charset="0"/>
+            </a:endParaRPr>
+          </a:p>
+        </p:txBody>
+      </p:sp>
+      <p:sp>
+        <p:nvSpPr>
+          <p:cNvPr id="8" name="Rechthoek 7">
+            <a:extLst>
+              <a:ext uri="{FF2B5EF4-FFF2-40B4-BE49-F238E27FC236}">
+                <a16:creationId xmlns:a16="http://schemas.microsoft.com/office/drawing/2014/main" id="{3916CD34-23D0-BAD8-9C82-7A11066C243D}"/>
               </a:ext>
             </a:extLst>
           </p:cNvPr>
@@ -5331,12 +7211,26 @@
         </p:nvSpPr>
         <p:spPr>
           <a:xfrm>
-            <a:off x="9823269" y="6165669"/>
-            <a:ext cx="1972490" cy="592180"/>
+            <a:off x="-1" y="0"/>
+            <a:ext cx="12192000" cy="527627"/>
           </a:xfrm>
           <a:prstGeom prst="rect">
             <a:avLst/>
           </a:prstGeom>
+          <a:solidFill>
+            <a:schemeClr val="tx1">
+              <a:lumMod val="65000"/>
+              <a:lumOff val="35000"/>
+            </a:schemeClr>
+          </a:solidFill>
+          <a:ln>
+            <a:solidFill>
+              <a:schemeClr val="tx1">
+                <a:lumMod val="95000"/>
+                <a:lumOff val="5000"/>
+              </a:schemeClr>
+            </a:solidFill>
+          </a:ln>
         </p:spPr>
         <p:style>
           <a:lnRef idx="2">
@@ -5359,807 +7253,23 @@
           <a:lstStyle/>
           <a:p>
             <a:pPr algn="ctr"/>
-            <a:r>
-              <a:rPr lang="nl-BE" dirty="0"/>
-              <a:t>Menu</a:t>
-            </a:r>
-          </a:p>
-        </p:txBody>
-      </p:sp>
-      <p:graphicFrame>
-        <p:nvGraphicFramePr>
-          <p:cNvPr id="5" name="Tabel 4">
-            <a:extLst>
-              <a:ext uri="{FF2B5EF4-FFF2-40B4-BE49-F238E27FC236}">
-                <a16:creationId xmlns:a16="http://schemas.microsoft.com/office/drawing/2014/main" id="{45BBC709-ACBA-EEF0-84AB-793230E60998}"/>
-              </a:ext>
-            </a:extLst>
-          </p:cNvPr>
-          <p:cNvGraphicFramePr>
-            <a:graphicFrameLocks noGrp="1"/>
-          </p:cNvGraphicFramePr>
-          <p:nvPr>
-            <p:extLst>
-              <p:ext uri="{D42A27DB-BD31-4B8C-83A1-F6EECF244321}">
-                <p14:modId xmlns:p14="http://schemas.microsoft.com/office/powerpoint/2010/main" val="2066088118"/>
-              </p:ext>
-            </p:extLst>
-          </p:nvPr>
-        </p:nvGraphicFramePr>
-        <p:xfrm>
-          <a:off x="3113741" y="1319617"/>
-          <a:ext cx="6154056" cy="4461936"/>
-        </p:xfrm>
-        <a:graphic>
-          <a:graphicData uri="http://schemas.openxmlformats.org/drawingml/2006/table">
-            <a:tbl>
-              <a:tblPr firstRow="1" bandRow="1">
-                <a:tableStyleId>{5940675A-B579-460E-94D1-54222C63F5DA}</a:tableStyleId>
-              </a:tblPr>
-              <a:tblGrid>
-                <a:gridCol w="769257">
-                  <a:extLst>
-                    <a:ext uri="{9D8B030D-6E8A-4147-A177-3AD203B41FA5}">
-                      <a16:colId xmlns:a16="http://schemas.microsoft.com/office/drawing/2014/main" val="484951223"/>
-                    </a:ext>
-                  </a:extLst>
-                </a:gridCol>
-                <a:gridCol w="769257">
-                  <a:extLst>
-                    <a:ext uri="{9D8B030D-6E8A-4147-A177-3AD203B41FA5}">
-                      <a16:colId xmlns:a16="http://schemas.microsoft.com/office/drawing/2014/main" val="3556777974"/>
-                    </a:ext>
-                  </a:extLst>
-                </a:gridCol>
-                <a:gridCol w="769257">
-                  <a:extLst>
-                    <a:ext uri="{9D8B030D-6E8A-4147-A177-3AD203B41FA5}">
-                      <a16:colId xmlns:a16="http://schemas.microsoft.com/office/drawing/2014/main" val="1306263758"/>
-                    </a:ext>
-                  </a:extLst>
-                </a:gridCol>
-                <a:gridCol w="769257">
-                  <a:extLst>
-                    <a:ext uri="{9D8B030D-6E8A-4147-A177-3AD203B41FA5}">
-                      <a16:colId xmlns:a16="http://schemas.microsoft.com/office/drawing/2014/main" val="797374066"/>
-                    </a:ext>
-                  </a:extLst>
-                </a:gridCol>
-                <a:gridCol w="769257">
-                  <a:extLst>
-                    <a:ext uri="{9D8B030D-6E8A-4147-A177-3AD203B41FA5}">
-                      <a16:colId xmlns:a16="http://schemas.microsoft.com/office/drawing/2014/main" val="1286525302"/>
-                    </a:ext>
-                  </a:extLst>
-                </a:gridCol>
-                <a:gridCol w="769257">
-                  <a:extLst>
-                    <a:ext uri="{9D8B030D-6E8A-4147-A177-3AD203B41FA5}">
-                      <a16:colId xmlns:a16="http://schemas.microsoft.com/office/drawing/2014/main" val="3242648341"/>
-                    </a:ext>
-                  </a:extLst>
-                </a:gridCol>
-                <a:gridCol w="769257">
-                  <a:extLst>
-                    <a:ext uri="{9D8B030D-6E8A-4147-A177-3AD203B41FA5}">
-                      <a16:colId xmlns:a16="http://schemas.microsoft.com/office/drawing/2014/main" val="2109146426"/>
-                    </a:ext>
-                  </a:extLst>
-                </a:gridCol>
-                <a:gridCol w="769257">
-                  <a:extLst>
-                    <a:ext uri="{9D8B030D-6E8A-4147-A177-3AD203B41FA5}">
-                      <a16:colId xmlns:a16="http://schemas.microsoft.com/office/drawing/2014/main" val="3891647966"/>
-                    </a:ext>
-                  </a:extLst>
-                </a:gridCol>
-              </a:tblGrid>
-              <a:tr h="557742">
-                <a:tc>
-                  <a:txBody>
-                    <a:bodyPr/>
-                    <a:lstStyle/>
-                    <a:p>
-                      <a:endParaRPr lang="nl-BE" dirty="0"/>
-                    </a:p>
-                  </a:txBody>
-                  <a:tcPr/>
-                </a:tc>
-                <a:tc>
-                  <a:txBody>
-                    <a:bodyPr/>
-                    <a:lstStyle/>
-                    <a:p>
-                      <a:endParaRPr lang="nl-BE"/>
-                    </a:p>
-                  </a:txBody>
-                  <a:tcPr/>
-                </a:tc>
-                <a:tc>
-                  <a:txBody>
-                    <a:bodyPr/>
-                    <a:lstStyle/>
-                    <a:p>
-                      <a:endParaRPr lang="nl-BE"/>
-                    </a:p>
-                  </a:txBody>
-                  <a:tcPr/>
-                </a:tc>
-                <a:tc>
-                  <a:txBody>
-                    <a:bodyPr/>
-                    <a:lstStyle/>
-                    <a:p>
-                      <a:endParaRPr lang="nl-BE"/>
-                    </a:p>
-                  </a:txBody>
-                  <a:tcPr/>
-                </a:tc>
-                <a:tc>
-                  <a:txBody>
-                    <a:bodyPr/>
-                    <a:lstStyle/>
-                    <a:p>
-                      <a:endParaRPr lang="nl-BE"/>
-                    </a:p>
-                  </a:txBody>
-                  <a:tcPr/>
-                </a:tc>
-                <a:tc>
-                  <a:txBody>
-                    <a:bodyPr/>
-                    <a:lstStyle/>
-                    <a:p>
-                      <a:endParaRPr lang="nl-BE"/>
-                    </a:p>
-                  </a:txBody>
-                  <a:tcPr/>
-                </a:tc>
-                <a:tc>
-                  <a:txBody>
-                    <a:bodyPr/>
-                    <a:lstStyle/>
-                    <a:p>
-                      <a:endParaRPr lang="nl-BE"/>
-                    </a:p>
-                  </a:txBody>
-                  <a:tcPr/>
-                </a:tc>
-                <a:tc>
-                  <a:txBody>
-                    <a:bodyPr/>
-                    <a:lstStyle/>
-                    <a:p>
-                      <a:endParaRPr lang="nl-BE"/>
-                    </a:p>
-                  </a:txBody>
-                  <a:tcPr/>
-                </a:tc>
-                <a:extLst>
-                  <a:ext uri="{0D108BD9-81ED-4DB2-BD59-A6C34878D82A}">
-                    <a16:rowId xmlns:a16="http://schemas.microsoft.com/office/drawing/2014/main" val="4262257428"/>
-                  </a:ext>
-                </a:extLst>
-              </a:tr>
-              <a:tr h="557742">
-                <a:tc>
-                  <a:txBody>
-                    <a:bodyPr/>
-                    <a:lstStyle/>
-                    <a:p>
-                      <a:endParaRPr lang="nl-BE"/>
-                    </a:p>
-                  </a:txBody>
-                  <a:tcPr/>
-                </a:tc>
-                <a:tc>
-                  <a:txBody>
-                    <a:bodyPr/>
-                    <a:lstStyle/>
-                    <a:p>
-                      <a:endParaRPr lang="nl-BE"/>
-                    </a:p>
-                  </a:txBody>
-                  <a:tcPr/>
-                </a:tc>
-                <a:tc>
-                  <a:txBody>
-                    <a:bodyPr/>
-                    <a:lstStyle/>
-                    <a:p>
-                      <a:endParaRPr lang="nl-BE"/>
-                    </a:p>
-                  </a:txBody>
-                  <a:tcPr/>
-                </a:tc>
-                <a:tc>
-                  <a:txBody>
-                    <a:bodyPr/>
-                    <a:lstStyle/>
-                    <a:p>
-                      <a:endParaRPr lang="nl-BE"/>
-                    </a:p>
-                  </a:txBody>
-                  <a:tcPr/>
-                </a:tc>
-                <a:tc>
-                  <a:txBody>
-                    <a:bodyPr/>
-                    <a:lstStyle/>
-                    <a:p>
-                      <a:endParaRPr lang="nl-BE"/>
-                    </a:p>
-                  </a:txBody>
-                  <a:tcPr/>
-                </a:tc>
-                <a:tc>
-                  <a:txBody>
-                    <a:bodyPr/>
-                    <a:lstStyle/>
-                    <a:p>
-                      <a:endParaRPr lang="nl-BE"/>
-                    </a:p>
-                  </a:txBody>
-                  <a:tcPr/>
-                </a:tc>
-                <a:tc>
-                  <a:txBody>
-                    <a:bodyPr/>
-                    <a:lstStyle/>
-                    <a:p>
-                      <a:endParaRPr lang="nl-BE"/>
-                    </a:p>
-                  </a:txBody>
-                  <a:tcPr/>
-                </a:tc>
-                <a:tc>
-                  <a:txBody>
-                    <a:bodyPr/>
-                    <a:lstStyle/>
-                    <a:p>
-                      <a:endParaRPr lang="nl-BE"/>
-                    </a:p>
-                  </a:txBody>
-                  <a:tcPr/>
-                </a:tc>
-                <a:extLst>
-                  <a:ext uri="{0D108BD9-81ED-4DB2-BD59-A6C34878D82A}">
-                    <a16:rowId xmlns:a16="http://schemas.microsoft.com/office/drawing/2014/main" val="3741051897"/>
-                  </a:ext>
-                </a:extLst>
-              </a:tr>
-              <a:tr h="557742">
-                <a:tc>
-                  <a:txBody>
-                    <a:bodyPr/>
-                    <a:lstStyle/>
-                    <a:p>
-                      <a:endParaRPr lang="nl-BE"/>
-                    </a:p>
-                  </a:txBody>
-                  <a:tcPr/>
-                </a:tc>
-                <a:tc>
-                  <a:txBody>
-                    <a:bodyPr/>
-                    <a:lstStyle/>
-                    <a:p>
-                      <a:endParaRPr lang="nl-BE"/>
-                    </a:p>
-                  </a:txBody>
-                  <a:tcPr/>
-                </a:tc>
-                <a:tc>
-                  <a:txBody>
-                    <a:bodyPr/>
-                    <a:lstStyle/>
-                    <a:p>
-                      <a:endParaRPr lang="nl-BE"/>
-                    </a:p>
-                  </a:txBody>
-                  <a:tcPr/>
-                </a:tc>
-                <a:tc>
-                  <a:txBody>
-                    <a:bodyPr/>
-                    <a:lstStyle/>
-                    <a:p>
-                      <a:endParaRPr lang="nl-BE" dirty="0"/>
-                    </a:p>
-                  </a:txBody>
-                  <a:tcPr/>
-                </a:tc>
-                <a:tc>
-                  <a:txBody>
-                    <a:bodyPr/>
-                    <a:lstStyle/>
-                    <a:p>
-                      <a:endParaRPr lang="nl-BE"/>
-                    </a:p>
-                  </a:txBody>
-                  <a:tcPr/>
-                </a:tc>
-                <a:tc>
-                  <a:txBody>
-                    <a:bodyPr/>
-                    <a:lstStyle/>
-                    <a:p>
-                      <a:endParaRPr lang="nl-BE"/>
-                    </a:p>
-                  </a:txBody>
-                  <a:tcPr/>
-                </a:tc>
-                <a:tc>
-                  <a:txBody>
-                    <a:bodyPr/>
-                    <a:lstStyle/>
-                    <a:p>
-                      <a:endParaRPr lang="nl-BE"/>
-                    </a:p>
-                  </a:txBody>
-                  <a:tcPr/>
-                </a:tc>
-                <a:tc>
-                  <a:txBody>
-                    <a:bodyPr/>
-                    <a:lstStyle/>
-                    <a:p>
-                      <a:endParaRPr lang="nl-BE"/>
-                    </a:p>
-                  </a:txBody>
-                  <a:tcPr/>
-                </a:tc>
-                <a:extLst>
-                  <a:ext uri="{0D108BD9-81ED-4DB2-BD59-A6C34878D82A}">
-                    <a16:rowId xmlns:a16="http://schemas.microsoft.com/office/drawing/2014/main" val="4086781697"/>
-                  </a:ext>
-                </a:extLst>
-              </a:tr>
-              <a:tr h="557742">
-                <a:tc>
-                  <a:txBody>
-                    <a:bodyPr/>
-                    <a:lstStyle/>
-                    <a:p>
-                      <a:endParaRPr lang="nl-BE"/>
-                    </a:p>
-                  </a:txBody>
-                  <a:tcPr/>
-                </a:tc>
-                <a:tc>
-                  <a:txBody>
-                    <a:bodyPr/>
-                    <a:lstStyle/>
-                    <a:p>
-                      <a:endParaRPr lang="nl-BE"/>
-                    </a:p>
-                  </a:txBody>
-                  <a:tcPr/>
-                </a:tc>
-                <a:tc>
-                  <a:txBody>
-                    <a:bodyPr/>
-                    <a:lstStyle/>
-                    <a:p>
-                      <a:endParaRPr lang="nl-BE"/>
-                    </a:p>
-                  </a:txBody>
-                  <a:tcPr/>
-                </a:tc>
-                <a:tc>
-                  <a:txBody>
-                    <a:bodyPr/>
-                    <a:lstStyle/>
-                    <a:p>
-                      <a:endParaRPr lang="nl-BE"/>
-                    </a:p>
-                  </a:txBody>
-                  <a:tcPr/>
-                </a:tc>
-                <a:tc>
-                  <a:txBody>
-                    <a:bodyPr/>
-                    <a:lstStyle/>
-                    <a:p>
-                      <a:endParaRPr lang="nl-BE"/>
-                    </a:p>
-                  </a:txBody>
-                  <a:tcPr/>
-                </a:tc>
-                <a:tc>
-                  <a:txBody>
-                    <a:bodyPr/>
-                    <a:lstStyle/>
-                    <a:p>
-                      <a:endParaRPr lang="nl-BE"/>
-                    </a:p>
-                  </a:txBody>
-                  <a:tcPr/>
-                </a:tc>
-                <a:tc>
-                  <a:txBody>
-                    <a:bodyPr/>
-                    <a:lstStyle/>
-                    <a:p>
-                      <a:endParaRPr lang="nl-BE"/>
-                    </a:p>
-                  </a:txBody>
-                  <a:tcPr/>
-                </a:tc>
-                <a:tc>
-                  <a:txBody>
-                    <a:bodyPr/>
-                    <a:lstStyle/>
-                    <a:p>
-                      <a:endParaRPr lang="nl-BE"/>
-                    </a:p>
-                  </a:txBody>
-                  <a:tcPr/>
-                </a:tc>
-                <a:extLst>
-                  <a:ext uri="{0D108BD9-81ED-4DB2-BD59-A6C34878D82A}">
-                    <a16:rowId xmlns:a16="http://schemas.microsoft.com/office/drawing/2014/main" val="2203921509"/>
-                  </a:ext>
-                </a:extLst>
-              </a:tr>
-              <a:tr h="557742">
-                <a:tc>
-                  <a:txBody>
-                    <a:bodyPr/>
-                    <a:lstStyle/>
-                    <a:p>
-                      <a:endParaRPr lang="nl-BE"/>
-                    </a:p>
-                  </a:txBody>
-                  <a:tcPr/>
-                </a:tc>
-                <a:tc>
-                  <a:txBody>
-                    <a:bodyPr/>
-                    <a:lstStyle/>
-                    <a:p>
-                      <a:endParaRPr lang="nl-BE"/>
-                    </a:p>
-                  </a:txBody>
-                  <a:tcPr/>
-                </a:tc>
-                <a:tc>
-                  <a:txBody>
-                    <a:bodyPr/>
-                    <a:lstStyle/>
-                    <a:p>
-                      <a:endParaRPr lang="nl-BE"/>
-                    </a:p>
-                  </a:txBody>
-                  <a:tcPr/>
-                </a:tc>
-                <a:tc>
-                  <a:txBody>
-                    <a:bodyPr/>
-                    <a:lstStyle/>
-                    <a:p>
-                      <a:endParaRPr lang="nl-BE"/>
-                    </a:p>
-                  </a:txBody>
-                  <a:tcPr/>
-                </a:tc>
-                <a:tc>
-                  <a:txBody>
-                    <a:bodyPr/>
-                    <a:lstStyle/>
-                    <a:p>
-                      <a:endParaRPr lang="nl-BE" dirty="0"/>
-                    </a:p>
-                  </a:txBody>
-                  <a:tcPr/>
-                </a:tc>
-                <a:tc>
-                  <a:txBody>
-                    <a:bodyPr/>
-                    <a:lstStyle/>
-                    <a:p>
-                      <a:endParaRPr lang="nl-BE" dirty="0"/>
-                    </a:p>
-                  </a:txBody>
-                  <a:tcPr/>
-                </a:tc>
-                <a:tc>
-                  <a:txBody>
-                    <a:bodyPr/>
-                    <a:lstStyle/>
-                    <a:p>
-                      <a:endParaRPr lang="nl-BE"/>
-                    </a:p>
-                  </a:txBody>
-                  <a:tcPr/>
-                </a:tc>
-                <a:tc>
-                  <a:txBody>
-                    <a:bodyPr/>
-                    <a:lstStyle/>
-                    <a:p>
-                      <a:endParaRPr lang="nl-BE"/>
-                    </a:p>
-                  </a:txBody>
-                  <a:tcPr/>
-                </a:tc>
-                <a:extLst>
-                  <a:ext uri="{0D108BD9-81ED-4DB2-BD59-A6C34878D82A}">
-                    <a16:rowId xmlns:a16="http://schemas.microsoft.com/office/drawing/2014/main" val="3460126610"/>
-                  </a:ext>
-                </a:extLst>
-              </a:tr>
-              <a:tr h="557742">
-                <a:tc>
-                  <a:txBody>
-                    <a:bodyPr/>
-                    <a:lstStyle/>
-                    <a:p>
-                      <a:endParaRPr lang="nl-BE"/>
-                    </a:p>
-                  </a:txBody>
-                  <a:tcPr/>
-                </a:tc>
-                <a:tc>
-                  <a:txBody>
-                    <a:bodyPr/>
-                    <a:lstStyle/>
-                    <a:p>
-                      <a:endParaRPr lang="nl-BE"/>
-                    </a:p>
-                  </a:txBody>
-                  <a:tcPr/>
-                </a:tc>
-                <a:tc>
-                  <a:txBody>
-                    <a:bodyPr/>
-                    <a:lstStyle/>
-                    <a:p>
-                      <a:endParaRPr lang="nl-BE"/>
-                    </a:p>
-                  </a:txBody>
-                  <a:tcPr/>
-                </a:tc>
-                <a:tc>
-                  <a:txBody>
-                    <a:bodyPr/>
-                    <a:lstStyle/>
-                    <a:p>
-                      <a:endParaRPr lang="nl-BE"/>
-                    </a:p>
-                  </a:txBody>
-                  <a:tcPr/>
-                </a:tc>
-                <a:tc>
-                  <a:txBody>
-                    <a:bodyPr/>
-                    <a:lstStyle/>
-                    <a:p>
-                      <a:endParaRPr lang="nl-BE"/>
-                    </a:p>
-                  </a:txBody>
-                  <a:tcPr/>
-                </a:tc>
-                <a:tc>
-                  <a:txBody>
-                    <a:bodyPr/>
-                    <a:lstStyle/>
-                    <a:p>
-                      <a:endParaRPr lang="nl-BE" dirty="0"/>
-                    </a:p>
-                  </a:txBody>
-                  <a:tcPr/>
-                </a:tc>
-                <a:tc>
-                  <a:txBody>
-                    <a:bodyPr/>
-                    <a:lstStyle/>
-                    <a:p>
-                      <a:endParaRPr lang="nl-BE"/>
-                    </a:p>
-                  </a:txBody>
-                  <a:tcPr/>
-                </a:tc>
-                <a:tc>
-                  <a:txBody>
-                    <a:bodyPr/>
-                    <a:lstStyle/>
-                    <a:p>
-                      <a:endParaRPr lang="nl-BE"/>
-                    </a:p>
-                  </a:txBody>
-                  <a:tcPr/>
-                </a:tc>
-                <a:extLst>
-                  <a:ext uri="{0D108BD9-81ED-4DB2-BD59-A6C34878D82A}">
-                    <a16:rowId xmlns:a16="http://schemas.microsoft.com/office/drawing/2014/main" val="75933269"/>
-                  </a:ext>
-                </a:extLst>
-              </a:tr>
-              <a:tr h="557742">
-                <a:tc>
-                  <a:txBody>
-                    <a:bodyPr/>
-                    <a:lstStyle/>
-                    <a:p>
-                      <a:endParaRPr lang="nl-BE"/>
-                    </a:p>
-                  </a:txBody>
-                  <a:tcPr/>
-                </a:tc>
-                <a:tc>
-                  <a:txBody>
-                    <a:bodyPr/>
-                    <a:lstStyle/>
-                    <a:p>
-                      <a:endParaRPr lang="nl-BE"/>
-                    </a:p>
-                  </a:txBody>
-                  <a:tcPr/>
-                </a:tc>
-                <a:tc>
-                  <a:txBody>
-                    <a:bodyPr/>
-                    <a:lstStyle/>
-                    <a:p>
-                      <a:endParaRPr lang="nl-BE"/>
-                    </a:p>
-                  </a:txBody>
-                  <a:tcPr/>
-                </a:tc>
-                <a:tc>
-                  <a:txBody>
-                    <a:bodyPr/>
-                    <a:lstStyle/>
-                    <a:p>
-                      <a:endParaRPr lang="nl-BE"/>
-                    </a:p>
-                  </a:txBody>
-                  <a:tcPr/>
-                </a:tc>
-                <a:tc>
-                  <a:txBody>
-                    <a:bodyPr/>
-                    <a:lstStyle/>
-                    <a:p>
-                      <a:endParaRPr lang="nl-BE"/>
-                    </a:p>
-                  </a:txBody>
-                  <a:tcPr/>
-                </a:tc>
-                <a:tc>
-                  <a:txBody>
-                    <a:bodyPr/>
-                    <a:lstStyle/>
-                    <a:p>
-                      <a:endParaRPr lang="nl-BE" dirty="0"/>
-                    </a:p>
-                  </a:txBody>
-                  <a:tcPr/>
-                </a:tc>
-                <a:tc>
-                  <a:txBody>
-                    <a:bodyPr/>
-                    <a:lstStyle/>
-                    <a:p>
-                      <a:endParaRPr lang="nl-BE" dirty="0"/>
-                    </a:p>
-                  </a:txBody>
-                  <a:tcPr/>
-                </a:tc>
-                <a:tc>
-                  <a:txBody>
-                    <a:bodyPr/>
-                    <a:lstStyle/>
-                    <a:p>
-                      <a:endParaRPr lang="nl-BE"/>
-                    </a:p>
-                  </a:txBody>
-                  <a:tcPr/>
-                </a:tc>
-                <a:extLst>
-                  <a:ext uri="{0D108BD9-81ED-4DB2-BD59-A6C34878D82A}">
-                    <a16:rowId xmlns:a16="http://schemas.microsoft.com/office/drawing/2014/main" val="2630036312"/>
-                  </a:ext>
-                </a:extLst>
-              </a:tr>
-              <a:tr h="557742">
-                <a:tc>
-                  <a:txBody>
-                    <a:bodyPr/>
-                    <a:lstStyle/>
-                    <a:p>
-                      <a:endParaRPr lang="nl-BE"/>
-                    </a:p>
-                  </a:txBody>
-                  <a:tcPr/>
-                </a:tc>
-                <a:tc>
-                  <a:txBody>
-                    <a:bodyPr/>
-                    <a:lstStyle/>
-                    <a:p>
-                      <a:endParaRPr lang="nl-BE"/>
-                    </a:p>
-                  </a:txBody>
-                  <a:tcPr/>
-                </a:tc>
-                <a:tc>
-                  <a:txBody>
-                    <a:bodyPr/>
-                    <a:lstStyle/>
-                    <a:p>
-                      <a:endParaRPr lang="nl-BE"/>
-                    </a:p>
-                  </a:txBody>
-                  <a:tcPr/>
-                </a:tc>
-                <a:tc>
-                  <a:txBody>
-                    <a:bodyPr/>
-                    <a:lstStyle/>
-                    <a:p>
-                      <a:endParaRPr lang="nl-BE"/>
-                    </a:p>
-                  </a:txBody>
-                  <a:tcPr/>
-                </a:tc>
-                <a:tc>
-                  <a:txBody>
-                    <a:bodyPr/>
-                    <a:lstStyle/>
-                    <a:p>
-                      <a:endParaRPr lang="nl-BE"/>
-                    </a:p>
-                  </a:txBody>
-                  <a:tcPr/>
-                </a:tc>
-                <a:tc>
-                  <a:txBody>
-                    <a:bodyPr/>
-                    <a:lstStyle/>
-                    <a:p>
-                      <a:endParaRPr lang="nl-BE" dirty="0"/>
-                    </a:p>
-                  </a:txBody>
-                  <a:tcPr/>
-                </a:tc>
-                <a:tc>
-                  <a:txBody>
-                    <a:bodyPr/>
-                    <a:lstStyle/>
-                    <a:p>
-                      <a:endParaRPr lang="nl-BE" dirty="0"/>
-                    </a:p>
-                  </a:txBody>
-                  <a:tcPr/>
-                </a:tc>
-                <a:tc>
-                  <a:txBody>
-                    <a:bodyPr/>
-                    <a:lstStyle/>
-                    <a:p>
-                      <a:endParaRPr lang="nl-BE" dirty="0"/>
-                    </a:p>
-                  </a:txBody>
-                  <a:tcPr/>
-                </a:tc>
-                <a:extLst>
-                  <a:ext uri="{0D108BD9-81ED-4DB2-BD59-A6C34878D82A}">
-                    <a16:rowId xmlns:a16="http://schemas.microsoft.com/office/drawing/2014/main" val="1760443908"/>
-                  </a:ext>
-                </a:extLst>
-              </a:tr>
-            </a:tbl>
-          </a:graphicData>
-        </a:graphic>
-      </p:graphicFrame>
-      <p:sp>
-        <p:nvSpPr>
-          <p:cNvPr id="16" name="Tekstvak 15">
-            <a:extLst>
-              <a:ext uri="{FF2B5EF4-FFF2-40B4-BE49-F238E27FC236}">
-                <a16:creationId xmlns:a16="http://schemas.microsoft.com/office/drawing/2014/main" id="{2B65B75D-45A0-27CA-46A9-209509EC236E}"/>
+            <a:endParaRPr lang="nl-BE" b="1" dirty="0">
+              <a:solidFill>
+                <a:schemeClr val="bg1"/>
+              </a:solidFill>
+              <a:latin typeface="ADLaM Display" panose="02010000000000000000" pitchFamily="2" charset="0"/>
+              <a:ea typeface="ADLaM Display" panose="02010000000000000000" pitchFamily="2" charset="0"/>
+              <a:cs typeface="ADLaM Display" panose="02010000000000000000" pitchFamily="2" charset="0"/>
+            </a:endParaRPr>
+          </a:p>
+        </p:txBody>
+      </p:sp>
+      <p:sp>
+        <p:nvSpPr>
+          <p:cNvPr id="9" name="Tekstvak 8">
+            <a:extLst>
+              <a:ext uri="{FF2B5EF4-FFF2-40B4-BE49-F238E27FC236}">
+                <a16:creationId xmlns:a16="http://schemas.microsoft.com/office/drawing/2014/main" id="{74DDC656-D062-C376-8E98-6F9698F45A4E}"/>
               </a:ext>
             </a:extLst>
           </p:cNvPr>
@@ -6168,8 +7278,8 @@
         </p:nvSpPr>
         <p:spPr>
           <a:xfrm>
-            <a:off x="142404" y="1109168"/>
-            <a:ext cx="3749744" cy="584775"/>
+            <a:off x="125895" y="79147"/>
+            <a:ext cx="834887" cy="369332"/>
           </a:xfrm>
           <a:prstGeom prst="rect">
             <a:avLst/>
@@ -6177,25 +7287,165 @@
           <a:noFill/>
         </p:spPr>
         <p:txBody>
-          <a:bodyPr wrap="none" rtlCol="0">
+          <a:bodyPr wrap="square" rtlCol="0">
             <a:spAutoFit/>
           </a:bodyPr>
           <a:lstStyle/>
           <a:p>
             <a:r>
-              <a:rPr lang="nl-BE" sz="3200" dirty="0"/>
-              <a:t>Speler aan de beurt:</a:t>
-            </a:r>
-            <a:endParaRPr lang="nl-BE" sz="1100" dirty="0"/>
-          </a:p>
-        </p:txBody>
-      </p:sp>
-      <p:sp>
-        <p:nvSpPr>
-          <p:cNvPr id="18" name="Tekstvak 17">
-            <a:extLst>
-              <a:ext uri="{FF2B5EF4-FFF2-40B4-BE49-F238E27FC236}">
-                <a16:creationId xmlns:a16="http://schemas.microsoft.com/office/drawing/2014/main" id="{BA2FF9D5-7808-C91E-E084-55255FF88882}"/>
+              <a:rPr lang="nl-BE" b="1" dirty="0">
+                <a:solidFill>
+                  <a:schemeClr val="bg1"/>
+                </a:solidFill>
+                <a:latin typeface="ADLaM Display" panose="02010000000000000000" pitchFamily="2" charset="0"/>
+                <a:ea typeface="ADLaM Display" panose="02010000000000000000" pitchFamily="2" charset="0"/>
+                <a:cs typeface="ADLaM Display" panose="02010000000000000000" pitchFamily="2" charset="0"/>
+              </a:rPr>
+              <a:t>Hulp</a:t>
+            </a:r>
+            <a:endParaRPr lang="en-US" b="1" dirty="0">
+              <a:solidFill>
+                <a:schemeClr val="bg1"/>
+              </a:solidFill>
+              <a:latin typeface="ADLaM Display" panose="02010000000000000000" pitchFamily="2" charset="0"/>
+              <a:ea typeface="ADLaM Display" panose="02010000000000000000" pitchFamily="2" charset="0"/>
+              <a:cs typeface="ADLaM Display" panose="02010000000000000000" pitchFamily="2" charset="0"/>
+            </a:endParaRPr>
+          </a:p>
+        </p:txBody>
+      </p:sp>
+      <p:sp>
+        <p:nvSpPr>
+          <p:cNvPr id="10" name="Rechthoek 9">
+            <a:extLst>
+              <a:ext uri="{FF2B5EF4-FFF2-40B4-BE49-F238E27FC236}">
+                <a16:creationId xmlns:a16="http://schemas.microsoft.com/office/drawing/2014/main" id="{27448A6A-0332-36CD-BC16-E3803E2F1F35}"/>
+              </a:ext>
+            </a:extLst>
+          </p:cNvPr>
+          <p:cNvSpPr/>
+          <p:nvPr/>
+        </p:nvSpPr>
+        <p:spPr>
+          <a:xfrm>
+            <a:off x="125895" y="527626"/>
+            <a:ext cx="1401563" cy="527627"/>
+          </a:xfrm>
+          <a:prstGeom prst="rect">
+            <a:avLst/>
+          </a:prstGeom>
+          <a:solidFill>
+            <a:schemeClr val="bg1"/>
+          </a:solidFill>
+          <a:ln>
+            <a:solidFill>
+              <a:schemeClr val="bg1">
+                <a:lumMod val="85000"/>
+              </a:schemeClr>
+            </a:solidFill>
+          </a:ln>
+        </p:spPr>
+        <p:style>
+          <a:lnRef idx="2">
+            <a:schemeClr val="accent1">
+              <a:shade val="15000"/>
+            </a:schemeClr>
+          </a:lnRef>
+          <a:fillRef idx="1">
+            <a:schemeClr val="accent1"/>
+          </a:fillRef>
+          <a:effectRef idx="0">
+            <a:schemeClr val="accent1"/>
+          </a:effectRef>
+          <a:fontRef idx="minor">
+            <a:schemeClr val="lt1"/>
+          </a:fontRef>
+        </p:style>
+        <p:txBody>
+          <a:bodyPr rtlCol="0" anchor="ctr"/>
+          <a:lstStyle/>
+          <a:p>
+            <a:pPr algn="ctr"/>
+            <a:endParaRPr lang="nl-BE" b="1" dirty="0">
+              <a:solidFill>
+                <a:schemeClr val="bg1"/>
+              </a:solidFill>
+              <a:latin typeface="ADLaM Display" panose="02010000000000000000" pitchFamily="2" charset="0"/>
+              <a:ea typeface="ADLaM Display" panose="02010000000000000000" pitchFamily="2" charset="0"/>
+              <a:cs typeface="ADLaM Display" panose="02010000000000000000" pitchFamily="2" charset="0"/>
+            </a:endParaRPr>
+          </a:p>
+        </p:txBody>
+      </p:sp>
+      <p:sp>
+        <p:nvSpPr>
+          <p:cNvPr id="16" name="Rechthoek 15">
+            <a:extLst>
+              <a:ext uri="{FF2B5EF4-FFF2-40B4-BE49-F238E27FC236}">
+                <a16:creationId xmlns:a16="http://schemas.microsoft.com/office/drawing/2014/main" id="{D761D93B-4BB9-AB5C-977A-C498073BB616}"/>
+              </a:ext>
+            </a:extLst>
+          </p:cNvPr>
+          <p:cNvSpPr/>
+          <p:nvPr/>
+        </p:nvSpPr>
+        <p:spPr>
+          <a:xfrm>
+            <a:off x="125895" y="1055253"/>
+            <a:ext cx="1401563" cy="527627"/>
+          </a:xfrm>
+          <a:prstGeom prst="rect">
+            <a:avLst/>
+          </a:prstGeom>
+          <a:solidFill>
+            <a:schemeClr val="bg1"/>
+          </a:solidFill>
+          <a:ln>
+            <a:solidFill>
+              <a:schemeClr val="bg1">
+                <a:lumMod val="85000"/>
+              </a:schemeClr>
+            </a:solidFill>
+          </a:ln>
+        </p:spPr>
+        <p:style>
+          <a:lnRef idx="2">
+            <a:schemeClr val="accent1">
+              <a:shade val="15000"/>
+            </a:schemeClr>
+          </a:lnRef>
+          <a:fillRef idx="1">
+            <a:schemeClr val="accent1"/>
+          </a:fillRef>
+          <a:effectRef idx="0">
+            <a:schemeClr val="accent1"/>
+          </a:effectRef>
+          <a:fontRef idx="minor">
+            <a:schemeClr val="lt1"/>
+          </a:fontRef>
+        </p:style>
+        <p:txBody>
+          <a:bodyPr rtlCol="0" anchor="ctr"/>
+          <a:lstStyle/>
+          <a:p>
+            <a:pPr algn="ctr"/>
+            <a:endParaRPr lang="nl-BE" b="1" dirty="0">
+              <a:solidFill>
+                <a:schemeClr val="bg1"/>
+              </a:solidFill>
+              <a:latin typeface="ADLaM Display" panose="02010000000000000000" pitchFamily="2" charset="0"/>
+              <a:ea typeface="ADLaM Display" panose="02010000000000000000" pitchFamily="2" charset="0"/>
+              <a:cs typeface="ADLaM Display" panose="02010000000000000000" pitchFamily="2" charset="0"/>
+            </a:endParaRPr>
+          </a:p>
+        </p:txBody>
+      </p:sp>
+      <p:sp>
+        <p:nvSpPr>
+          <p:cNvPr id="17" name="Tekstvak 16">
+            <a:extLst>
+              <a:ext uri="{FF2B5EF4-FFF2-40B4-BE49-F238E27FC236}">
+                <a16:creationId xmlns:a16="http://schemas.microsoft.com/office/drawing/2014/main" id="{B3EDD477-75E7-09AD-4225-5407B52C5287}"/>
               </a:ext>
             </a:extLst>
           </p:cNvPr>
@@ -6204,8 +7454,8 @@
         </p:nvSpPr>
         <p:spPr>
           <a:xfrm>
-            <a:off x="142404" y="1693943"/>
-            <a:ext cx="1628972" cy="584775"/>
+            <a:off x="125895" y="1118322"/>
+            <a:ext cx="1608554" cy="369332"/>
           </a:xfrm>
           <a:prstGeom prst="rect">
             <a:avLst/>
@@ -6213,25 +7463,33 @@
           <a:noFill/>
         </p:spPr>
         <p:txBody>
-          <a:bodyPr wrap="none" rtlCol="0">
+          <a:bodyPr wrap="square" rtlCol="0">
             <a:spAutoFit/>
           </a:bodyPr>
           <a:lstStyle/>
           <a:p>
             <a:r>
-              <a:rPr lang="nl-BE" sz="3200" dirty="0"/>
-              <a:t>Speler 1</a:t>
-            </a:r>
-            <a:endParaRPr lang="nl-BE" sz="1100" dirty="0"/>
-          </a:p>
-        </p:txBody>
-      </p:sp>
-      <p:sp>
-        <p:nvSpPr>
-          <p:cNvPr id="19" name="Tekstvak 18">
-            <a:extLst>
-              <a:ext uri="{FF2B5EF4-FFF2-40B4-BE49-F238E27FC236}">
-                <a16:creationId xmlns:a16="http://schemas.microsoft.com/office/drawing/2014/main" id="{579F20C1-0C30-25BB-7E1E-3FD447573C17}"/>
+              <a:rPr lang="nl-BE" b="1" dirty="0">
+                <a:latin typeface="ADLaM Display" panose="02010000000000000000" pitchFamily="2" charset="0"/>
+                <a:ea typeface="ADLaM Display" panose="02010000000000000000" pitchFamily="2" charset="0"/>
+                <a:cs typeface="ADLaM Display" panose="02010000000000000000" pitchFamily="2" charset="0"/>
+              </a:rPr>
+              <a:t>Instellingen</a:t>
+            </a:r>
+            <a:endParaRPr lang="en-US" b="1" dirty="0">
+              <a:latin typeface="ADLaM Display" panose="02010000000000000000" pitchFamily="2" charset="0"/>
+              <a:ea typeface="ADLaM Display" panose="02010000000000000000" pitchFamily="2" charset="0"/>
+              <a:cs typeface="ADLaM Display" panose="02010000000000000000" pitchFamily="2" charset="0"/>
+            </a:endParaRPr>
+          </a:p>
+        </p:txBody>
+      </p:sp>
+      <p:sp>
+        <p:nvSpPr>
+          <p:cNvPr id="18" name="Tekstvak 17">
+            <a:extLst>
+              <a:ext uri="{FF2B5EF4-FFF2-40B4-BE49-F238E27FC236}">
+                <a16:creationId xmlns:a16="http://schemas.microsoft.com/office/drawing/2014/main" id="{A817B5AC-43C4-A65E-30E7-EE135C4826BE}"/>
               </a:ext>
             </a:extLst>
           </p:cNvPr>
@@ -6240,8 +7498,8 @@
         </p:nvSpPr>
         <p:spPr>
           <a:xfrm>
-            <a:off x="142404" y="5245995"/>
-            <a:ext cx="2700547" cy="584775"/>
+            <a:off x="125895" y="608222"/>
+            <a:ext cx="1608554" cy="369332"/>
           </a:xfrm>
           <a:prstGeom prst="rect">
             <a:avLst/>
@@ -6249,25 +7507,97 @@
           <a:noFill/>
         </p:spPr>
         <p:txBody>
-          <a:bodyPr wrap="none" rtlCol="0">
+          <a:bodyPr wrap="square" rtlCol="0">
             <a:spAutoFit/>
           </a:bodyPr>
           <a:lstStyle/>
           <a:p>
             <a:r>
-              <a:rPr lang="nl-BE" sz="3200" dirty="0"/>
-              <a:t>Score speler 1</a:t>
-            </a:r>
-            <a:endParaRPr lang="nl-BE" sz="1100" dirty="0"/>
-          </a:p>
-        </p:txBody>
-      </p:sp>
-      <p:sp>
-        <p:nvSpPr>
-          <p:cNvPr id="20" name="Tekstvak 19">
-            <a:extLst>
-              <a:ext uri="{FF2B5EF4-FFF2-40B4-BE49-F238E27FC236}">
-                <a16:creationId xmlns:a16="http://schemas.microsoft.com/office/drawing/2014/main" id="{08640C7A-7E58-300F-BD67-0AD3FC460268}"/>
+              <a:rPr lang="nl-BE" b="1" dirty="0">
+                <a:latin typeface="ADLaM Display" panose="02010000000000000000" pitchFamily="2" charset="0"/>
+                <a:ea typeface="ADLaM Display" panose="02010000000000000000" pitchFamily="2" charset="0"/>
+                <a:cs typeface="ADLaM Display" panose="02010000000000000000" pitchFamily="2" charset="0"/>
+              </a:rPr>
+              <a:t>Afsluiten</a:t>
+            </a:r>
+            <a:endParaRPr lang="en-US" b="1" dirty="0">
+              <a:latin typeface="ADLaM Display" panose="02010000000000000000" pitchFamily="2" charset="0"/>
+              <a:ea typeface="ADLaM Display" panose="02010000000000000000" pitchFamily="2" charset="0"/>
+              <a:cs typeface="ADLaM Display" panose="02010000000000000000" pitchFamily="2" charset="0"/>
+            </a:endParaRPr>
+          </a:p>
+        </p:txBody>
+      </p:sp>
+      <p:sp>
+        <p:nvSpPr>
+          <p:cNvPr id="2" name="Rechthoek 1">
+            <a:extLst>
+              <a:ext uri="{FF2B5EF4-FFF2-40B4-BE49-F238E27FC236}">
+                <a16:creationId xmlns:a16="http://schemas.microsoft.com/office/drawing/2014/main" id="{261C186C-B0E2-A366-AD13-42A124546EF9}"/>
+              </a:ext>
+            </a:extLst>
+          </p:cNvPr>
+          <p:cNvSpPr/>
+          <p:nvPr/>
+        </p:nvSpPr>
+        <p:spPr>
+          <a:xfrm>
+            <a:off x="10150880" y="6360982"/>
+            <a:ext cx="2041119" cy="527627"/>
+          </a:xfrm>
+          <a:prstGeom prst="rect">
+            <a:avLst/>
+          </a:prstGeom>
+          <a:solidFill>
+            <a:schemeClr val="accent2"/>
+          </a:solidFill>
+          <a:ln>
+            <a:solidFill>
+              <a:schemeClr val="accent2"/>
+            </a:solidFill>
+          </a:ln>
+        </p:spPr>
+        <p:style>
+          <a:lnRef idx="2">
+            <a:schemeClr val="accent1">
+              <a:shade val="15000"/>
+            </a:schemeClr>
+          </a:lnRef>
+          <a:fillRef idx="1">
+            <a:schemeClr val="accent1"/>
+          </a:fillRef>
+          <a:effectRef idx="0">
+            <a:schemeClr val="accent1"/>
+          </a:effectRef>
+          <a:fontRef idx="minor">
+            <a:schemeClr val="lt1"/>
+          </a:fontRef>
+        </p:style>
+        <p:txBody>
+          <a:bodyPr rtlCol="0" anchor="ctr"/>
+          <a:lstStyle/>
+          <a:p>
+            <a:pPr algn="ctr"/>
+            <a:r>
+              <a:rPr lang="nl-BE" b="1" dirty="0">
+                <a:solidFill>
+                  <a:schemeClr val="bg1"/>
+                </a:solidFill>
+                <a:latin typeface="ADLaM Display" panose="02010000000000000000" pitchFamily="2" charset="0"/>
+                <a:ea typeface="ADLaM Display" panose="02010000000000000000" pitchFamily="2" charset="0"/>
+                <a:cs typeface="ADLaM Display" panose="02010000000000000000" pitchFamily="2" charset="0"/>
+              </a:rPr>
+              <a:t>Home</a:t>
+            </a:r>
+          </a:p>
+        </p:txBody>
+      </p:sp>
+      <p:sp>
+        <p:nvSpPr>
+          <p:cNvPr id="4" name="Tekstvak 3">
+            <a:extLst>
+              <a:ext uri="{FF2B5EF4-FFF2-40B4-BE49-F238E27FC236}">
+                <a16:creationId xmlns:a16="http://schemas.microsoft.com/office/drawing/2014/main" id="{07D4D18F-2697-AF8C-02A1-3241FF0DA360}"/>
               </a:ext>
             </a:extLst>
           </p:cNvPr>
@@ -6276,8 +7606,8 @@
         </p:nvSpPr>
         <p:spPr>
           <a:xfrm>
-            <a:off x="9349049" y="5196778"/>
-            <a:ext cx="2700547" cy="584775"/>
+            <a:off x="4469876" y="3090445"/>
+            <a:ext cx="1355036" cy="307777"/>
           </a:xfrm>
           <a:prstGeom prst="rect">
             <a:avLst/>
@@ -6285,23 +7615,1452 @@
           <a:noFill/>
         </p:spPr>
         <p:txBody>
-          <a:bodyPr wrap="none" rtlCol="0">
+          <a:bodyPr wrap="square" rtlCol="0">
             <a:spAutoFit/>
           </a:bodyPr>
           <a:lstStyle/>
           <a:p>
             <a:r>
-              <a:rPr lang="nl-BE" sz="3200" dirty="0"/>
-              <a:t>Score speler 2</a:t>
-            </a:r>
-            <a:endParaRPr lang="nl-BE" sz="1100" dirty="0"/>
+              <a:rPr lang="nl-BE" sz="1400" b="1" dirty="0">
+                <a:latin typeface="ADLaM Display" panose="02010000000000000000" pitchFamily="2" charset="0"/>
+                <a:ea typeface="ADLaM Display" panose="02010000000000000000" pitchFamily="2" charset="0"/>
+                <a:cs typeface="ADLaM Display" panose="02010000000000000000" pitchFamily="2" charset="0"/>
+              </a:rPr>
+              <a:t>Naam speler:</a:t>
+            </a:r>
+            <a:endParaRPr lang="en-US" sz="1400" b="1" dirty="0">
+              <a:latin typeface="ADLaM Display" panose="02010000000000000000" pitchFamily="2" charset="0"/>
+              <a:ea typeface="ADLaM Display" panose="02010000000000000000" pitchFamily="2" charset="0"/>
+              <a:cs typeface="ADLaM Display" panose="02010000000000000000" pitchFamily="2" charset="0"/>
+            </a:endParaRPr>
+          </a:p>
+        </p:txBody>
+      </p:sp>
+      <p:sp>
+        <p:nvSpPr>
+          <p:cNvPr id="5" name="Rechthoek 4">
+            <a:extLst>
+              <a:ext uri="{FF2B5EF4-FFF2-40B4-BE49-F238E27FC236}">
+                <a16:creationId xmlns:a16="http://schemas.microsoft.com/office/drawing/2014/main" id="{E2643426-C7B5-233B-A9F1-BF2C7D773166}"/>
+              </a:ext>
+            </a:extLst>
+          </p:cNvPr>
+          <p:cNvSpPr/>
+          <p:nvPr/>
+        </p:nvSpPr>
+        <p:spPr>
+          <a:xfrm>
+            <a:off x="3449316" y="4553160"/>
+            <a:ext cx="2041119" cy="527627"/>
+          </a:xfrm>
+          <a:prstGeom prst="rect">
+            <a:avLst/>
+          </a:prstGeom>
+          <a:solidFill>
+            <a:schemeClr val="accent2"/>
+          </a:solidFill>
+          <a:ln>
+            <a:solidFill>
+              <a:schemeClr val="accent2"/>
+            </a:solidFill>
+          </a:ln>
+        </p:spPr>
+        <p:style>
+          <a:lnRef idx="2">
+            <a:schemeClr val="accent1">
+              <a:shade val="15000"/>
+            </a:schemeClr>
+          </a:lnRef>
+          <a:fillRef idx="1">
+            <a:schemeClr val="accent1"/>
+          </a:fillRef>
+          <a:effectRef idx="0">
+            <a:schemeClr val="accent1"/>
+          </a:effectRef>
+          <a:fontRef idx="minor">
+            <a:schemeClr val="lt1"/>
+          </a:fontRef>
+        </p:style>
+        <p:txBody>
+          <a:bodyPr rtlCol="0" anchor="ctr"/>
+          <a:lstStyle/>
+          <a:p>
+            <a:pPr algn="ctr"/>
+            <a:r>
+              <a:rPr lang="nl-BE" b="1" dirty="0">
+                <a:solidFill>
+                  <a:schemeClr val="bg1"/>
+                </a:solidFill>
+                <a:latin typeface="ADLaM Display" panose="02010000000000000000" pitchFamily="2" charset="0"/>
+                <a:ea typeface="ADLaM Display" panose="02010000000000000000" pitchFamily="2" charset="0"/>
+                <a:cs typeface="ADLaM Display" panose="02010000000000000000" pitchFamily="2" charset="0"/>
+              </a:rPr>
+              <a:t>Annuleren</a:t>
+            </a:r>
+          </a:p>
+        </p:txBody>
+      </p:sp>
+      <p:sp>
+        <p:nvSpPr>
+          <p:cNvPr id="6" name="Rechthoek 5">
+            <a:extLst>
+              <a:ext uri="{FF2B5EF4-FFF2-40B4-BE49-F238E27FC236}">
+                <a16:creationId xmlns:a16="http://schemas.microsoft.com/office/drawing/2014/main" id="{1E5D08B8-FB79-717F-70F1-D29944777BEB}"/>
+              </a:ext>
+            </a:extLst>
+          </p:cNvPr>
+          <p:cNvSpPr/>
+          <p:nvPr/>
+        </p:nvSpPr>
+        <p:spPr>
+          <a:xfrm>
+            <a:off x="6701566" y="4553161"/>
+            <a:ext cx="2041119" cy="527627"/>
+          </a:xfrm>
+          <a:prstGeom prst="rect">
+            <a:avLst/>
+          </a:prstGeom>
+          <a:solidFill>
+            <a:schemeClr val="accent2"/>
+          </a:solidFill>
+          <a:ln>
+            <a:solidFill>
+              <a:schemeClr val="accent2"/>
+            </a:solidFill>
+          </a:ln>
+        </p:spPr>
+        <p:style>
+          <a:lnRef idx="2">
+            <a:schemeClr val="accent1">
+              <a:shade val="15000"/>
+            </a:schemeClr>
+          </a:lnRef>
+          <a:fillRef idx="1">
+            <a:schemeClr val="accent1"/>
+          </a:fillRef>
+          <a:effectRef idx="0">
+            <a:schemeClr val="accent1"/>
+          </a:effectRef>
+          <a:fontRef idx="minor">
+            <a:schemeClr val="lt1"/>
+          </a:fontRef>
+        </p:style>
+        <p:txBody>
+          <a:bodyPr rtlCol="0" anchor="ctr"/>
+          <a:lstStyle/>
+          <a:p>
+            <a:pPr algn="ctr"/>
+            <a:r>
+              <a:rPr lang="nl-BE" b="1" dirty="0">
+                <a:solidFill>
+                  <a:schemeClr val="bg1"/>
+                </a:solidFill>
+                <a:latin typeface="ADLaM Display" panose="02010000000000000000" pitchFamily="2" charset="0"/>
+                <a:ea typeface="ADLaM Display" panose="02010000000000000000" pitchFamily="2" charset="0"/>
+                <a:cs typeface="ADLaM Display" panose="02010000000000000000" pitchFamily="2" charset="0"/>
+              </a:rPr>
+              <a:t>Start Spel</a:t>
+            </a:r>
+          </a:p>
+        </p:txBody>
+      </p:sp>
+      <p:sp>
+        <p:nvSpPr>
+          <p:cNvPr id="7" name="Rechthoek 6">
+            <a:extLst>
+              <a:ext uri="{FF2B5EF4-FFF2-40B4-BE49-F238E27FC236}">
+                <a16:creationId xmlns:a16="http://schemas.microsoft.com/office/drawing/2014/main" id="{66C2A5D7-020F-CAD4-0ACD-0840501C74D0}"/>
+              </a:ext>
+            </a:extLst>
+          </p:cNvPr>
+          <p:cNvSpPr/>
+          <p:nvPr/>
+        </p:nvSpPr>
+        <p:spPr>
+          <a:xfrm>
+            <a:off x="5771903" y="3059667"/>
+            <a:ext cx="1816414" cy="369332"/>
+          </a:xfrm>
+          <a:prstGeom prst="rect">
+            <a:avLst/>
+          </a:prstGeom>
+          <a:solidFill>
+            <a:schemeClr val="bg1"/>
+          </a:solidFill>
+          <a:ln>
+            <a:solidFill>
+              <a:schemeClr val="bg1"/>
+            </a:solidFill>
+          </a:ln>
+        </p:spPr>
+        <p:style>
+          <a:lnRef idx="2">
+            <a:schemeClr val="accent1">
+              <a:shade val="15000"/>
+            </a:schemeClr>
+          </a:lnRef>
+          <a:fillRef idx="1">
+            <a:schemeClr val="accent1"/>
+          </a:fillRef>
+          <a:effectRef idx="0">
+            <a:schemeClr val="accent1"/>
+          </a:effectRef>
+          <a:fontRef idx="minor">
+            <a:schemeClr val="lt1"/>
+          </a:fontRef>
+        </p:style>
+        <p:txBody>
+          <a:bodyPr rtlCol="0" anchor="ctr"/>
+          <a:lstStyle/>
+          <a:p>
+            <a:pPr algn="ctr"/>
+            <a:endParaRPr lang="en-US"/>
           </a:p>
         </p:txBody>
       </p:sp>
     </p:spTree>
     <p:extLst>
       <p:ext uri="{BB962C8B-B14F-4D97-AF65-F5344CB8AC3E}">
-        <p14:creationId xmlns:p14="http://schemas.microsoft.com/office/powerpoint/2010/main" val="2246741550"/>
+        <p14:creationId xmlns:p14="http://schemas.microsoft.com/office/powerpoint/2010/main" val="3123837023"/>
+      </p:ext>
+    </p:extLst>
+  </p:cSld>
+  <p:clrMapOvr>
+    <a:masterClrMapping/>
+  </p:clrMapOvr>
+</p:sld>
+</file>
+
+<file path=ppt/slides/slide5.xml><?xml version="1.0" encoding="utf-8"?>
+<p:sld xmlns:a="http://schemas.openxmlformats.org/drawingml/2006/main" xmlns:r="http://schemas.openxmlformats.org/officeDocument/2006/relationships" xmlns:p="http://schemas.openxmlformats.org/presentationml/2006/main">
+  <p:cSld>
+    <p:spTree>
+      <p:nvGrpSpPr>
+        <p:cNvPr id="1" name="">
+          <a:extLst>
+            <a:ext uri="{FF2B5EF4-FFF2-40B4-BE49-F238E27FC236}">
+              <a16:creationId xmlns:a16="http://schemas.microsoft.com/office/drawing/2014/main" id="{2F62DEFB-CCA0-A790-4068-4F2A8B5CFF5B}"/>
+            </a:ext>
+          </a:extLst>
+        </p:cNvPr>
+        <p:cNvGrpSpPr/>
+        <p:nvPr/>
+      </p:nvGrpSpPr>
+      <p:grpSpPr>
+        <a:xfrm>
+          <a:off x="0" y="0"/>
+          <a:ext cx="0" cy="0"/>
+          <a:chOff x="0" y="0"/>
+          <a:chExt cx="0" cy="0"/>
+        </a:xfrm>
+      </p:grpSpPr>
+      <p:pic>
+        <p:nvPicPr>
+          <p:cNvPr id="11" name="Afbeelding 10" descr="Afbeelding met sinaasappel, Amber, geel, Kleurrijkheid&#10;&#10;Automatisch gegenereerde beschrijving">
+            <a:extLst>
+              <a:ext uri="{FF2B5EF4-FFF2-40B4-BE49-F238E27FC236}">
+                <a16:creationId xmlns:a16="http://schemas.microsoft.com/office/drawing/2014/main" id="{A34EDE46-97DB-5971-46A3-BB780898D3FB}"/>
+              </a:ext>
+            </a:extLst>
+          </p:cNvPr>
+          <p:cNvPicPr>
+            <a:picLocks noChangeAspect="1"/>
+          </p:cNvPicPr>
+          <p:nvPr/>
+        </p:nvPicPr>
+        <p:blipFill>
+          <a:blip r:embed="rId2">
+            <a:extLst>
+              <a:ext uri="{28A0092B-C50C-407E-A947-70E740481C1C}">
+                <a14:useLocalDpi xmlns:a14="http://schemas.microsoft.com/office/drawing/2010/main" val="0"/>
+              </a:ext>
+            </a:extLst>
+          </a:blip>
+          <a:stretch>
+            <a:fillRect/>
+          </a:stretch>
+        </p:blipFill>
+        <p:spPr>
+          <a:xfrm>
+            <a:off x="0" y="0"/>
+            <a:ext cx="12192000" cy="8128000"/>
+          </a:xfrm>
+          <a:prstGeom prst="rect">
+            <a:avLst/>
+          </a:prstGeom>
+        </p:spPr>
+      </p:pic>
+      <p:sp>
+        <p:nvSpPr>
+          <p:cNvPr id="8" name="Rechthoek 7">
+            <a:extLst>
+              <a:ext uri="{FF2B5EF4-FFF2-40B4-BE49-F238E27FC236}">
+                <a16:creationId xmlns:a16="http://schemas.microsoft.com/office/drawing/2014/main" id="{45B49C1E-B09D-04E5-17E6-2F44497AF825}"/>
+              </a:ext>
+            </a:extLst>
+          </p:cNvPr>
+          <p:cNvSpPr/>
+          <p:nvPr/>
+        </p:nvSpPr>
+        <p:spPr>
+          <a:xfrm>
+            <a:off x="-1" y="0"/>
+            <a:ext cx="12192000" cy="527627"/>
+          </a:xfrm>
+          <a:prstGeom prst="rect">
+            <a:avLst/>
+          </a:prstGeom>
+          <a:solidFill>
+            <a:schemeClr val="tx1">
+              <a:lumMod val="65000"/>
+              <a:lumOff val="35000"/>
+            </a:schemeClr>
+          </a:solidFill>
+          <a:ln>
+            <a:solidFill>
+              <a:schemeClr val="tx1">
+                <a:lumMod val="95000"/>
+                <a:lumOff val="5000"/>
+              </a:schemeClr>
+            </a:solidFill>
+          </a:ln>
+        </p:spPr>
+        <p:style>
+          <a:lnRef idx="2">
+            <a:schemeClr val="accent1">
+              <a:shade val="15000"/>
+            </a:schemeClr>
+          </a:lnRef>
+          <a:fillRef idx="1">
+            <a:schemeClr val="accent1"/>
+          </a:fillRef>
+          <a:effectRef idx="0">
+            <a:schemeClr val="accent1"/>
+          </a:effectRef>
+          <a:fontRef idx="minor">
+            <a:schemeClr val="lt1"/>
+          </a:fontRef>
+        </p:style>
+        <p:txBody>
+          <a:bodyPr rtlCol="0" anchor="ctr"/>
+          <a:lstStyle/>
+          <a:p>
+            <a:pPr algn="ctr"/>
+            <a:endParaRPr lang="nl-BE" b="1" dirty="0">
+              <a:solidFill>
+                <a:schemeClr val="bg1"/>
+              </a:solidFill>
+              <a:latin typeface="ADLaM Display" panose="02010000000000000000" pitchFamily="2" charset="0"/>
+              <a:ea typeface="ADLaM Display" panose="02010000000000000000" pitchFamily="2" charset="0"/>
+              <a:cs typeface="ADLaM Display" panose="02010000000000000000" pitchFamily="2" charset="0"/>
+            </a:endParaRPr>
+          </a:p>
+        </p:txBody>
+      </p:sp>
+      <p:sp>
+        <p:nvSpPr>
+          <p:cNvPr id="9" name="Tekstvak 8">
+            <a:extLst>
+              <a:ext uri="{FF2B5EF4-FFF2-40B4-BE49-F238E27FC236}">
+                <a16:creationId xmlns:a16="http://schemas.microsoft.com/office/drawing/2014/main" id="{CAB3CCB0-ABB4-6733-25C4-355DC56FBDAE}"/>
+              </a:ext>
+            </a:extLst>
+          </p:cNvPr>
+          <p:cNvSpPr txBox="1"/>
+          <p:nvPr/>
+        </p:nvSpPr>
+        <p:spPr>
+          <a:xfrm>
+            <a:off x="125895" y="79147"/>
+            <a:ext cx="834887" cy="369332"/>
+          </a:xfrm>
+          <a:prstGeom prst="rect">
+            <a:avLst/>
+          </a:prstGeom>
+          <a:noFill/>
+        </p:spPr>
+        <p:txBody>
+          <a:bodyPr wrap="square" rtlCol="0">
+            <a:spAutoFit/>
+          </a:bodyPr>
+          <a:lstStyle/>
+          <a:p>
+            <a:r>
+              <a:rPr lang="nl-BE" b="1" dirty="0">
+                <a:solidFill>
+                  <a:schemeClr val="bg1"/>
+                </a:solidFill>
+                <a:latin typeface="ADLaM Display" panose="02010000000000000000" pitchFamily="2" charset="0"/>
+                <a:ea typeface="ADLaM Display" panose="02010000000000000000" pitchFamily="2" charset="0"/>
+                <a:cs typeface="ADLaM Display" panose="02010000000000000000" pitchFamily="2" charset="0"/>
+              </a:rPr>
+              <a:t>Hulp</a:t>
+            </a:r>
+            <a:endParaRPr lang="en-US" b="1" dirty="0">
+              <a:solidFill>
+                <a:schemeClr val="bg1"/>
+              </a:solidFill>
+              <a:latin typeface="ADLaM Display" panose="02010000000000000000" pitchFamily="2" charset="0"/>
+              <a:ea typeface="ADLaM Display" panose="02010000000000000000" pitchFamily="2" charset="0"/>
+              <a:cs typeface="ADLaM Display" panose="02010000000000000000" pitchFamily="2" charset="0"/>
+            </a:endParaRPr>
+          </a:p>
+        </p:txBody>
+      </p:sp>
+      <p:sp>
+        <p:nvSpPr>
+          <p:cNvPr id="10" name="Rechthoek 9">
+            <a:extLst>
+              <a:ext uri="{FF2B5EF4-FFF2-40B4-BE49-F238E27FC236}">
+                <a16:creationId xmlns:a16="http://schemas.microsoft.com/office/drawing/2014/main" id="{C65C9BF0-30E8-15BB-74FB-00BDD4CAEA1A}"/>
+              </a:ext>
+            </a:extLst>
+          </p:cNvPr>
+          <p:cNvSpPr/>
+          <p:nvPr/>
+        </p:nvSpPr>
+        <p:spPr>
+          <a:xfrm>
+            <a:off x="125895" y="527626"/>
+            <a:ext cx="1401563" cy="527627"/>
+          </a:xfrm>
+          <a:prstGeom prst="rect">
+            <a:avLst/>
+          </a:prstGeom>
+          <a:solidFill>
+            <a:schemeClr val="bg1"/>
+          </a:solidFill>
+          <a:ln>
+            <a:solidFill>
+              <a:schemeClr val="bg1">
+                <a:lumMod val="85000"/>
+              </a:schemeClr>
+            </a:solidFill>
+          </a:ln>
+        </p:spPr>
+        <p:style>
+          <a:lnRef idx="2">
+            <a:schemeClr val="accent1">
+              <a:shade val="15000"/>
+            </a:schemeClr>
+          </a:lnRef>
+          <a:fillRef idx="1">
+            <a:schemeClr val="accent1"/>
+          </a:fillRef>
+          <a:effectRef idx="0">
+            <a:schemeClr val="accent1"/>
+          </a:effectRef>
+          <a:fontRef idx="minor">
+            <a:schemeClr val="lt1"/>
+          </a:fontRef>
+        </p:style>
+        <p:txBody>
+          <a:bodyPr rtlCol="0" anchor="ctr"/>
+          <a:lstStyle/>
+          <a:p>
+            <a:pPr algn="ctr"/>
+            <a:endParaRPr lang="nl-BE" b="1" dirty="0">
+              <a:solidFill>
+                <a:schemeClr val="bg1"/>
+              </a:solidFill>
+              <a:latin typeface="ADLaM Display" panose="02010000000000000000" pitchFamily="2" charset="0"/>
+              <a:ea typeface="ADLaM Display" panose="02010000000000000000" pitchFamily="2" charset="0"/>
+              <a:cs typeface="ADLaM Display" panose="02010000000000000000" pitchFamily="2" charset="0"/>
+            </a:endParaRPr>
+          </a:p>
+        </p:txBody>
+      </p:sp>
+      <p:sp>
+        <p:nvSpPr>
+          <p:cNvPr id="16" name="Rechthoek 15">
+            <a:extLst>
+              <a:ext uri="{FF2B5EF4-FFF2-40B4-BE49-F238E27FC236}">
+                <a16:creationId xmlns:a16="http://schemas.microsoft.com/office/drawing/2014/main" id="{3B6F14CF-FD87-A236-C5E6-11220F3C61FE}"/>
+              </a:ext>
+            </a:extLst>
+          </p:cNvPr>
+          <p:cNvSpPr/>
+          <p:nvPr/>
+        </p:nvSpPr>
+        <p:spPr>
+          <a:xfrm>
+            <a:off x="125895" y="1055253"/>
+            <a:ext cx="1401563" cy="527627"/>
+          </a:xfrm>
+          <a:prstGeom prst="rect">
+            <a:avLst/>
+          </a:prstGeom>
+          <a:solidFill>
+            <a:schemeClr val="bg1"/>
+          </a:solidFill>
+          <a:ln>
+            <a:solidFill>
+              <a:schemeClr val="bg1">
+                <a:lumMod val="85000"/>
+              </a:schemeClr>
+            </a:solidFill>
+          </a:ln>
+        </p:spPr>
+        <p:style>
+          <a:lnRef idx="2">
+            <a:schemeClr val="accent1">
+              <a:shade val="15000"/>
+            </a:schemeClr>
+          </a:lnRef>
+          <a:fillRef idx="1">
+            <a:schemeClr val="accent1"/>
+          </a:fillRef>
+          <a:effectRef idx="0">
+            <a:schemeClr val="accent1"/>
+          </a:effectRef>
+          <a:fontRef idx="minor">
+            <a:schemeClr val="lt1"/>
+          </a:fontRef>
+        </p:style>
+        <p:txBody>
+          <a:bodyPr rtlCol="0" anchor="ctr"/>
+          <a:lstStyle/>
+          <a:p>
+            <a:pPr algn="ctr"/>
+            <a:endParaRPr lang="nl-BE" b="1" dirty="0">
+              <a:solidFill>
+                <a:schemeClr val="bg1"/>
+              </a:solidFill>
+              <a:latin typeface="ADLaM Display" panose="02010000000000000000" pitchFamily="2" charset="0"/>
+              <a:ea typeface="ADLaM Display" panose="02010000000000000000" pitchFamily="2" charset="0"/>
+              <a:cs typeface="ADLaM Display" panose="02010000000000000000" pitchFamily="2" charset="0"/>
+            </a:endParaRPr>
+          </a:p>
+        </p:txBody>
+      </p:sp>
+      <p:sp>
+        <p:nvSpPr>
+          <p:cNvPr id="17" name="Tekstvak 16">
+            <a:extLst>
+              <a:ext uri="{FF2B5EF4-FFF2-40B4-BE49-F238E27FC236}">
+                <a16:creationId xmlns:a16="http://schemas.microsoft.com/office/drawing/2014/main" id="{EEE95230-86CB-A1F9-8EFB-EEF16BB206C3}"/>
+              </a:ext>
+            </a:extLst>
+          </p:cNvPr>
+          <p:cNvSpPr txBox="1"/>
+          <p:nvPr/>
+        </p:nvSpPr>
+        <p:spPr>
+          <a:xfrm>
+            <a:off x="125895" y="1118322"/>
+            <a:ext cx="1608554" cy="369332"/>
+          </a:xfrm>
+          <a:prstGeom prst="rect">
+            <a:avLst/>
+          </a:prstGeom>
+          <a:noFill/>
+        </p:spPr>
+        <p:txBody>
+          <a:bodyPr wrap="square" rtlCol="0">
+            <a:spAutoFit/>
+          </a:bodyPr>
+          <a:lstStyle/>
+          <a:p>
+            <a:r>
+              <a:rPr lang="nl-BE" b="1" dirty="0">
+                <a:latin typeface="ADLaM Display" panose="02010000000000000000" pitchFamily="2" charset="0"/>
+                <a:ea typeface="ADLaM Display" panose="02010000000000000000" pitchFamily="2" charset="0"/>
+                <a:cs typeface="ADLaM Display" panose="02010000000000000000" pitchFamily="2" charset="0"/>
+              </a:rPr>
+              <a:t>Instellingen</a:t>
+            </a:r>
+            <a:endParaRPr lang="en-US" b="1" dirty="0">
+              <a:latin typeface="ADLaM Display" panose="02010000000000000000" pitchFamily="2" charset="0"/>
+              <a:ea typeface="ADLaM Display" panose="02010000000000000000" pitchFamily="2" charset="0"/>
+              <a:cs typeface="ADLaM Display" panose="02010000000000000000" pitchFamily="2" charset="0"/>
+            </a:endParaRPr>
+          </a:p>
+        </p:txBody>
+      </p:sp>
+      <p:sp>
+        <p:nvSpPr>
+          <p:cNvPr id="18" name="Tekstvak 17">
+            <a:extLst>
+              <a:ext uri="{FF2B5EF4-FFF2-40B4-BE49-F238E27FC236}">
+                <a16:creationId xmlns:a16="http://schemas.microsoft.com/office/drawing/2014/main" id="{4408457E-C99F-0A15-5B84-46EDC756D160}"/>
+              </a:ext>
+            </a:extLst>
+          </p:cNvPr>
+          <p:cNvSpPr txBox="1"/>
+          <p:nvPr/>
+        </p:nvSpPr>
+        <p:spPr>
+          <a:xfrm>
+            <a:off x="125895" y="608222"/>
+            <a:ext cx="1608554" cy="369332"/>
+          </a:xfrm>
+          <a:prstGeom prst="rect">
+            <a:avLst/>
+          </a:prstGeom>
+          <a:noFill/>
+        </p:spPr>
+        <p:txBody>
+          <a:bodyPr wrap="square" rtlCol="0">
+            <a:spAutoFit/>
+          </a:bodyPr>
+          <a:lstStyle/>
+          <a:p>
+            <a:r>
+              <a:rPr lang="nl-BE" b="1" dirty="0">
+                <a:latin typeface="ADLaM Display" panose="02010000000000000000" pitchFamily="2" charset="0"/>
+                <a:ea typeface="ADLaM Display" panose="02010000000000000000" pitchFamily="2" charset="0"/>
+                <a:cs typeface="ADLaM Display" panose="02010000000000000000" pitchFamily="2" charset="0"/>
+              </a:rPr>
+              <a:t>Afsluiten</a:t>
+            </a:r>
+            <a:endParaRPr lang="en-US" b="1" dirty="0">
+              <a:latin typeface="ADLaM Display" panose="02010000000000000000" pitchFamily="2" charset="0"/>
+              <a:ea typeface="ADLaM Display" panose="02010000000000000000" pitchFamily="2" charset="0"/>
+              <a:cs typeface="ADLaM Display" panose="02010000000000000000" pitchFamily="2" charset="0"/>
+            </a:endParaRPr>
+          </a:p>
+        </p:txBody>
+      </p:sp>
+      <p:sp>
+        <p:nvSpPr>
+          <p:cNvPr id="2" name="Rechthoek 1">
+            <a:extLst>
+              <a:ext uri="{FF2B5EF4-FFF2-40B4-BE49-F238E27FC236}">
+                <a16:creationId xmlns:a16="http://schemas.microsoft.com/office/drawing/2014/main" id="{C91677BB-90B4-0269-DFD6-80DFCDCA1B60}"/>
+              </a:ext>
+            </a:extLst>
+          </p:cNvPr>
+          <p:cNvSpPr/>
+          <p:nvPr/>
+        </p:nvSpPr>
+        <p:spPr>
+          <a:xfrm>
+            <a:off x="10150880" y="6360982"/>
+            <a:ext cx="2041119" cy="527627"/>
+          </a:xfrm>
+          <a:prstGeom prst="rect">
+            <a:avLst/>
+          </a:prstGeom>
+          <a:solidFill>
+            <a:schemeClr val="accent2"/>
+          </a:solidFill>
+          <a:ln>
+            <a:solidFill>
+              <a:schemeClr val="accent2"/>
+            </a:solidFill>
+          </a:ln>
+        </p:spPr>
+        <p:style>
+          <a:lnRef idx="2">
+            <a:schemeClr val="accent1">
+              <a:shade val="15000"/>
+            </a:schemeClr>
+          </a:lnRef>
+          <a:fillRef idx="1">
+            <a:schemeClr val="accent1"/>
+          </a:fillRef>
+          <a:effectRef idx="0">
+            <a:schemeClr val="accent1"/>
+          </a:effectRef>
+          <a:fontRef idx="minor">
+            <a:schemeClr val="lt1"/>
+          </a:fontRef>
+        </p:style>
+        <p:txBody>
+          <a:bodyPr rtlCol="0" anchor="ctr"/>
+          <a:lstStyle/>
+          <a:p>
+            <a:pPr algn="ctr"/>
+            <a:r>
+              <a:rPr lang="nl-BE" b="1" dirty="0">
+                <a:solidFill>
+                  <a:schemeClr val="bg1"/>
+                </a:solidFill>
+                <a:latin typeface="ADLaM Display" panose="02010000000000000000" pitchFamily="2" charset="0"/>
+                <a:ea typeface="ADLaM Display" panose="02010000000000000000" pitchFamily="2" charset="0"/>
+                <a:cs typeface="ADLaM Display" panose="02010000000000000000" pitchFamily="2" charset="0"/>
+              </a:rPr>
+              <a:t>Home</a:t>
+            </a:r>
+          </a:p>
+        </p:txBody>
+      </p:sp>
+      <p:sp>
+        <p:nvSpPr>
+          <p:cNvPr id="4" name="Tekstvak 3">
+            <a:extLst>
+              <a:ext uri="{FF2B5EF4-FFF2-40B4-BE49-F238E27FC236}">
+                <a16:creationId xmlns:a16="http://schemas.microsoft.com/office/drawing/2014/main" id="{93D157E6-0C56-731F-68DB-3D45DF6BDCEC}"/>
+              </a:ext>
+            </a:extLst>
+          </p:cNvPr>
+          <p:cNvSpPr txBox="1"/>
+          <p:nvPr/>
+        </p:nvSpPr>
+        <p:spPr>
+          <a:xfrm>
+            <a:off x="4609023" y="1094053"/>
+            <a:ext cx="1355036" cy="307777"/>
+          </a:xfrm>
+          <a:prstGeom prst="rect">
+            <a:avLst/>
+          </a:prstGeom>
+          <a:noFill/>
+        </p:spPr>
+        <p:txBody>
+          <a:bodyPr wrap="square" rtlCol="0">
+            <a:spAutoFit/>
+          </a:bodyPr>
+          <a:lstStyle/>
+          <a:p>
+            <a:r>
+              <a:rPr lang="nl-BE" sz="1400" b="1" dirty="0" err="1">
+                <a:latin typeface="ADLaM Display" panose="02010000000000000000" pitchFamily="2" charset="0"/>
+                <a:ea typeface="ADLaM Display" panose="02010000000000000000" pitchFamily="2" charset="0"/>
+                <a:cs typeface="ADLaM Display" panose="02010000000000000000" pitchFamily="2" charset="0"/>
+              </a:rPr>
+              <a:t>Spelernaam</a:t>
+            </a:r>
+            <a:r>
+              <a:rPr lang="nl-BE" sz="1400" b="1" dirty="0">
+                <a:latin typeface="ADLaM Display" panose="02010000000000000000" pitchFamily="2" charset="0"/>
+                <a:ea typeface="ADLaM Display" panose="02010000000000000000" pitchFamily="2" charset="0"/>
+                <a:cs typeface="ADLaM Display" panose="02010000000000000000" pitchFamily="2" charset="0"/>
+              </a:rPr>
+              <a:t>:</a:t>
+            </a:r>
+            <a:endParaRPr lang="en-US" sz="1400" b="1" dirty="0">
+              <a:latin typeface="ADLaM Display" panose="02010000000000000000" pitchFamily="2" charset="0"/>
+              <a:ea typeface="ADLaM Display" panose="02010000000000000000" pitchFamily="2" charset="0"/>
+              <a:cs typeface="ADLaM Display" panose="02010000000000000000" pitchFamily="2" charset="0"/>
+            </a:endParaRPr>
+          </a:p>
+        </p:txBody>
+      </p:sp>
+      <p:pic>
+        <p:nvPicPr>
+          <p:cNvPr id="12" name="Afbeelding 11" descr="Afbeelding met Amber, geel, sinaasappel&#10;&#10;Automatisch gegenereerde beschrijving">
+            <a:extLst>
+              <a:ext uri="{FF2B5EF4-FFF2-40B4-BE49-F238E27FC236}">
+                <a16:creationId xmlns:a16="http://schemas.microsoft.com/office/drawing/2014/main" id="{A3F3AC18-7303-BA0E-2A28-00EF2B530F31}"/>
+              </a:ext>
+            </a:extLst>
+          </p:cNvPr>
+          <p:cNvPicPr>
+            <a:picLocks noChangeAspect="1"/>
+          </p:cNvPicPr>
+          <p:nvPr/>
+        </p:nvPicPr>
+        <p:blipFill>
+          <a:blip r:embed="rId3">
+            <a:extLst>
+              <a:ext uri="{28A0092B-C50C-407E-A947-70E740481C1C}">
+                <a14:useLocalDpi xmlns:a14="http://schemas.microsoft.com/office/drawing/2010/main" val="0"/>
+              </a:ext>
+            </a:extLst>
+          </a:blip>
+          <a:stretch>
+            <a:fillRect/>
+          </a:stretch>
+        </p:blipFill>
+        <p:spPr>
+          <a:xfrm>
+            <a:off x="3357277" y="1892253"/>
+            <a:ext cx="952500" cy="952500"/>
+          </a:xfrm>
+          <a:prstGeom prst="rect">
+            <a:avLst/>
+          </a:prstGeom>
+        </p:spPr>
+      </p:pic>
+      <p:pic>
+        <p:nvPicPr>
+          <p:cNvPr id="13" name="Afbeelding 12" descr="Afbeelding met Amber, geel, sinaasappel&#10;&#10;Automatisch gegenereerde beschrijving">
+            <a:extLst>
+              <a:ext uri="{FF2B5EF4-FFF2-40B4-BE49-F238E27FC236}">
+                <a16:creationId xmlns:a16="http://schemas.microsoft.com/office/drawing/2014/main" id="{D831405C-FBC0-1591-715D-1C70FCC7DD07}"/>
+              </a:ext>
+            </a:extLst>
+          </p:cNvPr>
+          <p:cNvPicPr>
+            <a:picLocks noChangeAspect="1"/>
+          </p:cNvPicPr>
+          <p:nvPr/>
+        </p:nvPicPr>
+        <p:blipFill>
+          <a:blip r:embed="rId3">
+            <a:extLst>
+              <a:ext uri="{28A0092B-C50C-407E-A947-70E740481C1C}">
+                <a14:useLocalDpi xmlns:a14="http://schemas.microsoft.com/office/drawing/2010/main" val="0"/>
+              </a:ext>
+            </a:extLst>
+          </a:blip>
+          <a:stretch>
+            <a:fillRect/>
+          </a:stretch>
+        </p:blipFill>
+        <p:spPr>
+          <a:xfrm>
+            <a:off x="4726638" y="1892253"/>
+            <a:ext cx="952500" cy="952500"/>
+          </a:xfrm>
+          <a:prstGeom prst="rect">
+            <a:avLst/>
+          </a:prstGeom>
+        </p:spPr>
+      </p:pic>
+      <p:pic>
+        <p:nvPicPr>
+          <p:cNvPr id="14" name="Afbeelding 13" descr="Afbeelding met Amber, geel, sinaasappel&#10;&#10;Automatisch gegenereerde beschrijving">
+            <a:extLst>
+              <a:ext uri="{FF2B5EF4-FFF2-40B4-BE49-F238E27FC236}">
+                <a16:creationId xmlns:a16="http://schemas.microsoft.com/office/drawing/2014/main" id="{8445783E-E2B6-BEEF-A12C-E832FF85B947}"/>
+              </a:ext>
+            </a:extLst>
+          </p:cNvPr>
+          <p:cNvPicPr>
+            <a:picLocks noChangeAspect="1"/>
+          </p:cNvPicPr>
+          <p:nvPr/>
+        </p:nvPicPr>
+        <p:blipFill>
+          <a:blip r:embed="rId3">
+            <a:extLst>
+              <a:ext uri="{28A0092B-C50C-407E-A947-70E740481C1C}">
+                <a14:useLocalDpi xmlns:a14="http://schemas.microsoft.com/office/drawing/2010/main" val="0"/>
+              </a:ext>
+            </a:extLst>
+          </a:blip>
+          <a:stretch>
+            <a:fillRect/>
+          </a:stretch>
+        </p:blipFill>
+        <p:spPr>
+          <a:xfrm>
+            <a:off x="6095999" y="1892253"/>
+            <a:ext cx="952500" cy="952500"/>
+          </a:xfrm>
+          <a:prstGeom prst="rect">
+            <a:avLst/>
+          </a:prstGeom>
+        </p:spPr>
+      </p:pic>
+      <p:pic>
+        <p:nvPicPr>
+          <p:cNvPr id="19" name="Afbeelding 18" descr="Afbeelding met Amber, geel, sinaasappel&#10;&#10;Automatisch gegenereerde beschrijving">
+            <a:extLst>
+              <a:ext uri="{FF2B5EF4-FFF2-40B4-BE49-F238E27FC236}">
+                <a16:creationId xmlns:a16="http://schemas.microsoft.com/office/drawing/2014/main" id="{34EF93E0-04C7-6DFF-4E17-80745AA4857C}"/>
+              </a:ext>
+            </a:extLst>
+          </p:cNvPr>
+          <p:cNvPicPr>
+            <a:picLocks noChangeAspect="1"/>
+          </p:cNvPicPr>
+          <p:nvPr/>
+        </p:nvPicPr>
+        <p:blipFill>
+          <a:blip r:embed="rId3">
+            <a:extLst>
+              <a:ext uri="{28A0092B-C50C-407E-A947-70E740481C1C}">
+                <a14:useLocalDpi xmlns:a14="http://schemas.microsoft.com/office/drawing/2010/main" val="0"/>
+              </a:ext>
+            </a:extLst>
+          </a:blip>
+          <a:stretch>
+            <a:fillRect/>
+          </a:stretch>
+        </p:blipFill>
+        <p:spPr>
+          <a:xfrm>
+            <a:off x="7465360" y="1892648"/>
+            <a:ext cx="952500" cy="952500"/>
+          </a:xfrm>
+          <a:prstGeom prst="rect">
+            <a:avLst/>
+          </a:prstGeom>
+        </p:spPr>
+      </p:pic>
+      <p:pic>
+        <p:nvPicPr>
+          <p:cNvPr id="20" name="Afbeelding 19" descr="Afbeelding met Amber, geel, sinaasappel&#10;&#10;Automatisch gegenereerde beschrijving">
+            <a:extLst>
+              <a:ext uri="{FF2B5EF4-FFF2-40B4-BE49-F238E27FC236}">
+                <a16:creationId xmlns:a16="http://schemas.microsoft.com/office/drawing/2014/main" id="{E6A9673D-26E9-14E4-AD43-776BEBC926BB}"/>
+              </a:ext>
+            </a:extLst>
+          </p:cNvPr>
+          <p:cNvPicPr>
+            <a:picLocks noChangeAspect="1"/>
+          </p:cNvPicPr>
+          <p:nvPr/>
+        </p:nvPicPr>
+        <p:blipFill>
+          <a:blip r:embed="rId3">
+            <a:extLst>
+              <a:ext uri="{28A0092B-C50C-407E-A947-70E740481C1C}">
+                <a14:useLocalDpi xmlns:a14="http://schemas.microsoft.com/office/drawing/2010/main" val="0"/>
+              </a:ext>
+            </a:extLst>
+          </a:blip>
+          <a:stretch>
+            <a:fillRect/>
+          </a:stretch>
+        </p:blipFill>
+        <p:spPr>
+          <a:xfrm>
+            <a:off x="3357277" y="3262854"/>
+            <a:ext cx="952500" cy="952500"/>
+          </a:xfrm>
+          <a:prstGeom prst="rect">
+            <a:avLst/>
+          </a:prstGeom>
+        </p:spPr>
+      </p:pic>
+      <p:pic>
+        <p:nvPicPr>
+          <p:cNvPr id="21" name="Afbeelding 20" descr="Afbeelding met Amber, geel, sinaasappel&#10;&#10;Automatisch gegenereerde beschrijving">
+            <a:extLst>
+              <a:ext uri="{FF2B5EF4-FFF2-40B4-BE49-F238E27FC236}">
+                <a16:creationId xmlns:a16="http://schemas.microsoft.com/office/drawing/2014/main" id="{7F5329D0-607F-4FB5-43FD-00C15AD30799}"/>
+              </a:ext>
+            </a:extLst>
+          </p:cNvPr>
+          <p:cNvPicPr>
+            <a:picLocks noChangeAspect="1"/>
+          </p:cNvPicPr>
+          <p:nvPr/>
+        </p:nvPicPr>
+        <p:blipFill>
+          <a:blip r:embed="rId3">
+            <a:extLst>
+              <a:ext uri="{28A0092B-C50C-407E-A947-70E740481C1C}">
+                <a14:useLocalDpi xmlns:a14="http://schemas.microsoft.com/office/drawing/2010/main" val="0"/>
+              </a:ext>
+            </a:extLst>
+          </a:blip>
+          <a:stretch>
+            <a:fillRect/>
+          </a:stretch>
+        </p:blipFill>
+        <p:spPr>
+          <a:xfrm>
+            <a:off x="4726638" y="3272678"/>
+            <a:ext cx="952500" cy="952500"/>
+          </a:xfrm>
+          <a:prstGeom prst="rect">
+            <a:avLst/>
+          </a:prstGeom>
+        </p:spPr>
+      </p:pic>
+      <p:pic>
+        <p:nvPicPr>
+          <p:cNvPr id="22" name="Afbeelding 21" descr="Afbeelding met Amber, geel, sinaasappel&#10;&#10;Automatisch gegenereerde beschrijving">
+            <a:extLst>
+              <a:ext uri="{FF2B5EF4-FFF2-40B4-BE49-F238E27FC236}">
+                <a16:creationId xmlns:a16="http://schemas.microsoft.com/office/drawing/2014/main" id="{CBDEB683-0D2B-D6C4-A559-69E77FAB7573}"/>
+              </a:ext>
+            </a:extLst>
+          </p:cNvPr>
+          <p:cNvPicPr>
+            <a:picLocks noChangeAspect="1"/>
+          </p:cNvPicPr>
+          <p:nvPr/>
+        </p:nvPicPr>
+        <p:blipFill>
+          <a:blip r:embed="rId3">
+            <a:extLst>
+              <a:ext uri="{28A0092B-C50C-407E-A947-70E740481C1C}">
+                <a14:useLocalDpi xmlns:a14="http://schemas.microsoft.com/office/drawing/2010/main" val="0"/>
+              </a:ext>
+            </a:extLst>
+          </a:blip>
+          <a:stretch>
+            <a:fillRect/>
+          </a:stretch>
+        </p:blipFill>
+        <p:spPr>
+          <a:xfrm>
+            <a:off x="6095999" y="3274500"/>
+            <a:ext cx="952500" cy="952500"/>
+          </a:xfrm>
+          <a:prstGeom prst="rect">
+            <a:avLst/>
+          </a:prstGeom>
+        </p:spPr>
+      </p:pic>
+      <p:pic>
+        <p:nvPicPr>
+          <p:cNvPr id="23" name="Afbeelding 22" descr="Afbeelding met Amber, geel, sinaasappel&#10;&#10;Automatisch gegenereerde beschrijving">
+            <a:extLst>
+              <a:ext uri="{FF2B5EF4-FFF2-40B4-BE49-F238E27FC236}">
+                <a16:creationId xmlns:a16="http://schemas.microsoft.com/office/drawing/2014/main" id="{E3A1D00B-1EA4-DA59-ACBA-7880E0106EBB}"/>
+              </a:ext>
+            </a:extLst>
+          </p:cNvPr>
+          <p:cNvPicPr>
+            <a:picLocks noChangeAspect="1"/>
+          </p:cNvPicPr>
+          <p:nvPr/>
+        </p:nvPicPr>
+        <p:blipFill>
+          <a:blip r:embed="rId3">
+            <a:extLst>
+              <a:ext uri="{28A0092B-C50C-407E-A947-70E740481C1C}">
+                <a14:useLocalDpi xmlns:a14="http://schemas.microsoft.com/office/drawing/2010/main" val="0"/>
+              </a:ext>
+            </a:extLst>
+          </a:blip>
+          <a:stretch>
+            <a:fillRect/>
+          </a:stretch>
+        </p:blipFill>
+        <p:spPr>
+          <a:xfrm>
+            <a:off x="7465360" y="3257669"/>
+            <a:ext cx="952500" cy="952500"/>
+          </a:xfrm>
+          <a:prstGeom prst="rect">
+            <a:avLst/>
+          </a:prstGeom>
+        </p:spPr>
+      </p:pic>
+      <p:pic>
+        <p:nvPicPr>
+          <p:cNvPr id="24" name="Afbeelding 23" descr="Afbeelding met Amber, geel, sinaasappel&#10;&#10;Automatisch gegenereerde beschrijving">
+            <a:extLst>
+              <a:ext uri="{FF2B5EF4-FFF2-40B4-BE49-F238E27FC236}">
+                <a16:creationId xmlns:a16="http://schemas.microsoft.com/office/drawing/2014/main" id="{A5A20AF6-4486-E997-6E63-8C2512B6AA6D}"/>
+              </a:ext>
+            </a:extLst>
+          </p:cNvPr>
+          <p:cNvPicPr>
+            <a:picLocks noChangeAspect="1"/>
+          </p:cNvPicPr>
+          <p:nvPr/>
+        </p:nvPicPr>
+        <p:blipFill>
+          <a:blip r:embed="rId3">
+            <a:extLst>
+              <a:ext uri="{28A0092B-C50C-407E-A947-70E740481C1C}">
+                <a14:useLocalDpi xmlns:a14="http://schemas.microsoft.com/office/drawing/2010/main" val="0"/>
+              </a:ext>
+            </a:extLst>
+          </a:blip>
+          <a:stretch>
+            <a:fillRect/>
+          </a:stretch>
+        </p:blipFill>
+        <p:spPr>
+          <a:xfrm>
+            <a:off x="3357277" y="4537877"/>
+            <a:ext cx="952500" cy="952500"/>
+          </a:xfrm>
+          <a:prstGeom prst="rect">
+            <a:avLst/>
+          </a:prstGeom>
+        </p:spPr>
+      </p:pic>
+      <p:pic>
+        <p:nvPicPr>
+          <p:cNvPr id="25" name="Afbeelding 24" descr="Afbeelding met Amber, geel, sinaasappel&#10;&#10;Automatisch gegenereerde beschrijving">
+            <a:extLst>
+              <a:ext uri="{FF2B5EF4-FFF2-40B4-BE49-F238E27FC236}">
+                <a16:creationId xmlns:a16="http://schemas.microsoft.com/office/drawing/2014/main" id="{12E932BF-7B99-FB2F-6B89-1C5201A195F1}"/>
+              </a:ext>
+            </a:extLst>
+          </p:cNvPr>
+          <p:cNvPicPr>
+            <a:picLocks noChangeAspect="1"/>
+          </p:cNvPicPr>
+          <p:nvPr/>
+        </p:nvPicPr>
+        <p:blipFill>
+          <a:blip r:embed="rId3">
+            <a:extLst>
+              <a:ext uri="{28A0092B-C50C-407E-A947-70E740481C1C}">
+                <a14:useLocalDpi xmlns:a14="http://schemas.microsoft.com/office/drawing/2010/main" val="0"/>
+              </a:ext>
+            </a:extLst>
+          </a:blip>
+          <a:stretch>
+            <a:fillRect/>
+          </a:stretch>
+        </p:blipFill>
+        <p:spPr>
+          <a:xfrm>
+            <a:off x="4726638" y="4537877"/>
+            <a:ext cx="952500" cy="952500"/>
+          </a:xfrm>
+          <a:prstGeom prst="rect">
+            <a:avLst/>
+          </a:prstGeom>
+        </p:spPr>
+      </p:pic>
+      <p:pic>
+        <p:nvPicPr>
+          <p:cNvPr id="26" name="Afbeelding 25" descr="Afbeelding met Amber, geel, sinaasappel&#10;&#10;Automatisch gegenereerde beschrijving">
+            <a:extLst>
+              <a:ext uri="{FF2B5EF4-FFF2-40B4-BE49-F238E27FC236}">
+                <a16:creationId xmlns:a16="http://schemas.microsoft.com/office/drawing/2014/main" id="{C10DDB93-A108-5D9F-67FA-98D6C6CEC610}"/>
+              </a:ext>
+            </a:extLst>
+          </p:cNvPr>
+          <p:cNvPicPr>
+            <a:picLocks noChangeAspect="1"/>
+          </p:cNvPicPr>
+          <p:nvPr/>
+        </p:nvPicPr>
+        <p:blipFill>
+          <a:blip r:embed="rId3">
+            <a:extLst>
+              <a:ext uri="{28A0092B-C50C-407E-A947-70E740481C1C}">
+                <a14:useLocalDpi xmlns:a14="http://schemas.microsoft.com/office/drawing/2010/main" val="0"/>
+              </a:ext>
+            </a:extLst>
+          </a:blip>
+          <a:stretch>
+            <a:fillRect/>
+          </a:stretch>
+        </p:blipFill>
+        <p:spPr>
+          <a:xfrm>
+            <a:off x="6095999" y="4537877"/>
+            <a:ext cx="952500" cy="952500"/>
+          </a:xfrm>
+          <a:prstGeom prst="rect">
+            <a:avLst/>
+          </a:prstGeom>
+        </p:spPr>
+      </p:pic>
+      <p:pic>
+        <p:nvPicPr>
+          <p:cNvPr id="27" name="Afbeelding 26" descr="Afbeelding met Amber, geel, sinaasappel&#10;&#10;Automatisch gegenereerde beschrijving">
+            <a:extLst>
+              <a:ext uri="{FF2B5EF4-FFF2-40B4-BE49-F238E27FC236}">
+                <a16:creationId xmlns:a16="http://schemas.microsoft.com/office/drawing/2014/main" id="{6E6CF913-351C-806E-438D-F6227D74B45C}"/>
+              </a:ext>
+            </a:extLst>
+          </p:cNvPr>
+          <p:cNvPicPr>
+            <a:picLocks noChangeAspect="1"/>
+          </p:cNvPicPr>
+          <p:nvPr/>
+        </p:nvPicPr>
+        <p:blipFill>
+          <a:blip r:embed="rId3">
+            <a:extLst>
+              <a:ext uri="{28A0092B-C50C-407E-A947-70E740481C1C}">
+                <a14:useLocalDpi xmlns:a14="http://schemas.microsoft.com/office/drawing/2010/main" val="0"/>
+              </a:ext>
+            </a:extLst>
+          </a:blip>
+          <a:stretch>
+            <a:fillRect/>
+          </a:stretch>
+        </p:blipFill>
+        <p:spPr>
+          <a:xfrm>
+            <a:off x="7482170" y="4537877"/>
+            <a:ext cx="952500" cy="952500"/>
+          </a:xfrm>
+          <a:prstGeom prst="rect">
+            <a:avLst/>
+          </a:prstGeom>
+        </p:spPr>
+      </p:pic>
+      <p:pic>
+        <p:nvPicPr>
+          <p:cNvPr id="28" name="Afbeelding 27" descr="Afbeelding met Amber, geel, sinaasappel&#10;&#10;Automatisch gegenereerde beschrijving">
+            <a:extLst>
+              <a:ext uri="{FF2B5EF4-FFF2-40B4-BE49-F238E27FC236}">
+                <a16:creationId xmlns:a16="http://schemas.microsoft.com/office/drawing/2014/main" id="{20AB0258-82D1-DA6A-9C88-BA9E280B8F02}"/>
+              </a:ext>
+            </a:extLst>
+          </p:cNvPr>
+          <p:cNvPicPr>
+            <a:picLocks noChangeAspect="1"/>
+          </p:cNvPicPr>
+          <p:nvPr/>
+        </p:nvPicPr>
+        <p:blipFill>
+          <a:blip r:embed="rId3">
+            <a:extLst>
+              <a:ext uri="{28A0092B-C50C-407E-A947-70E740481C1C}">
+                <a14:useLocalDpi xmlns:a14="http://schemas.microsoft.com/office/drawing/2010/main" val="0"/>
+              </a:ext>
+            </a:extLst>
+          </a:blip>
+          <a:stretch>
+            <a:fillRect/>
+          </a:stretch>
+        </p:blipFill>
+        <p:spPr>
+          <a:xfrm>
+            <a:off x="3357277" y="5812900"/>
+            <a:ext cx="952500" cy="952500"/>
+          </a:xfrm>
+          <a:prstGeom prst="rect">
+            <a:avLst/>
+          </a:prstGeom>
+        </p:spPr>
+      </p:pic>
+      <p:pic>
+        <p:nvPicPr>
+          <p:cNvPr id="29" name="Afbeelding 28" descr="Afbeelding met Amber, geel, sinaasappel&#10;&#10;Automatisch gegenereerde beschrijving">
+            <a:extLst>
+              <a:ext uri="{FF2B5EF4-FFF2-40B4-BE49-F238E27FC236}">
+                <a16:creationId xmlns:a16="http://schemas.microsoft.com/office/drawing/2014/main" id="{15058A18-4ADD-540B-497D-31547CE1FC82}"/>
+              </a:ext>
+            </a:extLst>
+          </p:cNvPr>
+          <p:cNvPicPr>
+            <a:picLocks noChangeAspect="1"/>
+          </p:cNvPicPr>
+          <p:nvPr/>
+        </p:nvPicPr>
+        <p:blipFill>
+          <a:blip r:embed="rId3">
+            <a:extLst>
+              <a:ext uri="{28A0092B-C50C-407E-A947-70E740481C1C}">
+                <a14:useLocalDpi xmlns:a14="http://schemas.microsoft.com/office/drawing/2010/main" val="0"/>
+              </a:ext>
+            </a:extLst>
+          </a:blip>
+          <a:stretch>
+            <a:fillRect/>
+          </a:stretch>
+        </p:blipFill>
+        <p:spPr>
+          <a:xfrm>
+            <a:off x="4726638" y="5812900"/>
+            <a:ext cx="952500" cy="952500"/>
+          </a:xfrm>
+          <a:prstGeom prst="rect">
+            <a:avLst/>
+          </a:prstGeom>
+        </p:spPr>
+      </p:pic>
+      <p:pic>
+        <p:nvPicPr>
+          <p:cNvPr id="30" name="Afbeelding 29" descr="Afbeelding met Amber, geel, sinaasappel&#10;&#10;Automatisch gegenereerde beschrijving">
+            <a:extLst>
+              <a:ext uri="{FF2B5EF4-FFF2-40B4-BE49-F238E27FC236}">
+                <a16:creationId xmlns:a16="http://schemas.microsoft.com/office/drawing/2014/main" id="{4F848E80-6210-A214-9F16-488396C58DF7}"/>
+              </a:ext>
+            </a:extLst>
+          </p:cNvPr>
+          <p:cNvPicPr>
+            <a:picLocks noChangeAspect="1"/>
+          </p:cNvPicPr>
+          <p:nvPr/>
+        </p:nvPicPr>
+        <p:blipFill>
+          <a:blip r:embed="rId3">
+            <a:extLst>
+              <a:ext uri="{28A0092B-C50C-407E-A947-70E740481C1C}">
+                <a14:useLocalDpi xmlns:a14="http://schemas.microsoft.com/office/drawing/2010/main" val="0"/>
+              </a:ext>
+            </a:extLst>
+          </a:blip>
+          <a:stretch>
+            <a:fillRect/>
+          </a:stretch>
+        </p:blipFill>
+        <p:spPr>
+          <a:xfrm>
+            <a:off x="6095999" y="5801254"/>
+            <a:ext cx="952500" cy="952500"/>
+          </a:xfrm>
+          <a:prstGeom prst="rect">
+            <a:avLst/>
+          </a:prstGeom>
+        </p:spPr>
+      </p:pic>
+      <p:pic>
+        <p:nvPicPr>
+          <p:cNvPr id="31" name="Afbeelding 30" descr="Afbeelding met Amber, geel, sinaasappel&#10;&#10;Automatisch gegenereerde beschrijving">
+            <a:extLst>
+              <a:ext uri="{FF2B5EF4-FFF2-40B4-BE49-F238E27FC236}">
+                <a16:creationId xmlns:a16="http://schemas.microsoft.com/office/drawing/2014/main" id="{5507183A-9D20-A1F1-C820-A5335B741174}"/>
+              </a:ext>
+            </a:extLst>
+          </p:cNvPr>
+          <p:cNvPicPr>
+            <a:picLocks noChangeAspect="1"/>
+          </p:cNvPicPr>
+          <p:nvPr/>
+        </p:nvPicPr>
+        <p:blipFill>
+          <a:blip r:embed="rId3">
+            <a:extLst>
+              <a:ext uri="{28A0092B-C50C-407E-A947-70E740481C1C}">
+                <a14:useLocalDpi xmlns:a14="http://schemas.microsoft.com/office/drawing/2010/main" val="0"/>
+              </a:ext>
+            </a:extLst>
+          </a:blip>
+          <a:stretch>
+            <a:fillRect/>
+          </a:stretch>
+        </p:blipFill>
+        <p:spPr>
+          <a:xfrm>
+            <a:off x="7482170" y="5812900"/>
+            <a:ext cx="952500" cy="952500"/>
+          </a:xfrm>
+          <a:prstGeom prst="rect">
+            <a:avLst/>
+          </a:prstGeom>
+        </p:spPr>
+      </p:pic>
+      <p:pic>
+        <p:nvPicPr>
+          <p:cNvPr id="39" name="Afbeelding 38" descr="Afbeelding met Dierfiguur, clipart, tekenfilm, zoogdier&#10;&#10;Automatisch gegenereerde beschrijving">
+            <a:extLst>
+              <a:ext uri="{FF2B5EF4-FFF2-40B4-BE49-F238E27FC236}">
+                <a16:creationId xmlns:a16="http://schemas.microsoft.com/office/drawing/2014/main" id="{9E16B37A-9AC6-0BA5-9850-3C598DB8FFAB}"/>
+              </a:ext>
+            </a:extLst>
+          </p:cNvPr>
+          <p:cNvPicPr>
+            <a:picLocks noChangeAspect="1"/>
+          </p:cNvPicPr>
+          <p:nvPr/>
+        </p:nvPicPr>
+        <p:blipFill>
+          <a:blip r:embed="rId4">
+            <a:extLst>
+              <a:ext uri="{28A0092B-C50C-407E-A947-70E740481C1C}">
+                <a14:useLocalDpi xmlns:a14="http://schemas.microsoft.com/office/drawing/2010/main" val="0"/>
+              </a:ext>
+            </a:extLst>
+          </a:blip>
+          <a:stretch>
+            <a:fillRect/>
+          </a:stretch>
+        </p:blipFill>
+        <p:spPr>
+          <a:xfrm>
+            <a:off x="4726638" y="1910077"/>
+            <a:ext cx="952500" cy="961361"/>
+          </a:xfrm>
+          <a:prstGeom prst="rect">
+            <a:avLst/>
+          </a:prstGeom>
+        </p:spPr>
+      </p:pic>
+      <p:pic>
+        <p:nvPicPr>
+          <p:cNvPr id="41" name="Afbeelding 40" descr="Afbeelding met Dierfiguur, clipart, tekenfilm, zoogdier&#10;&#10;Automatisch gegenereerde beschrijving">
+            <a:extLst>
+              <a:ext uri="{FF2B5EF4-FFF2-40B4-BE49-F238E27FC236}">
+                <a16:creationId xmlns:a16="http://schemas.microsoft.com/office/drawing/2014/main" id="{DD7078D3-8F73-7FEB-CAD0-87540A7BC4B6}"/>
+              </a:ext>
+            </a:extLst>
+          </p:cNvPr>
+          <p:cNvPicPr>
+            <a:picLocks noChangeAspect="1"/>
+          </p:cNvPicPr>
+          <p:nvPr/>
+        </p:nvPicPr>
+        <p:blipFill>
+          <a:blip r:embed="rId4">
+            <a:extLst>
+              <a:ext uri="{28A0092B-C50C-407E-A947-70E740481C1C}">
+                <a14:useLocalDpi xmlns:a14="http://schemas.microsoft.com/office/drawing/2010/main" val="0"/>
+              </a:ext>
+            </a:extLst>
+          </a:blip>
+          <a:stretch>
+            <a:fillRect/>
+          </a:stretch>
+        </p:blipFill>
+        <p:spPr>
+          <a:xfrm>
+            <a:off x="7465360" y="5812900"/>
+            <a:ext cx="969310" cy="952500"/>
+          </a:xfrm>
+          <a:prstGeom prst="rect">
+            <a:avLst/>
+          </a:prstGeom>
+        </p:spPr>
+      </p:pic>
+      <p:pic>
+        <p:nvPicPr>
+          <p:cNvPr id="43" name="Afbeelding 42" descr="Afbeelding met Dierfiguur, tekenfilm, speelgoed&#10;&#10;Automatisch gegenereerde beschrijving">
+            <a:extLst>
+              <a:ext uri="{FF2B5EF4-FFF2-40B4-BE49-F238E27FC236}">
+                <a16:creationId xmlns:a16="http://schemas.microsoft.com/office/drawing/2014/main" id="{437D3EBE-69B5-AFB3-2A8F-B6AF52D4AEAA}"/>
+              </a:ext>
+            </a:extLst>
+          </p:cNvPr>
+          <p:cNvPicPr>
+            <a:picLocks noChangeAspect="1"/>
+          </p:cNvPicPr>
+          <p:nvPr/>
+        </p:nvPicPr>
+        <p:blipFill>
+          <a:blip r:embed="rId5">
+            <a:extLst>
+              <a:ext uri="{28A0092B-C50C-407E-A947-70E740481C1C}">
+                <a14:useLocalDpi xmlns:a14="http://schemas.microsoft.com/office/drawing/2010/main" val="0"/>
+              </a:ext>
+            </a:extLst>
+          </a:blip>
+          <a:stretch>
+            <a:fillRect/>
+          </a:stretch>
+        </p:blipFill>
+        <p:spPr>
+          <a:xfrm>
+            <a:off x="3357005" y="4537877"/>
+            <a:ext cx="952500" cy="952500"/>
+          </a:xfrm>
+          <a:prstGeom prst="rect">
+            <a:avLst/>
+          </a:prstGeom>
+        </p:spPr>
+      </p:pic>
+      <p:pic>
+        <p:nvPicPr>
+          <p:cNvPr id="45" name="Afbeelding 44" descr="Afbeelding met reptiel, groen, zoogdier, kameleon&#10;&#10;Automatisch gegenereerde beschrijving">
+            <a:extLst>
+              <a:ext uri="{FF2B5EF4-FFF2-40B4-BE49-F238E27FC236}">
+                <a16:creationId xmlns:a16="http://schemas.microsoft.com/office/drawing/2014/main" id="{4BAEA721-0A28-9960-10ED-C5D85E729849}"/>
+              </a:ext>
+            </a:extLst>
+          </p:cNvPr>
+          <p:cNvPicPr>
+            <a:picLocks noChangeAspect="1"/>
+          </p:cNvPicPr>
+          <p:nvPr/>
+        </p:nvPicPr>
+        <p:blipFill>
+          <a:blip r:embed="rId6">
+            <a:extLst>
+              <a:ext uri="{28A0092B-C50C-407E-A947-70E740481C1C}">
+                <a14:useLocalDpi xmlns:a14="http://schemas.microsoft.com/office/drawing/2010/main" val="0"/>
+              </a:ext>
+            </a:extLst>
+          </a:blip>
+          <a:stretch>
+            <a:fillRect/>
+          </a:stretch>
+        </p:blipFill>
+        <p:spPr>
+          <a:xfrm>
+            <a:off x="6095999" y="3272678"/>
+            <a:ext cx="1010194" cy="1010194"/>
+          </a:xfrm>
+          <a:prstGeom prst="rect">
+            <a:avLst/>
+          </a:prstGeom>
+        </p:spPr>
+      </p:pic>
+    </p:spTree>
+    <p:extLst>
+      <p:ext uri="{BB962C8B-B14F-4D97-AF65-F5344CB8AC3E}">
+        <p14:creationId xmlns:p14="http://schemas.microsoft.com/office/powerpoint/2010/main" val="2812163924"/>
       </p:ext>
     </p:extLst>
   </p:cSld>
@@ -6627,6 +9386,15 @@
 </file>
 
 <file path=customXml/item1.xml><?xml version="1.0" encoding="utf-8"?>
+<?mso-contentType ?>
+<FormTemplates xmlns="http://schemas.microsoft.com/sharepoint/v3/contenttype/forms">
+  <Display>DocumentLibraryForm</Display>
+  <Edit>DocumentLibraryForm</Edit>
+  <New>DocumentLibraryForm</New>
+</FormTemplates>
+</file>
+
+<file path=customXml/item2.xml><?xml version="1.0" encoding="utf-8"?>
 <ct:contentTypeSchema xmlns:ct="http://schemas.microsoft.com/office/2006/metadata/contentType" xmlns:ma="http://schemas.microsoft.com/office/2006/metadata/properties/metaAttributes" ct:_="" ma:_="" ma:contentTypeName="Document" ma:contentTypeID="0x0101002BD66018AB4B1343989ADD3C11EB775C" ma:contentTypeVersion="11" ma:contentTypeDescription="Create a new document." ma:contentTypeScope="" ma:versionID="605e014ab6b789e3e0c0f3798317e286">
   <xsd:schema xmlns:xsd="http://www.w3.org/2001/XMLSchema" xmlns:xs="http://www.w3.org/2001/XMLSchema" xmlns:p="http://schemas.microsoft.com/office/2006/metadata/properties" xmlns:ns2="84244a3b-d0b0-45a4-9cd2-b5a0ca778017" xmlns:ns3="30e87129-243d-4b86-880a-79aaebc09ed6" targetNamespace="http://schemas.microsoft.com/office/2006/metadata/properties" ma:root="true" ma:fieldsID="66bae63700ff0805b7e509f75d318f4c" ns2:_="" ns3:_="">
     <xsd:import namespace="84244a3b-d0b0-45a4-9cd2-b5a0ca778017"/>
@@ -6833,15 +9601,6 @@
 </ct:contentTypeSchema>
 </file>
 
-<file path=customXml/item2.xml><?xml version="1.0" encoding="utf-8"?>
-<?mso-contentType ?>
-<FormTemplates xmlns="http://schemas.microsoft.com/sharepoint/v3/contenttype/forms">
-  <Display>DocumentLibraryForm</Display>
-  <Edit>DocumentLibraryForm</Edit>
-  <New>DocumentLibraryForm</New>
-</FormTemplates>
-</file>
-
 <file path=customXml/item3.xml><?xml version="1.0" encoding="utf-8"?>
 <p:properties xmlns:p="http://schemas.microsoft.com/office/2006/metadata/properties" xmlns:xsi="http://www.w3.org/2001/XMLSchema-instance" xmlns:pc="http://schemas.microsoft.com/office/infopath/2007/PartnerControls">
   <documentManagement>
@@ -6851,10 +9610,6 @@
 </file>
 
 <file path=customXml/itemProps1.xml><?xml version="1.0" encoding="utf-8"?>
-<ds:datastoreItem xmlns:ds="http://schemas.openxmlformats.org/officeDocument/2006/customXml" ds:itemID="{C1C84639-4CC0-4A68-A438-08049F238298}"/>
-</file>
-
-<file path=customXml/itemProps2.xml><?xml version="1.0" encoding="utf-8"?>
 <ds:datastoreItem xmlns:ds="http://schemas.openxmlformats.org/officeDocument/2006/customXml" ds:itemID="{3704B768-05C0-4759-A4E2-077693C04C02}">
   <ds:schemaRefs>
     <ds:schemaRef ds:uri="http://schemas.microsoft.com/sharepoint/v3/contenttype/forms"/>
@@ -6862,6 +9617,31 @@
 </ds:datastoreItem>
 </file>
 
+<file path=customXml/itemProps2.xml><?xml version="1.0" encoding="utf-8"?>
+<ds:datastoreItem xmlns:ds="http://schemas.openxmlformats.org/officeDocument/2006/customXml" ds:itemID="{C1C84639-4CC0-4A68-A438-08049F238298}">
+  <ds:schemaRefs>
+    <ds:schemaRef ds:uri="http://schemas.microsoft.com/office/2006/metadata/contentType"/>
+    <ds:schemaRef ds:uri="http://schemas.microsoft.com/office/2006/metadata/properties/metaAttributes"/>
+    <ds:schemaRef ds:uri="http://www.w3.org/2001/XMLSchema"/>
+    <ds:schemaRef ds:uri="http://schemas.microsoft.com/office/2006/metadata/properties"/>
+    <ds:schemaRef ds:uri="84244a3b-d0b0-45a4-9cd2-b5a0ca778017"/>
+    <ds:schemaRef ds:uri="30e87129-243d-4b86-880a-79aaebc09ed6"/>
+    <ds:schemaRef ds:uri="http://schemas.microsoft.com/office/2006/documentManagement/types"/>
+    <ds:schemaRef ds:uri="http://schemas.microsoft.com/office/infopath/2007/PartnerControls"/>
+    <ds:schemaRef ds:uri="http://schemas.openxmlformats.org/package/2006/metadata/core-properties"/>
+    <ds:schemaRef ds:uri="http://purl.org/dc/elements/1.1/"/>
+    <ds:schemaRef ds:uri="http://purl.org/dc/terms/"/>
+    <ds:schemaRef ds:uri="http://schemas.microsoft.com/internal/obd"/>
+  </ds:schemaRefs>
+</ds:datastoreItem>
+</file>
+
 <file path=customXml/itemProps3.xml><?xml version="1.0" encoding="utf-8"?>
-<ds:datastoreItem xmlns:ds="http://schemas.openxmlformats.org/officeDocument/2006/customXml" ds:itemID="{666AF064-F853-4A22-8A2C-BF3221FC9B18}"/>
+<ds:datastoreItem xmlns:ds="http://schemas.openxmlformats.org/officeDocument/2006/customXml" ds:itemID="{666AF064-F853-4A22-8A2C-BF3221FC9B18}">
+  <ds:schemaRefs>
+    <ds:schemaRef ds:uri="http://schemas.microsoft.com/office/2006/metadata/properties"/>
+    <ds:schemaRef ds:uri="http://schemas.microsoft.com/office/infopath/2007/PartnerControls"/>
+    <ds:schemaRef ds:uri="84244a3b-d0b0-45a4-9cd2-b5a0ca778017"/>
+  </ds:schemaRefs>
+</ds:datastoreItem>
 </file>